--- a/doc/WEST_Antenna_Circuit_Model.pptx
+++ b/doc/WEST_Antenna_Circuit_Model.pptx
@@ -5,7 +5,7 @@
     <p:sldMasterId id="2147483660" r:id="rId1"/>
   </p:sldMasterIdLst>
   <p:notesMasterIdLst>
-    <p:notesMasterId r:id="rId13"/>
+    <p:notesMasterId r:id="rId11"/>
   </p:notesMasterIdLst>
   <p:sldIdLst>
     <p:sldId id="256" r:id="rId2"/>
@@ -14,11 +14,9 @@
     <p:sldId id="260" r:id="rId5"/>
     <p:sldId id="258" r:id="rId6"/>
     <p:sldId id="257" r:id="rId7"/>
-    <p:sldId id="273" r:id="rId8"/>
-    <p:sldId id="261" r:id="rId9"/>
-    <p:sldId id="268" r:id="rId10"/>
-    <p:sldId id="262" r:id="rId11"/>
-    <p:sldId id="265" r:id="rId12"/>
+    <p:sldId id="276" r:id="rId8"/>
+    <p:sldId id="273" r:id="rId9"/>
+    <p:sldId id="261" r:id="rId10"/>
   </p:sldIdLst>
   <p:sldSz cx="12192000" cy="6858000"/>
   <p:notesSz cx="6858000" cy="9144000"/>
@@ -207,7 +205,7 @@
           <a:p>
             <a:fld id="{1376020A-F047-4D6F-8A37-6940ED7BDB0C}" type="datetimeFigureOut">
               <a:rPr lang="en-GB" smtClean="0"/>
-              <a:t>25/09/2020</a:t>
+              <a:t>06/12/2020</a:t>
             </a:fld>
             <a:endParaRPr lang="en-GB"/>
           </a:p>
@@ -5431,7 +5429,7 @@
                   </a:schemeClr>
                 </a:solidFill>
               </a:rPr>
-              <a:t>25 septembre 2020</a:t>
+              <a:t>6 décembre 2020</a:t>
             </a:fld>
             <a:endParaRPr lang="fr-FR" sz="1100" dirty="0">
               <a:solidFill>
@@ -6005,370 +6003,6 @@
 </p:sld>
 </file>
 
-<file path=ppt/slides/slide10.xml><?xml version="1.0" encoding="utf-8"?>
-<p:sld xmlns:a="http://schemas.openxmlformats.org/drawingml/2006/main" xmlns:r="http://schemas.openxmlformats.org/officeDocument/2006/relationships" xmlns:p="http://schemas.openxmlformats.org/presentationml/2006/main">
-  <p:cSld>
-    <p:spTree>
-      <p:nvGrpSpPr>
-        <p:cNvPr id="1" name=""/>
-        <p:cNvGrpSpPr/>
-        <p:nvPr/>
-      </p:nvGrpSpPr>
-      <p:grpSpPr>
-        <a:xfrm>
-          <a:off x="0" y="0"/>
-          <a:ext cx="0" cy="0"/>
-          <a:chOff x="0" y="0"/>
-          <a:chExt cx="0" cy="0"/>
-        </a:xfrm>
-      </p:grpSpPr>
-      <p:sp>
-        <p:nvSpPr>
-          <p:cNvPr id="2" name="Titre 1"/>
-          <p:cNvSpPr>
-            <a:spLocks noGrp="1"/>
-          </p:cNvSpPr>
-          <p:nvPr>
-            <p:ph type="title"/>
-          </p:nvPr>
-        </p:nvSpPr>
-        <p:spPr/>
-        <p:txBody>
-          <a:bodyPr/>
-          <a:lstStyle/>
-          <a:p>
-            <a:r>
-              <a:rPr lang="en-GB" dirty="0" smtClean="0"/>
-              <a:t>Vacuum Case (curved front-face model)</a:t>
-            </a:r>
-            <a:endParaRPr lang="en-GB" dirty="0"/>
-          </a:p>
-        </p:txBody>
-      </p:sp>
-      <p:sp>
-        <p:nvSpPr>
-          <p:cNvPr id="3" name="Espace réservé du contenu 2"/>
-          <p:cNvSpPr>
-            <a:spLocks noGrp="1"/>
-          </p:cNvSpPr>
-          <p:nvPr>
-            <p:ph idx="1"/>
-          </p:nvPr>
-        </p:nvSpPr>
-        <p:spPr>
-          <a:xfrm>
-            <a:off x="341376" y="1630412"/>
-            <a:ext cx="11055323" cy="436748"/>
-          </a:xfrm>
-        </p:spPr>
-        <p:txBody>
-          <a:bodyPr/>
-          <a:lstStyle/>
-          <a:p>
-            <a:r>
-              <a:rPr lang="en-GB" dirty="0" smtClean="0"/>
-              <a:t> Voltage magnitudes and toroidal phase differences at f</a:t>
-            </a:r>
-            <a:endParaRPr lang="en-GB" dirty="0"/>
-          </a:p>
-        </p:txBody>
-      </p:sp>
-      <p:sp>
-        <p:nvSpPr>
-          <p:cNvPr id="4" name="Espace réservé du texte 3"/>
-          <p:cNvSpPr>
-            <a:spLocks noGrp="1"/>
-          </p:cNvSpPr>
-          <p:nvPr>
-            <p:ph type="body" sz="quarter" idx="12"/>
-          </p:nvPr>
-        </p:nvSpPr>
-        <p:spPr/>
-        <p:txBody>
-          <a:bodyPr/>
-          <a:lstStyle/>
-          <a:p>
-            <a:r>
-              <a:rPr lang="en-GB" dirty="0" smtClean="0"/>
-              <a:t>Antenna front-face : vacuum case</a:t>
-            </a:r>
-            <a:endParaRPr lang="en-GB" dirty="0"/>
-          </a:p>
-        </p:txBody>
-      </p:sp>
-      <p:pic>
-        <p:nvPicPr>
-          <p:cNvPr id="8" name="Image 7"/>
-          <p:cNvPicPr>
-            <a:picLocks noChangeAspect="1"/>
-          </p:cNvPicPr>
-          <p:nvPr/>
-        </p:nvPicPr>
-        <p:blipFill>
-          <a:blip r:embed="rId2"/>
-          <a:stretch>
-            <a:fillRect/>
-          </a:stretch>
-        </p:blipFill>
-        <p:spPr>
-          <a:xfrm>
-            <a:off x="6096762" y="2067160"/>
-            <a:ext cx="6095238" cy="4571429"/>
-          </a:xfrm>
-          <a:prstGeom prst="rect">
-            <a:avLst/>
-          </a:prstGeom>
-        </p:spPr>
-      </p:pic>
-      <p:pic>
-        <p:nvPicPr>
-          <p:cNvPr id="10" name="Image 9"/>
-          <p:cNvPicPr>
-            <a:picLocks noChangeAspect="1"/>
-          </p:cNvPicPr>
-          <p:nvPr/>
-        </p:nvPicPr>
-        <p:blipFill>
-          <a:blip r:embed="rId3"/>
-          <a:stretch>
-            <a:fillRect/>
-          </a:stretch>
-        </p:blipFill>
-        <p:spPr>
-          <a:xfrm>
-            <a:off x="1524" y="2067160"/>
-            <a:ext cx="6095238" cy="4571429"/>
-          </a:xfrm>
-          <a:prstGeom prst="rect">
-            <a:avLst/>
-          </a:prstGeom>
-        </p:spPr>
-      </p:pic>
-      <p:sp>
-        <p:nvSpPr>
-          <p:cNvPr id="5" name="Espace réservé du numéro de diapositive 4"/>
-          <p:cNvSpPr>
-            <a:spLocks noGrp="1"/>
-          </p:cNvSpPr>
-          <p:nvPr>
-            <p:ph type="sldNum" sz="quarter" idx="10"/>
-          </p:nvPr>
-        </p:nvSpPr>
-        <p:spPr/>
-        <p:txBody>
-          <a:bodyPr/>
-          <a:lstStyle/>
-          <a:p>
-            <a:fld id="{CB10B659-826B-4DD2-AF43-E1305E666421}" type="slidenum">
-              <a:rPr lang="en-GB" smtClean="0"/>
-              <a:t>10</a:t>
-            </a:fld>
-            <a:endParaRPr lang="en-GB"/>
-          </a:p>
-        </p:txBody>
-      </p:sp>
-    </p:spTree>
-    <p:extLst>
-      <p:ext uri="{BB962C8B-B14F-4D97-AF65-F5344CB8AC3E}">
-        <p14:creationId xmlns:p14="http://schemas.microsoft.com/office/powerpoint/2010/main" val="2480116628"/>
-      </p:ext>
-    </p:extLst>
-  </p:cSld>
-  <p:clrMapOvr>
-    <a:masterClrMapping/>
-  </p:clrMapOvr>
-  <p:timing>
-    <p:tnLst>
-      <p:par>
-        <p:cTn id="1" dur="indefinite" restart="never" nodeType="tmRoot"/>
-      </p:par>
-    </p:tnLst>
-  </p:timing>
-</p:sld>
-</file>
-
-<file path=ppt/slides/slide11.xml><?xml version="1.0" encoding="utf-8"?>
-<p:sld xmlns:a="http://schemas.openxmlformats.org/drawingml/2006/main" xmlns:r="http://schemas.openxmlformats.org/officeDocument/2006/relationships" xmlns:p="http://schemas.openxmlformats.org/presentationml/2006/main">
-  <p:cSld>
-    <p:spTree>
-      <p:nvGrpSpPr>
-        <p:cNvPr id="1" name=""/>
-        <p:cNvGrpSpPr/>
-        <p:nvPr/>
-      </p:nvGrpSpPr>
-      <p:grpSpPr>
-        <a:xfrm>
-          <a:off x="0" y="0"/>
-          <a:ext cx="0" cy="0"/>
-          <a:chOff x="0" y="0"/>
-          <a:chExt cx="0" cy="0"/>
-        </a:xfrm>
-      </p:grpSpPr>
-      <p:sp>
-        <p:nvSpPr>
-          <p:cNvPr id="2" name="Titre 1"/>
-          <p:cNvSpPr>
-            <a:spLocks noGrp="1"/>
-          </p:cNvSpPr>
-          <p:nvPr>
-            <p:ph type="title"/>
-          </p:nvPr>
-        </p:nvSpPr>
-        <p:spPr/>
-        <p:txBody>
-          <a:bodyPr/>
-          <a:lstStyle/>
-          <a:p>
-            <a:r>
-              <a:rPr lang="en-GB" dirty="0" smtClean="0"/>
-              <a:t>Vacuum Case (curved front-face model)</a:t>
-            </a:r>
-            <a:endParaRPr lang="en-GB" dirty="0"/>
-          </a:p>
-        </p:txBody>
-      </p:sp>
-      <p:sp>
-        <p:nvSpPr>
-          <p:cNvPr id="3" name="Espace réservé du contenu 2"/>
-          <p:cNvSpPr>
-            <a:spLocks noGrp="1"/>
-          </p:cNvSpPr>
-          <p:nvPr>
-            <p:ph idx="1"/>
-          </p:nvPr>
-        </p:nvSpPr>
-        <p:spPr>
-          <a:xfrm>
-            <a:off x="341376" y="1630412"/>
-            <a:ext cx="11055323" cy="436748"/>
-          </a:xfrm>
-        </p:spPr>
-        <p:txBody>
-          <a:bodyPr/>
-          <a:lstStyle/>
-          <a:p>
-            <a:r>
-              <a:rPr lang="en-GB" dirty="0" smtClean="0"/>
-              <a:t> Current magnitudes and toroidal phase differences at f</a:t>
-            </a:r>
-            <a:endParaRPr lang="en-GB" dirty="0"/>
-          </a:p>
-        </p:txBody>
-      </p:sp>
-      <p:sp>
-        <p:nvSpPr>
-          <p:cNvPr id="4" name="Espace réservé du texte 3"/>
-          <p:cNvSpPr>
-            <a:spLocks noGrp="1"/>
-          </p:cNvSpPr>
-          <p:nvPr>
-            <p:ph type="body" sz="quarter" idx="12"/>
-          </p:nvPr>
-        </p:nvSpPr>
-        <p:spPr/>
-        <p:txBody>
-          <a:bodyPr/>
-          <a:lstStyle/>
-          <a:p>
-            <a:r>
-              <a:rPr lang="en-GB" dirty="0" smtClean="0"/>
-              <a:t>Antenna front-face : vacuum case</a:t>
-            </a:r>
-            <a:endParaRPr lang="en-GB" dirty="0"/>
-          </a:p>
-        </p:txBody>
-      </p:sp>
-      <p:pic>
-        <p:nvPicPr>
-          <p:cNvPr id="6" name="Image 5"/>
-          <p:cNvPicPr>
-            <a:picLocks noChangeAspect="1"/>
-          </p:cNvPicPr>
-          <p:nvPr/>
-        </p:nvPicPr>
-        <p:blipFill>
-          <a:blip r:embed="rId2"/>
-          <a:stretch>
-            <a:fillRect/>
-          </a:stretch>
-        </p:blipFill>
-        <p:spPr>
-          <a:xfrm>
-            <a:off x="6096762" y="2067160"/>
-            <a:ext cx="6095238" cy="4571429"/>
-          </a:xfrm>
-          <a:prstGeom prst="rect">
-            <a:avLst/>
-          </a:prstGeom>
-        </p:spPr>
-      </p:pic>
-      <p:pic>
-        <p:nvPicPr>
-          <p:cNvPr id="7" name="Image 6"/>
-          <p:cNvPicPr>
-            <a:picLocks noChangeAspect="1"/>
-          </p:cNvPicPr>
-          <p:nvPr/>
-        </p:nvPicPr>
-        <p:blipFill>
-          <a:blip r:embed="rId3"/>
-          <a:stretch>
-            <a:fillRect/>
-          </a:stretch>
-        </p:blipFill>
-        <p:spPr>
-          <a:xfrm>
-            <a:off x="1524" y="2067160"/>
-            <a:ext cx="6095238" cy="4571429"/>
-          </a:xfrm>
-          <a:prstGeom prst="rect">
-            <a:avLst/>
-          </a:prstGeom>
-        </p:spPr>
-      </p:pic>
-      <p:sp>
-        <p:nvSpPr>
-          <p:cNvPr id="5" name="Espace réservé du numéro de diapositive 4"/>
-          <p:cNvSpPr>
-            <a:spLocks noGrp="1"/>
-          </p:cNvSpPr>
-          <p:nvPr>
-            <p:ph type="sldNum" sz="quarter" idx="10"/>
-          </p:nvPr>
-        </p:nvSpPr>
-        <p:spPr/>
-        <p:txBody>
-          <a:bodyPr/>
-          <a:lstStyle/>
-          <a:p>
-            <a:fld id="{CB10B659-826B-4DD2-AF43-E1305E666421}" type="slidenum">
-              <a:rPr lang="en-GB" smtClean="0"/>
-              <a:t>11</a:t>
-            </a:fld>
-            <a:endParaRPr lang="en-GB"/>
-          </a:p>
-        </p:txBody>
-      </p:sp>
-    </p:spTree>
-    <p:extLst>
-      <p:ext uri="{BB962C8B-B14F-4D97-AF65-F5344CB8AC3E}">
-        <p14:creationId xmlns:p14="http://schemas.microsoft.com/office/powerpoint/2010/main" val="98311784"/>
-      </p:ext>
-    </p:extLst>
-  </p:cSld>
-  <p:clrMapOvr>
-    <a:masterClrMapping/>
-  </p:clrMapOvr>
-  <p:timing>
-    <p:tnLst>
-      <p:par>
-        <p:cTn id="1" dur="indefinite" restart="never" nodeType="tmRoot"/>
-      </p:par>
-    </p:tnLst>
-  </p:timing>
-</p:sld>
-</file>
-
 <file path=ppt/slides/slide2.xml><?xml version="1.0" encoding="utf-8"?>
 <p:sld xmlns:a="http://schemas.openxmlformats.org/drawingml/2006/main" xmlns:r="http://schemas.openxmlformats.org/officeDocument/2006/relationships" xmlns:p="http://schemas.openxmlformats.org/presentationml/2006/main">
   <p:cSld>
@@ -6712,6 +6346,41 @@
               <a:t>2</a:t>
             </a:fld>
             <a:endParaRPr lang="en-GB"/>
+          </a:p>
+        </p:txBody>
+      </p:sp>
+      <p:sp>
+        <p:nvSpPr>
+          <p:cNvPr id="14" name="ZoneTexte 13"/>
+          <p:cNvSpPr txBox="1"/>
+          <p:nvPr/>
+        </p:nvSpPr>
+        <p:spPr>
+          <a:xfrm>
+            <a:off x="5098472" y="6289963"/>
+            <a:ext cx="7004931" cy="369332"/>
+          </a:xfrm>
+          <a:prstGeom prst="rect">
+            <a:avLst/>
+          </a:prstGeom>
+          <a:noFill/>
+        </p:spPr>
+        <p:txBody>
+          <a:bodyPr wrap="none" rtlCol="0">
+            <a:spAutoFit/>
+          </a:bodyPr>
+          <a:lstStyle/>
+          <a:p>
+            <a:pPr algn="l"/>
+            <a:r>
+              <a:rPr lang="en-GB" sz="1800" b="1" dirty="0" smtClean="0"/>
+              <a:t>Warning</a:t>
+            </a:r>
+            <a:r>
+              <a:rPr lang="en-GB" sz="1800" dirty="0" smtClean="0"/>
+              <a:t>: port indexing differs from voltage probe and capacitor indexing</a:t>
+            </a:r>
+            <a:endParaRPr lang="en-GB" sz="1800" dirty="0"/>
           </a:p>
         </p:txBody>
       </p:sp>
@@ -10497,6 +10166,44 @@
           </a:p>
         </p:txBody>
       </p:sp>
+      <p:sp>
+        <p:nvSpPr>
+          <p:cNvPr id="3" name="ZoneTexte 2"/>
+          <p:cNvSpPr txBox="1"/>
+          <p:nvPr/>
+        </p:nvSpPr>
+        <p:spPr>
+          <a:xfrm>
+            <a:off x="8437412" y="851362"/>
+            <a:ext cx="3903826" cy="646331"/>
+          </a:xfrm>
+          <a:prstGeom prst="rect">
+            <a:avLst/>
+          </a:prstGeom>
+          <a:noFill/>
+        </p:spPr>
+        <p:txBody>
+          <a:bodyPr wrap="none" rtlCol="0">
+            <a:spAutoFit/>
+          </a:bodyPr>
+          <a:lstStyle/>
+          <a:p>
+            <a:pPr algn="l"/>
+            <a:r>
+              <a:rPr lang="en-GB" sz="1800" dirty="0" smtClean="0"/>
+              <a:t>NB: service stubs are also  included but </a:t>
+            </a:r>
+            <a:br>
+              <a:rPr lang="en-GB" sz="1800" dirty="0" smtClean="0"/>
+            </a:br>
+            <a:r>
+              <a:rPr lang="en-GB" sz="1800" dirty="0" smtClean="0"/>
+              <a:t>not illustrated here</a:t>
+            </a:r>
+            <a:endParaRPr lang="en-GB" sz="1800" dirty="0"/>
+          </a:p>
+        </p:txBody>
+      </p:sp>
     </p:spTree>
     <p:extLst>
       <p:ext uri="{BB962C8B-B14F-4D97-AF65-F5344CB8AC3E}">
@@ -10534,68 +10241,52 @@
           <a:chExt cx="0" cy="0"/>
         </a:xfrm>
       </p:grpSpPr>
-      <p:sp>
-        <p:nvSpPr>
-          <p:cNvPr id="2" name="Titre 1"/>
-          <p:cNvSpPr>
-            <a:spLocks noGrp="1"/>
-          </p:cNvSpPr>
-          <p:nvPr>
-            <p:ph type="title"/>
-          </p:nvPr>
-        </p:nvSpPr>
-        <p:spPr/>
-        <p:txBody>
-          <a:bodyPr/>
-          <a:lstStyle/>
-          <a:p>
-            <a:r>
-              <a:rPr lang="en-GB" dirty="0" smtClean="0"/>
-              <a:t>Ideal front-face model</a:t>
-            </a:r>
-            <a:endParaRPr lang="en-GB" dirty="0"/>
-          </a:p>
-        </p:txBody>
-      </p:sp>
-      <p:sp>
-        <p:nvSpPr>
-          <p:cNvPr id="3" name="Espace réservé du numéro de diapositive 2"/>
-          <p:cNvSpPr>
-            <a:spLocks noGrp="1"/>
-          </p:cNvSpPr>
-          <p:nvPr>
-            <p:ph type="sldNum" sz="quarter" idx="10"/>
-          </p:nvPr>
-        </p:nvSpPr>
-        <p:spPr/>
-        <p:txBody>
-          <a:bodyPr/>
-          <a:lstStyle/>
-          <a:p>
-            <a:fld id="{CB10B659-826B-4DD2-AF43-E1305E666421}" type="slidenum">
-              <a:rPr lang="en-GB" smtClean="0"/>
-              <a:t>7</a:t>
-            </a:fld>
-            <a:endParaRPr lang="en-GB"/>
-          </a:p>
-        </p:txBody>
-      </p:sp>
-      <p:sp>
-        <p:nvSpPr>
-          <p:cNvPr id="6" name="Rectangle 5"/>
+      <p:pic>
+        <p:nvPicPr>
+          <p:cNvPr id="7" name="Image 6"/>
+          <p:cNvPicPr>
+            <a:picLocks noChangeAspect="1"/>
+          </p:cNvPicPr>
+          <p:nvPr/>
+        </p:nvPicPr>
+        <p:blipFill>
+          <a:blip r:embed="rId2">
+            <a:extLst>
+              <a:ext uri="{28A0092B-C50C-407E-A947-70E740481C1C}">
+                <a14:useLocalDpi xmlns:a14="http://schemas.microsoft.com/office/drawing/2010/main" val="0"/>
+              </a:ext>
+            </a:extLst>
+          </a:blip>
+          <a:stretch>
+            <a:fillRect/>
+          </a:stretch>
+        </p:blipFill>
+        <p:spPr>
+          <a:xfrm>
+            <a:off x="2250278" y="1321144"/>
+            <a:ext cx="6540601" cy="5232481"/>
+          </a:xfrm>
+          <a:prstGeom prst="rect">
+            <a:avLst/>
+          </a:prstGeom>
+        </p:spPr>
+      </p:pic>
+      <p:sp>
+        <p:nvSpPr>
+          <p:cNvPr id="29" name="Rectangle 28"/>
           <p:cNvSpPr/>
           <p:nvPr/>
         </p:nvSpPr>
         <p:spPr>
           <a:xfrm>
-            <a:off x="1805940" y="3552416"/>
-            <a:ext cx="1394460" cy="2048284"/>
+            <a:off x="3713921" y="4930231"/>
+            <a:ext cx="725024" cy="734079"/>
           </a:xfrm>
           <a:prstGeom prst="rect">
             <a:avLst/>
           </a:prstGeom>
           <a:solidFill>
-            <a:schemeClr val="accent4">
+            <a:schemeClr val="accent2">
               <a:lumMod val="20000"/>
               <a:lumOff val="80000"/>
               <a:alpha val="20000"/>
@@ -10631,6 +10322,1669 @@
           <a:lstStyle/>
           <a:p>
             <a:pPr algn="ctr"/>
+            <a:endParaRPr lang="en-GB"/>
+          </a:p>
+        </p:txBody>
+      </p:sp>
+      <p:sp>
+        <p:nvSpPr>
+          <p:cNvPr id="32" name="Rectangle 31"/>
+          <p:cNvSpPr/>
+          <p:nvPr/>
+        </p:nvSpPr>
+        <p:spPr>
+          <a:xfrm>
+            <a:off x="4820022" y="4930233"/>
+            <a:ext cx="799728" cy="808000"/>
+          </a:xfrm>
+          <a:prstGeom prst="rect">
+            <a:avLst/>
+          </a:prstGeom>
+          <a:solidFill>
+            <a:schemeClr val="accent2">
+              <a:lumMod val="20000"/>
+              <a:lumOff val="80000"/>
+              <a:alpha val="20000"/>
+            </a:schemeClr>
+          </a:solidFill>
+          <a:ln w="38100">
+            <a:solidFill>
+              <a:schemeClr val="tx1">
+                <a:lumMod val="75000"/>
+              </a:schemeClr>
+            </a:solidFill>
+            <a:prstDash val="sysDash"/>
+          </a:ln>
+        </p:spPr>
+        <p:style>
+          <a:lnRef idx="2">
+            <a:schemeClr val="accent1">
+              <a:shade val="50000"/>
+            </a:schemeClr>
+          </a:lnRef>
+          <a:fillRef idx="1">
+            <a:schemeClr val="accent1"/>
+          </a:fillRef>
+          <a:effectRef idx="0">
+            <a:schemeClr val="accent1"/>
+          </a:effectRef>
+          <a:fontRef idx="minor">
+            <a:schemeClr val="lt1"/>
+          </a:fontRef>
+        </p:style>
+        <p:txBody>
+          <a:bodyPr rtlCol="0" anchor="ctr"/>
+          <a:lstStyle/>
+          <a:p>
+            <a:pPr algn="ctr"/>
+            <a:endParaRPr lang="en-GB" dirty="0"/>
+          </a:p>
+        </p:txBody>
+      </p:sp>
+      <p:sp>
+        <p:nvSpPr>
+          <p:cNvPr id="6" name="Titre 5"/>
+          <p:cNvSpPr>
+            <a:spLocks noGrp="1"/>
+          </p:cNvSpPr>
+          <p:nvPr>
+            <p:ph type="title"/>
+          </p:nvPr>
+        </p:nvSpPr>
+        <p:spPr>
+          <a:xfrm>
+            <a:off x="1476588" y="196179"/>
+            <a:ext cx="10011117" cy="379192"/>
+          </a:xfrm>
+        </p:spPr>
+        <p:txBody>
+          <a:bodyPr/>
+          <a:lstStyle/>
+          <a:p>
+            <a:r>
+              <a:rPr lang="en-GB" dirty="0" smtClean="0"/>
+              <a:t>WEST ICRH Antenna Circuit </a:t>
+            </a:r>
+            <a:r>
+              <a:rPr lang="en-GB" dirty="0"/>
+              <a:t>Model - Python </a:t>
+            </a:r>
+            <a:r>
+              <a:rPr lang="en-GB" dirty="0" err="1" smtClean="0"/>
+              <a:t>skrf</a:t>
+            </a:r>
+            <a:r>
+              <a:rPr lang="en-GB" dirty="0" smtClean="0"/>
+              <a:t> Circuit Model</a:t>
+            </a:r>
+            <a:endParaRPr lang="en-GB" dirty="0"/>
+          </a:p>
+        </p:txBody>
+      </p:sp>
+      <p:sp>
+        <p:nvSpPr>
+          <p:cNvPr id="10" name="ZoneTexte 9"/>
+          <p:cNvSpPr txBox="1"/>
+          <p:nvPr/>
+        </p:nvSpPr>
+        <p:spPr>
+          <a:xfrm>
+            <a:off x="3645052" y="6329338"/>
+            <a:ext cx="1835952" cy="369332"/>
+          </a:xfrm>
+          <a:prstGeom prst="rect">
+            <a:avLst/>
+          </a:prstGeom>
+          <a:noFill/>
+        </p:spPr>
+        <p:txBody>
+          <a:bodyPr wrap="none" rtlCol="0">
+            <a:spAutoFit/>
+          </a:bodyPr>
+          <a:lstStyle/>
+          <a:p>
+            <a:pPr algn="l"/>
+            <a:r>
+              <a:rPr lang="en-GB" sz="1800" dirty="0" smtClean="0"/>
+              <a:t>Antenna (4 ports)</a:t>
+            </a:r>
+            <a:endParaRPr lang="en-GB" sz="1800" dirty="0"/>
+          </a:p>
+        </p:txBody>
+      </p:sp>
+      <p:sp>
+        <p:nvSpPr>
+          <p:cNvPr id="11" name="ZoneTexte 10"/>
+          <p:cNvSpPr txBox="1"/>
+          <p:nvPr/>
+        </p:nvSpPr>
+        <p:spPr>
+          <a:xfrm>
+            <a:off x="3755606" y="4966940"/>
+            <a:ext cx="425116" cy="369332"/>
+          </a:xfrm>
+          <a:prstGeom prst="rect">
+            <a:avLst/>
+          </a:prstGeom>
+          <a:noFill/>
+        </p:spPr>
+        <p:txBody>
+          <a:bodyPr wrap="none" rtlCol="0">
+            <a:spAutoFit/>
+          </a:bodyPr>
+          <a:lstStyle/>
+          <a:p>
+            <a:pPr algn="l"/>
+            <a:r>
+              <a:rPr lang="en-GB" sz="1800" dirty="0" smtClean="0"/>
+              <a:t>C3</a:t>
+            </a:r>
+            <a:endParaRPr lang="en-GB" sz="1800" dirty="0"/>
+          </a:p>
+        </p:txBody>
+      </p:sp>
+      <p:sp>
+        <p:nvSpPr>
+          <p:cNvPr id="12" name="ZoneTexte 11"/>
+          <p:cNvSpPr txBox="1"/>
+          <p:nvPr/>
+        </p:nvSpPr>
+        <p:spPr>
+          <a:xfrm>
+            <a:off x="2922442" y="5930442"/>
+            <a:ext cx="425116" cy="369332"/>
+          </a:xfrm>
+          <a:prstGeom prst="rect">
+            <a:avLst/>
+          </a:prstGeom>
+          <a:noFill/>
+        </p:spPr>
+        <p:txBody>
+          <a:bodyPr wrap="none" rtlCol="0">
+            <a:spAutoFit/>
+          </a:bodyPr>
+          <a:lstStyle/>
+          <a:p>
+            <a:pPr algn="l"/>
+            <a:r>
+              <a:rPr lang="en-GB" sz="1800" dirty="0" smtClean="0"/>
+              <a:t>C4</a:t>
+            </a:r>
+            <a:endParaRPr lang="en-GB" sz="1800" dirty="0"/>
+          </a:p>
+        </p:txBody>
+      </p:sp>
+      <p:sp>
+        <p:nvSpPr>
+          <p:cNvPr id="13" name="ZoneTexte 12"/>
+          <p:cNvSpPr txBox="1"/>
+          <p:nvPr/>
+        </p:nvSpPr>
+        <p:spPr>
+          <a:xfrm>
+            <a:off x="5791696" y="5942956"/>
+            <a:ext cx="425116" cy="369332"/>
+          </a:xfrm>
+          <a:prstGeom prst="rect">
+            <a:avLst/>
+          </a:prstGeom>
+          <a:noFill/>
+        </p:spPr>
+        <p:txBody>
+          <a:bodyPr wrap="none" rtlCol="0">
+            <a:spAutoFit/>
+          </a:bodyPr>
+          <a:lstStyle/>
+          <a:p>
+            <a:pPr algn="l"/>
+            <a:r>
+              <a:rPr lang="en-GB" sz="1800" dirty="0" smtClean="0"/>
+              <a:t>C1</a:t>
+            </a:r>
+            <a:endParaRPr lang="en-GB" sz="1800" dirty="0"/>
+          </a:p>
+        </p:txBody>
+      </p:sp>
+      <p:sp>
+        <p:nvSpPr>
+          <p:cNvPr id="14" name="ZoneTexte 13"/>
+          <p:cNvSpPr txBox="1"/>
+          <p:nvPr/>
+        </p:nvSpPr>
+        <p:spPr>
+          <a:xfrm>
+            <a:off x="4993783" y="4997318"/>
+            <a:ext cx="425116" cy="369332"/>
+          </a:xfrm>
+          <a:prstGeom prst="rect">
+            <a:avLst/>
+          </a:prstGeom>
+          <a:noFill/>
+        </p:spPr>
+        <p:txBody>
+          <a:bodyPr wrap="none" rtlCol="0">
+            <a:spAutoFit/>
+          </a:bodyPr>
+          <a:lstStyle/>
+          <a:p>
+            <a:pPr algn="l"/>
+            <a:r>
+              <a:rPr lang="en-GB" sz="1800" dirty="0" smtClean="0"/>
+              <a:t>C2</a:t>
+            </a:r>
+            <a:endParaRPr lang="en-GB" sz="1800" dirty="0"/>
+          </a:p>
+        </p:txBody>
+      </p:sp>
+      <p:sp>
+        <p:nvSpPr>
+          <p:cNvPr id="15" name="ZoneTexte 14"/>
+          <p:cNvSpPr txBox="1"/>
+          <p:nvPr/>
+        </p:nvSpPr>
+        <p:spPr>
+          <a:xfrm>
+            <a:off x="9942557" y="908819"/>
+            <a:ext cx="976101" cy="369332"/>
+          </a:xfrm>
+          <a:prstGeom prst="rect">
+            <a:avLst/>
+          </a:prstGeom>
+          <a:noFill/>
+        </p:spPr>
+        <p:txBody>
+          <a:bodyPr wrap="none" rtlCol="0">
+            <a:spAutoFit/>
+          </a:bodyPr>
+          <a:lstStyle/>
+          <a:p>
+            <a:pPr algn="l"/>
+            <a:r>
+              <a:rPr lang="en-GB" sz="1800" dirty="0" smtClean="0">
+                <a:solidFill>
+                  <a:schemeClr val="tx1">
+                    <a:lumMod val="60000"/>
+                    <a:lumOff val="40000"/>
+                  </a:schemeClr>
+                </a:solidFill>
+              </a:rPr>
+              <a:t>Left side</a:t>
+            </a:r>
+            <a:endParaRPr lang="en-GB" sz="1800" dirty="0">
+              <a:solidFill>
+                <a:schemeClr val="tx1">
+                  <a:lumMod val="60000"/>
+                  <a:lumOff val="40000"/>
+                </a:schemeClr>
+              </a:solidFill>
+            </a:endParaRPr>
+          </a:p>
+        </p:txBody>
+      </p:sp>
+      <p:sp>
+        <p:nvSpPr>
+          <p:cNvPr id="16" name="ZoneTexte 15"/>
+          <p:cNvSpPr txBox="1"/>
+          <p:nvPr/>
+        </p:nvSpPr>
+        <p:spPr>
+          <a:xfrm>
+            <a:off x="6779928" y="4728409"/>
+            <a:ext cx="1339662" cy="369332"/>
+          </a:xfrm>
+          <a:prstGeom prst="rect">
+            <a:avLst/>
+          </a:prstGeom>
+          <a:noFill/>
+        </p:spPr>
+        <p:txBody>
+          <a:bodyPr wrap="none" rtlCol="0">
+            <a:spAutoFit/>
+          </a:bodyPr>
+          <a:lstStyle/>
+          <a:p>
+            <a:pPr algn="l"/>
+            <a:r>
+              <a:rPr lang="en-GB" sz="1800" dirty="0" smtClean="0"/>
+              <a:t>(Left) Bridge</a:t>
+            </a:r>
+            <a:endParaRPr lang="en-GB" sz="1800" dirty="0"/>
+          </a:p>
+        </p:txBody>
+      </p:sp>
+      <p:sp>
+        <p:nvSpPr>
+          <p:cNvPr id="17" name="ZoneTexte 16"/>
+          <p:cNvSpPr txBox="1"/>
+          <p:nvPr/>
+        </p:nvSpPr>
+        <p:spPr>
+          <a:xfrm>
+            <a:off x="7486681" y="3381818"/>
+            <a:ext cx="1165384" cy="646331"/>
+          </a:xfrm>
+          <a:prstGeom prst="rect">
+            <a:avLst/>
+          </a:prstGeom>
+          <a:noFill/>
+        </p:spPr>
+        <p:txBody>
+          <a:bodyPr wrap="none" rtlCol="0">
+            <a:spAutoFit/>
+          </a:bodyPr>
+          <a:lstStyle/>
+          <a:p>
+            <a:pPr algn="l"/>
+            <a:r>
+              <a:rPr lang="en-GB" sz="1800" dirty="0" smtClean="0"/>
+              <a:t>Imp </a:t>
+            </a:r>
+            <a:r>
+              <a:rPr lang="en-GB" sz="1800" dirty="0" err="1" smtClean="0"/>
+              <a:t>Transf</a:t>
+            </a:r>
+            <a:endParaRPr lang="en-GB" sz="1800" dirty="0" smtClean="0"/>
+          </a:p>
+          <a:p>
+            <a:pPr algn="l"/>
+            <a:r>
+              <a:rPr lang="en-GB" sz="1800" dirty="0" smtClean="0"/>
+              <a:t>+window</a:t>
+            </a:r>
+            <a:endParaRPr lang="en-GB" sz="1800" dirty="0"/>
+          </a:p>
+        </p:txBody>
+      </p:sp>
+      <p:sp>
+        <p:nvSpPr>
+          <p:cNvPr id="18" name="ZoneTexte 17"/>
+          <p:cNvSpPr txBox="1"/>
+          <p:nvPr/>
+        </p:nvSpPr>
+        <p:spPr>
+          <a:xfrm>
+            <a:off x="1043721" y="3008531"/>
+            <a:ext cx="1165384" cy="646331"/>
+          </a:xfrm>
+          <a:prstGeom prst="rect">
+            <a:avLst/>
+          </a:prstGeom>
+          <a:noFill/>
+        </p:spPr>
+        <p:txBody>
+          <a:bodyPr wrap="none" rtlCol="0">
+            <a:spAutoFit/>
+          </a:bodyPr>
+          <a:lstStyle/>
+          <a:p>
+            <a:pPr algn="l"/>
+            <a:r>
+              <a:rPr lang="en-GB" sz="1800" dirty="0" smtClean="0"/>
+              <a:t>Imp </a:t>
+            </a:r>
+            <a:r>
+              <a:rPr lang="en-GB" sz="1800" dirty="0" err="1" smtClean="0"/>
+              <a:t>Transf</a:t>
+            </a:r>
+            <a:endParaRPr lang="en-GB" sz="1800" dirty="0" smtClean="0"/>
+          </a:p>
+          <a:p>
+            <a:pPr algn="l"/>
+            <a:r>
+              <a:rPr lang="en-GB" sz="1800" dirty="0" smtClean="0"/>
+              <a:t>+window</a:t>
+            </a:r>
+            <a:endParaRPr lang="en-GB" sz="1800" dirty="0"/>
+          </a:p>
+        </p:txBody>
+      </p:sp>
+      <p:sp>
+        <p:nvSpPr>
+          <p:cNvPr id="19" name="ZoneTexte 18"/>
+          <p:cNvSpPr txBox="1"/>
+          <p:nvPr/>
+        </p:nvSpPr>
+        <p:spPr>
+          <a:xfrm>
+            <a:off x="4076433" y="1265883"/>
+            <a:ext cx="1114088" cy="369332"/>
+          </a:xfrm>
+          <a:prstGeom prst="rect">
+            <a:avLst/>
+          </a:prstGeom>
+          <a:noFill/>
+        </p:spPr>
+        <p:txBody>
+          <a:bodyPr wrap="none" rtlCol="0">
+            <a:spAutoFit/>
+          </a:bodyPr>
+          <a:lstStyle/>
+          <a:p>
+            <a:pPr algn="l"/>
+            <a:r>
+              <a:rPr lang="en-GB" sz="1800" dirty="0" smtClean="0"/>
+              <a:t>Port Right</a:t>
+            </a:r>
+            <a:endParaRPr lang="en-GB" sz="1800" dirty="0"/>
+          </a:p>
+        </p:txBody>
+      </p:sp>
+      <p:sp>
+        <p:nvSpPr>
+          <p:cNvPr id="20" name="ZoneTexte 19"/>
+          <p:cNvSpPr txBox="1"/>
+          <p:nvPr/>
+        </p:nvSpPr>
+        <p:spPr>
+          <a:xfrm>
+            <a:off x="7116873" y="1125315"/>
+            <a:ext cx="989117" cy="369332"/>
+          </a:xfrm>
+          <a:prstGeom prst="rect">
+            <a:avLst/>
+          </a:prstGeom>
+          <a:noFill/>
+        </p:spPr>
+        <p:txBody>
+          <a:bodyPr wrap="none" rtlCol="0">
+            <a:spAutoFit/>
+          </a:bodyPr>
+          <a:lstStyle/>
+          <a:p>
+            <a:pPr algn="l"/>
+            <a:r>
+              <a:rPr lang="en-GB" sz="1800" dirty="0" smtClean="0"/>
+              <a:t>Port Left</a:t>
+            </a:r>
+            <a:endParaRPr lang="en-GB" sz="1800" dirty="0"/>
+          </a:p>
+        </p:txBody>
+      </p:sp>
+      <p:sp>
+        <p:nvSpPr>
+          <p:cNvPr id="21" name="ZoneTexte 20"/>
+          <p:cNvSpPr txBox="1"/>
+          <p:nvPr/>
+        </p:nvSpPr>
+        <p:spPr>
+          <a:xfrm>
+            <a:off x="493185" y="813755"/>
+            <a:ext cx="1101071" cy="369332"/>
+          </a:xfrm>
+          <a:prstGeom prst="rect">
+            <a:avLst/>
+          </a:prstGeom>
+          <a:noFill/>
+        </p:spPr>
+        <p:txBody>
+          <a:bodyPr wrap="none" rtlCol="0">
+            <a:spAutoFit/>
+          </a:bodyPr>
+          <a:lstStyle/>
+          <a:p>
+            <a:pPr algn="l"/>
+            <a:r>
+              <a:rPr lang="en-GB" sz="1800" dirty="0" smtClean="0">
+                <a:solidFill>
+                  <a:schemeClr val="tx1">
+                    <a:lumMod val="60000"/>
+                    <a:lumOff val="40000"/>
+                  </a:schemeClr>
+                </a:solidFill>
+              </a:rPr>
+              <a:t>Right side</a:t>
+            </a:r>
+            <a:endParaRPr lang="en-GB" sz="1800" dirty="0">
+              <a:solidFill>
+                <a:schemeClr val="tx1">
+                  <a:lumMod val="60000"/>
+                  <a:lumOff val="40000"/>
+                </a:schemeClr>
+              </a:solidFill>
+            </a:endParaRPr>
+          </a:p>
+        </p:txBody>
+      </p:sp>
+      <p:sp>
+        <p:nvSpPr>
+          <p:cNvPr id="24" name="Rectangle 23"/>
+          <p:cNvSpPr/>
+          <p:nvPr/>
+        </p:nvSpPr>
+        <p:spPr>
+          <a:xfrm>
+            <a:off x="2689971" y="3035509"/>
+            <a:ext cx="872218" cy="796383"/>
+          </a:xfrm>
+          <a:prstGeom prst="rect">
+            <a:avLst/>
+          </a:prstGeom>
+          <a:solidFill>
+            <a:schemeClr val="accent5">
+              <a:lumMod val="20000"/>
+              <a:lumOff val="80000"/>
+              <a:alpha val="20000"/>
+            </a:schemeClr>
+          </a:solidFill>
+          <a:ln w="38100">
+            <a:solidFill>
+              <a:schemeClr val="tx1">
+                <a:lumMod val="75000"/>
+              </a:schemeClr>
+            </a:solidFill>
+            <a:prstDash val="sysDash"/>
+          </a:ln>
+        </p:spPr>
+        <p:style>
+          <a:lnRef idx="2">
+            <a:schemeClr val="accent1">
+              <a:shade val="50000"/>
+            </a:schemeClr>
+          </a:lnRef>
+          <a:fillRef idx="1">
+            <a:schemeClr val="accent1"/>
+          </a:fillRef>
+          <a:effectRef idx="0">
+            <a:schemeClr val="accent1"/>
+          </a:effectRef>
+          <a:fontRef idx="minor">
+            <a:schemeClr val="lt1"/>
+          </a:fontRef>
+        </p:style>
+        <p:txBody>
+          <a:bodyPr rtlCol="0" anchor="ctr"/>
+          <a:lstStyle/>
+          <a:p>
+            <a:pPr algn="ctr"/>
+            <a:endParaRPr lang="en-GB"/>
+          </a:p>
+        </p:txBody>
+      </p:sp>
+      <p:sp>
+        <p:nvSpPr>
+          <p:cNvPr id="25" name="Rectangle 24"/>
+          <p:cNvSpPr/>
+          <p:nvPr/>
+        </p:nvSpPr>
+        <p:spPr>
+          <a:xfrm>
+            <a:off x="6311900" y="3272525"/>
+            <a:ext cx="952500" cy="814198"/>
+          </a:xfrm>
+          <a:prstGeom prst="rect">
+            <a:avLst/>
+          </a:prstGeom>
+          <a:solidFill>
+            <a:schemeClr val="accent5">
+              <a:lumMod val="20000"/>
+              <a:lumOff val="80000"/>
+              <a:alpha val="20000"/>
+            </a:schemeClr>
+          </a:solidFill>
+          <a:ln w="38100">
+            <a:solidFill>
+              <a:schemeClr val="tx1">
+                <a:lumMod val="75000"/>
+              </a:schemeClr>
+            </a:solidFill>
+            <a:prstDash val="sysDash"/>
+          </a:ln>
+        </p:spPr>
+        <p:style>
+          <a:lnRef idx="2">
+            <a:schemeClr val="accent1">
+              <a:shade val="50000"/>
+            </a:schemeClr>
+          </a:lnRef>
+          <a:fillRef idx="1">
+            <a:schemeClr val="accent1"/>
+          </a:fillRef>
+          <a:effectRef idx="0">
+            <a:schemeClr val="accent1"/>
+          </a:effectRef>
+          <a:fontRef idx="minor">
+            <a:schemeClr val="lt1"/>
+          </a:fontRef>
+        </p:style>
+        <p:txBody>
+          <a:bodyPr rtlCol="0" anchor="ctr"/>
+          <a:lstStyle/>
+          <a:p>
+            <a:pPr algn="ctr"/>
+            <a:endParaRPr lang="en-GB"/>
+          </a:p>
+        </p:txBody>
+      </p:sp>
+      <p:sp>
+        <p:nvSpPr>
+          <p:cNvPr id="26" name="Rectangle 25"/>
+          <p:cNvSpPr/>
+          <p:nvPr/>
+        </p:nvSpPr>
+        <p:spPr>
+          <a:xfrm>
+            <a:off x="2795331" y="4301912"/>
+            <a:ext cx="696621" cy="716803"/>
+          </a:xfrm>
+          <a:prstGeom prst="rect">
+            <a:avLst/>
+          </a:prstGeom>
+          <a:solidFill>
+            <a:schemeClr val="accent3">
+              <a:lumMod val="20000"/>
+              <a:lumOff val="80000"/>
+              <a:alpha val="20000"/>
+            </a:schemeClr>
+          </a:solidFill>
+          <a:ln w="38100">
+            <a:solidFill>
+              <a:schemeClr val="tx1">
+                <a:lumMod val="75000"/>
+              </a:schemeClr>
+            </a:solidFill>
+            <a:prstDash val="sysDash"/>
+          </a:ln>
+        </p:spPr>
+        <p:style>
+          <a:lnRef idx="2">
+            <a:schemeClr val="accent1">
+              <a:shade val="50000"/>
+            </a:schemeClr>
+          </a:lnRef>
+          <a:fillRef idx="1">
+            <a:schemeClr val="accent1"/>
+          </a:fillRef>
+          <a:effectRef idx="0">
+            <a:schemeClr val="accent1"/>
+          </a:effectRef>
+          <a:fontRef idx="minor">
+            <a:schemeClr val="lt1"/>
+          </a:fontRef>
+        </p:style>
+        <p:txBody>
+          <a:bodyPr rtlCol="0" anchor="ctr"/>
+          <a:lstStyle/>
+          <a:p>
+            <a:pPr algn="ctr"/>
+            <a:endParaRPr lang="en-GB"/>
+          </a:p>
+        </p:txBody>
+      </p:sp>
+      <p:sp>
+        <p:nvSpPr>
+          <p:cNvPr id="27" name="ZoneTexte 26"/>
+          <p:cNvSpPr txBox="1"/>
+          <p:nvPr/>
+        </p:nvSpPr>
+        <p:spPr>
+          <a:xfrm>
+            <a:off x="1225339" y="4404001"/>
+            <a:ext cx="1464632" cy="369332"/>
+          </a:xfrm>
+          <a:prstGeom prst="rect">
+            <a:avLst/>
+          </a:prstGeom>
+          <a:noFill/>
+        </p:spPr>
+        <p:txBody>
+          <a:bodyPr wrap="none" rtlCol="0">
+            <a:spAutoFit/>
+          </a:bodyPr>
+          <a:lstStyle/>
+          <a:p>
+            <a:pPr algn="l"/>
+            <a:r>
+              <a:rPr lang="en-GB" sz="1800" dirty="0" smtClean="0"/>
+              <a:t>(Right) Bridge</a:t>
+            </a:r>
+            <a:endParaRPr lang="en-GB" sz="1800" dirty="0"/>
+          </a:p>
+        </p:txBody>
+      </p:sp>
+      <p:sp>
+        <p:nvSpPr>
+          <p:cNvPr id="28" name="Rectangle 27"/>
+          <p:cNvSpPr/>
+          <p:nvPr/>
+        </p:nvSpPr>
+        <p:spPr>
+          <a:xfrm>
+            <a:off x="5937533" y="4569158"/>
+            <a:ext cx="696621" cy="716803"/>
+          </a:xfrm>
+          <a:prstGeom prst="rect">
+            <a:avLst/>
+          </a:prstGeom>
+          <a:solidFill>
+            <a:schemeClr val="accent3">
+              <a:lumMod val="20000"/>
+              <a:lumOff val="80000"/>
+              <a:alpha val="20000"/>
+            </a:schemeClr>
+          </a:solidFill>
+          <a:ln w="38100">
+            <a:solidFill>
+              <a:schemeClr val="tx1">
+                <a:lumMod val="75000"/>
+              </a:schemeClr>
+            </a:solidFill>
+            <a:prstDash val="sysDash"/>
+          </a:ln>
+        </p:spPr>
+        <p:style>
+          <a:lnRef idx="2">
+            <a:schemeClr val="accent1">
+              <a:shade val="50000"/>
+            </a:schemeClr>
+          </a:lnRef>
+          <a:fillRef idx="1">
+            <a:schemeClr val="accent1"/>
+          </a:fillRef>
+          <a:effectRef idx="0">
+            <a:schemeClr val="accent1"/>
+          </a:effectRef>
+          <a:fontRef idx="minor">
+            <a:schemeClr val="lt1"/>
+          </a:fontRef>
+        </p:style>
+        <p:txBody>
+          <a:bodyPr rtlCol="0" anchor="ctr"/>
+          <a:lstStyle/>
+          <a:p>
+            <a:pPr algn="ctr"/>
+            <a:endParaRPr lang="en-GB"/>
+          </a:p>
+        </p:txBody>
+      </p:sp>
+      <p:sp>
+        <p:nvSpPr>
+          <p:cNvPr id="30" name="Rectangle 29"/>
+          <p:cNvSpPr/>
+          <p:nvPr/>
+        </p:nvSpPr>
+        <p:spPr>
+          <a:xfrm>
+            <a:off x="2795331" y="5487696"/>
+            <a:ext cx="725024" cy="812078"/>
+          </a:xfrm>
+          <a:prstGeom prst="rect">
+            <a:avLst/>
+          </a:prstGeom>
+          <a:solidFill>
+            <a:schemeClr val="accent2">
+              <a:lumMod val="20000"/>
+              <a:lumOff val="80000"/>
+              <a:alpha val="20000"/>
+            </a:schemeClr>
+          </a:solidFill>
+          <a:ln w="38100">
+            <a:solidFill>
+              <a:schemeClr val="tx1">
+                <a:lumMod val="75000"/>
+              </a:schemeClr>
+            </a:solidFill>
+            <a:prstDash val="sysDash"/>
+          </a:ln>
+        </p:spPr>
+        <p:style>
+          <a:lnRef idx="2">
+            <a:schemeClr val="accent1">
+              <a:shade val="50000"/>
+            </a:schemeClr>
+          </a:lnRef>
+          <a:fillRef idx="1">
+            <a:schemeClr val="accent1"/>
+          </a:fillRef>
+          <a:effectRef idx="0">
+            <a:schemeClr val="accent1"/>
+          </a:effectRef>
+          <a:fontRef idx="minor">
+            <a:schemeClr val="lt1"/>
+          </a:fontRef>
+        </p:style>
+        <p:txBody>
+          <a:bodyPr rtlCol="0" anchor="ctr"/>
+          <a:lstStyle/>
+          <a:p>
+            <a:pPr algn="ctr"/>
+            <a:endParaRPr lang="en-GB"/>
+          </a:p>
+        </p:txBody>
+      </p:sp>
+      <p:sp>
+        <p:nvSpPr>
+          <p:cNvPr id="31" name="Rectangle 30"/>
+          <p:cNvSpPr/>
+          <p:nvPr/>
+        </p:nvSpPr>
+        <p:spPr>
+          <a:xfrm>
+            <a:off x="5664697" y="5729430"/>
+            <a:ext cx="755154" cy="728520"/>
+          </a:xfrm>
+          <a:prstGeom prst="rect">
+            <a:avLst/>
+          </a:prstGeom>
+          <a:solidFill>
+            <a:schemeClr val="accent2">
+              <a:lumMod val="20000"/>
+              <a:lumOff val="80000"/>
+              <a:alpha val="20000"/>
+            </a:schemeClr>
+          </a:solidFill>
+          <a:ln w="38100">
+            <a:solidFill>
+              <a:schemeClr val="tx1">
+                <a:lumMod val="75000"/>
+              </a:schemeClr>
+            </a:solidFill>
+            <a:prstDash val="sysDash"/>
+          </a:ln>
+        </p:spPr>
+        <p:style>
+          <a:lnRef idx="2">
+            <a:schemeClr val="accent1">
+              <a:shade val="50000"/>
+            </a:schemeClr>
+          </a:lnRef>
+          <a:fillRef idx="1">
+            <a:schemeClr val="accent1"/>
+          </a:fillRef>
+          <a:effectRef idx="0">
+            <a:schemeClr val="accent1"/>
+          </a:effectRef>
+          <a:fontRef idx="minor">
+            <a:schemeClr val="lt1"/>
+          </a:fontRef>
+        </p:style>
+        <p:txBody>
+          <a:bodyPr rtlCol="0" anchor="ctr"/>
+          <a:lstStyle/>
+          <a:p>
+            <a:pPr algn="ctr"/>
+            <a:endParaRPr lang="en-GB"/>
+          </a:p>
+        </p:txBody>
+      </p:sp>
+      <p:sp>
+        <p:nvSpPr>
+          <p:cNvPr id="33" name="Rectangle 32"/>
+          <p:cNvSpPr/>
+          <p:nvPr/>
+        </p:nvSpPr>
+        <p:spPr>
+          <a:xfrm>
+            <a:off x="3727916" y="5804756"/>
+            <a:ext cx="1648640" cy="534877"/>
+          </a:xfrm>
+          <a:prstGeom prst="rect">
+            <a:avLst/>
+          </a:prstGeom>
+          <a:solidFill>
+            <a:schemeClr val="accent4">
+              <a:lumMod val="20000"/>
+              <a:lumOff val="80000"/>
+              <a:alpha val="20000"/>
+            </a:schemeClr>
+          </a:solidFill>
+          <a:ln w="38100">
+            <a:solidFill>
+              <a:schemeClr val="tx1">
+                <a:lumMod val="75000"/>
+              </a:schemeClr>
+            </a:solidFill>
+            <a:prstDash val="sysDash"/>
+          </a:ln>
+        </p:spPr>
+        <p:style>
+          <a:lnRef idx="2">
+            <a:schemeClr val="accent1">
+              <a:shade val="50000"/>
+            </a:schemeClr>
+          </a:lnRef>
+          <a:fillRef idx="1">
+            <a:schemeClr val="accent1"/>
+          </a:fillRef>
+          <a:effectRef idx="0">
+            <a:schemeClr val="accent1"/>
+          </a:effectRef>
+          <a:fontRef idx="minor">
+            <a:schemeClr val="lt1"/>
+          </a:fontRef>
+        </p:style>
+        <p:txBody>
+          <a:bodyPr rtlCol="0" anchor="ctr"/>
+          <a:lstStyle/>
+          <a:p>
+            <a:pPr algn="ctr"/>
+            <a:endParaRPr lang="en-GB" dirty="0"/>
+          </a:p>
+        </p:txBody>
+      </p:sp>
+      <p:sp>
+        <p:nvSpPr>
+          <p:cNvPr id="2" name="ZoneTexte 1"/>
+          <p:cNvSpPr txBox="1"/>
+          <p:nvPr/>
+        </p:nvSpPr>
+        <p:spPr>
+          <a:xfrm>
+            <a:off x="5352712" y="6195456"/>
+            <a:ext cx="301686" cy="369332"/>
+          </a:xfrm>
+          <a:prstGeom prst="rect">
+            <a:avLst/>
+          </a:prstGeom>
+          <a:noFill/>
+        </p:spPr>
+        <p:txBody>
+          <a:bodyPr wrap="none" rtlCol="0">
+            <a:spAutoFit/>
+          </a:bodyPr>
+          <a:lstStyle/>
+          <a:p>
+            <a:pPr algn="l"/>
+            <a:r>
+              <a:rPr lang="en-GB" sz="1800" dirty="0" smtClean="0"/>
+              <a:t>1</a:t>
+            </a:r>
+            <a:endParaRPr lang="en-GB" sz="1800" dirty="0"/>
+          </a:p>
+        </p:txBody>
+      </p:sp>
+      <p:sp>
+        <p:nvSpPr>
+          <p:cNvPr id="34" name="ZoneTexte 33"/>
+          <p:cNvSpPr txBox="1"/>
+          <p:nvPr/>
+        </p:nvSpPr>
+        <p:spPr>
+          <a:xfrm flipH="1">
+            <a:off x="4621788" y="5738368"/>
+            <a:ext cx="647027" cy="369332"/>
+          </a:xfrm>
+          <a:prstGeom prst="rect">
+            <a:avLst/>
+          </a:prstGeom>
+          <a:noFill/>
+        </p:spPr>
+        <p:txBody>
+          <a:bodyPr wrap="square" rtlCol="0">
+            <a:spAutoFit/>
+          </a:bodyPr>
+          <a:lstStyle/>
+          <a:p>
+            <a:pPr algn="l"/>
+            <a:r>
+              <a:rPr lang="en-GB" sz="1800" dirty="0" smtClean="0"/>
+              <a:t>3</a:t>
+            </a:r>
+            <a:endParaRPr lang="en-GB" sz="1800" dirty="0"/>
+          </a:p>
+        </p:txBody>
+      </p:sp>
+      <p:sp>
+        <p:nvSpPr>
+          <p:cNvPr id="35" name="ZoneTexte 34"/>
+          <p:cNvSpPr txBox="1"/>
+          <p:nvPr/>
+        </p:nvSpPr>
+        <p:spPr>
+          <a:xfrm>
+            <a:off x="3791562" y="6045583"/>
+            <a:ext cx="301686" cy="369332"/>
+          </a:xfrm>
+          <a:prstGeom prst="rect">
+            <a:avLst/>
+          </a:prstGeom>
+          <a:noFill/>
+        </p:spPr>
+        <p:txBody>
+          <a:bodyPr wrap="none" rtlCol="0">
+            <a:spAutoFit/>
+          </a:bodyPr>
+          <a:lstStyle/>
+          <a:p>
+            <a:pPr algn="l"/>
+            <a:r>
+              <a:rPr lang="en-GB" sz="1800" dirty="0" smtClean="0"/>
+              <a:t>4</a:t>
+            </a:r>
+            <a:endParaRPr lang="en-GB" sz="1800" dirty="0"/>
+          </a:p>
+        </p:txBody>
+      </p:sp>
+      <p:sp>
+        <p:nvSpPr>
+          <p:cNvPr id="36" name="ZoneTexte 35"/>
+          <p:cNvSpPr txBox="1"/>
+          <p:nvPr/>
+        </p:nvSpPr>
+        <p:spPr>
+          <a:xfrm>
+            <a:off x="3871893" y="5745776"/>
+            <a:ext cx="301686" cy="369332"/>
+          </a:xfrm>
+          <a:prstGeom prst="rect">
+            <a:avLst/>
+          </a:prstGeom>
+          <a:noFill/>
+        </p:spPr>
+        <p:txBody>
+          <a:bodyPr wrap="none" rtlCol="0">
+            <a:spAutoFit/>
+          </a:bodyPr>
+          <a:lstStyle/>
+          <a:p>
+            <a:pPr algn="l"/>
+            <a:r>
+              <a:rPr lang="en-GB" sz="1800" dirty="0" smtClean="0"/>
+              <a:t>2</a:t>
+            </a:r>
+            <a:endParaRPr lang="en-GB" sz="1800" dirty="0"/>
+          </a:p>
+        </p:txBody>
+      </p:sp>
+      <p:cxnSp>
+        <p:nvCxnSpPr>
+          <p:cNvPr id="4" name="Connecteur droit avec flèche 3"/>
+          <p:cNvCxnSpPr/>
+          <p:nvPr/>
+        </p:nvCxnSpPr>
+        <p:spPr>
+          <a:xfrm>
+            <a:off x="2250278" y="5548518"/>
+            <a:ext cx="1930444" cy="207704"/>
+          </a:xfrm>
+          <a:prstGeom prst="straightConnector1">
+            <a:avLst/>
+          </a:prstGeom>
+          <a:ln>
+            <a:solidFill>
+              <a:schemeClr val="tx1"/>
+            </a:solidFill>
+            <a:tailEnd type="triangle"/>
+          </a:ln>
+        </p:spPr>
+        <p:style>
+          <a:lnRef idx="1">
+            <a:schemeClr val="accent1"/>
+          </a:lnRef>
+          <a:fillRef idx="0">
+            <a:schemeClr val="accent1"/>
+          </a:fillRef>
+          <a:effectRef idx="0">
+            <a:schemeClr val="accent1"/>
+          </a:effectRef>
+          <a:fontRef idx="minor">
+            <a:schemeClr val="tx1"/>
+          </a:fontRef>
+        </p:style>
+      </p:cxnSp>
+      <p:sp>
+        <p:nvSpPr>
+          <p:cNvPr id="37" name="ZoneTexte 36"/>
+          <p:cNvSpPr txBox="1"/>
+          <p:nvPr/>
+        </p:nvSpPr>
+        <p:spPr>
+          <a:xfrm>
+            <a:off x="1476588" y="5309348"/>
+            <a:ext cx="718466" cy="369332"/>
+          </a:xfrm>
+          <a:prstGeom prst="rect">
+            <a:avLst/>
+          </a:prstGeom>
+          <a:noFill/>
+        </p:spPr>
+        <p:txBody>
+          <a:bodyPr wrap="none" rtlCol="0">
+            <a:spAutoFit/>
+          </a:bodyPr>
+          <a:lstStyle/>
+          <a:p>
+            <a:pPr algn="l"/>
+            <a:r>
+              <a:rPr lang="en-GB" sz="1800" dirty="0" smtClean="0"/>
+              <a:t>V3, I3</a:t>
+            </a:r>
+            <a:endParaRPr lang="en-GB" sz="1800" dirty="0"/>
+          </a:p>
+        </p:txBody>
+      </p:sp>
+      <p:cxnSp>
+        <p:nvCxnSpPr>
+          <p:cNvPr id="38" name="Connecteur droit avec flèche 37"/>
+          <p:cNvCxnSpPr>
+            <a:stCxn id="45" idx="3"/>
+            <a:endCxn id="33" idx="1"/>
+          </p:cNvCxnSpPr>
+          <p:nvPr/>
+        </p:nvCxnSpPr>
+        <p:spPr>
+          <a:xfrm flipV="1">
+            <a:off x="2056512" y="6072195"/>
+            <a:ext cx="1671404" cy="327167"/>
+          </a:xfrm>
+          <a:prstGeom prst="straightConnector1">
+            <a:avLst/>
+          </a:prstGeom>
+          <a:ln>
+            <a:solidFill>
+              <a:schemeClr val="tx1"/>
+            </a:solidFill>
+            <a:tailEnd type="triangle"/>
+          </a:ln>
+        </p:spPr>
+        <p:style>
+          <a:lnRef idx="1">
+            <a:schemeClr val="accent1"/>
+          </a:lnRef>
+          <a:fillRef idx="0">
+            <a:schemeClr val="accent1"/>
+          </a:fillRef>
+          <a:effectRef idx="0">
+            <a:schemeClr val="accent1"/>
+          </a:effectRef>
+          <a:fontRef idx="minor">
+            <a:schemeClr val="tx1"/>
+          </a:fontRef>
+        </p:style>
+      </p:cxnSp>
+      <p:sp>
+        <p:nvSpPr>
+          <p:cNvPr id="39" name="ZoneTexte 38"/>
+          <p:cNvSpPr txBox="1"/>
+          <p:nvPr/>
+        </p:nvSpPr>
+        <p:spPr>
+          <a:xfrm>
+            <a:off x="7040063" y="6030030"/>
+            <a:ext cx="718466" cy="369332"/>
+          </a:xfrm>
+          <a:prstGeom prst="rect">
+            <a:avLst/>
+          </a:prstGeom>
+          <a:noFill/>
+        </p:spPr>
+        <p:txBody>
+          <a:bodyPr wrap="none" rtlCol="0">
+            <a:spAutoFit/>
+          </a:bodyPr>
+          <a:lstStyle/>
+          <a:p>
+            <a:pPr algn="l"/>
+            <a:r>
+              <a:rPr lang="en-GB" sz="1800" dirty="0" smtClean="0"/>
+              <a:t>V1, I1</a:t>
+            </a:r>
+            <a:endParaRPr lang="en-GB" sz="1800" dirty="0"/>
+          </a:p>
+        </p:txBody>
+      </p:sp>
+      <p:sp>
+        <p:nvSpPr>
+          <p:cNvPr id="40" name="ZoneTexte 39"/>
+          <p:cNvSpPr txBox="1"/>
+          <p:nvPr/>
+        </p:nvSpPr>
+        <p:spPr>
+          <a:xfrm>
+            <a:off x="6949724" y="5472478"/>
+            <a:ext cx="718466" cy="369332"/>
+          </a:xfrm>
+          <a:prstGeom prst="rect">
+            <a:avLst/>
+          </a:prstGeom>
+          <a:noFill/>
+        </p:spPr>
+        <p:txBody>
+          <a:bodyPr wrap="none" rtlCol="0">
+            <a:spAutoFit/>
+          </a:bodyPr>
+          <a:lstStyle/>
+          <a:p>
+            <a:pPr algn="l"/>
+            <a:r>
+              <a:rPr lang="en-GB" sz="1800" dirty="0" smtClean="0"/>
+              <a:t>V2, I2</a:t>
+            </a:r>
+            <a:endParaRPr lang="en-GB" sz="1800" dirty="0"/>
+          </a:p>
+        </p:txBody>
+      </p:sp>
+      <p:cxnSp>
+        <p:nvCxnSpPr>
+          <p:cNvPr id="43" name="Connecteur droit avec flèche 42"/>
+          <p:cNvCxnSpPr/>
+          <p:nvPr/>
+        </p:nvCxnSpPr>
+        <p:spPr>
+          <a:xfrm flipH="1">
+            <a:off x="5072049" y="5580176"/>
+            <a:ext cx="1836502" cy="350266"/>
+          </a:xfrm>
+          <a:prstGeom prst="straightConnector1">
+            <a:avLst/>
+          </a:prstGeom>
+          <a:ln>
+            <a:solidFill>
+              <a:schemeClr val="tx1"/>
+            </a:solidFill>
+            <a:tailEnd type="triangle"/>
+          </a:ln>
+        </p:spPr>
+        <p:style>
+          <a:lnRef idx="1">
+            <a:schemeClr val="accent1"/>
+          </a:lnRef>
+          <a:fillRef idx="0">
+            <a:schemeClr val="accent1"/>
+          </a:fillRef>
+          <a:effectRef idx="0">
+            <a:schemeClr val="accent1"/>
+          </a:effectRef>
+          <a:fontRef idx="minor">
+            <a:schemeClr val="tx1"/>
+          </a:fontRef>
+        </p:style>
+      </p:cxnSp>
+      <p:sp>
+        <p:nvSpPr>
+          <p:cNvPr id="45" name="ZoneTexte 44"/>
+          <p:cNvSpPr txBox="1"/>
+          <p:nvPr/>
+        </p:nvSpPr>
+        <p:spPr>
+          <a:xfrm>
+            <a:off x="1338046" y="6214696"/>
+            <a:ext cx="718466" cy="369332"/>
+          </a:xfrm>
+          <a:prstGeom prst="rect">
+            <a:avLst/>
+          </a:prstGeom>
+          <a:noFill/>
+        </p:spPr>
+        <p:txBody>
+          <a:bodyPr wrap="none" rtlCol="0">
+            <a:spAutoFit/>
+          </a:bodyPr>
+          <a:lstStyle/>
+          <a:p>
+            <a:pPr algn="l"/>
+            <a:r>
+              <a:rPr lang="en-GB" sz="1800" dirty="0" smtClean="0"/>
+              <a:t>V4, I4</a:t>
+            </a:r>
+            <a:endParaRPr lang="en-GB" sz="1800" dirty="0"/>
+          </a:p>
+        </p:txBody>
+      </p:sp>
+      <p:cxnSp>
+        <p:nvCxnSpPr>
+          <p:cNvPr id="46" name="Connecteur droit avec flèche 45"/>
+          <p:cNvCxnSpPr/>
+          <p:nvPr/>
+        </p:nvCxnSpPr>
+        <p:spPr>
+          <a:xfrm flipH="1" flipV="1">
+            <a:off x="5365264" y="6235710"/>
+            <a:ext cx="1626858" cy="27752"/>
+          </a:xfrm>
+          <a:prstGeom prst="straightConnector1">
+            <a:avLst/>
+          </a:prstGeom>
+          <a:ln>
+            <a:solidFill>
+              <a:schemeClr val="tx1"/>
+            </a:solidFill>
+            <a:tailEnd type="triangle"/>
+          </a:ln>
+        </p:spPr>
+        <p:style>
+          <a:lnRef idx="1">
+            <a:schemeClr val="accent1"/>
+          </a:lnRef>
+          <a:fillRef idx="0">
+            <a:schemeClr val="accent1"/>
+          </a:fillRef>
+          <a:effectRef idx="0">
+            <a:schemeClr val="accent1"/>
+          </a:effectRef>
+          <a:fontRef idx="minor">
+            <a:schemeClr val="tx1"/>
+          </a:fontRef>
+        </p:style>
+      </p:cxnSp>
+      <p:sp>
+        <p:nvSpPr>
+          <p:cNvPr id="50" name="Espace réservé du numéro de diapositive 49"/>
+          <p:cNvSpPr>
+            <a:spLocks noGrp="1"/>
+          </p:cNvSpPr>
+          <p:nvPr>
+            <p:ph type="sldNum" sz="quarter" idx="10"/>
+          </p:nvPr>
+        </p:nvSpPr>
+        <p:spPr/>
+        <p:txBody>
+          <a:bodyPr/>
+          <a:lstStyle/>
+          <a:p>
+            <a:fld id="{CB10B659-826B-4DD2-AF43-E1305E666421}" type="slidenum">
+              <a:rPr lang="en-GB" smtClean="0"/>
+              <a:t>7</a:t>
+            </a:fld>
+            <a:endParaRPr lang="en-GB"/>
+          </a:p>
+        </p:txBody>
+      </p:sp>
+      <p:sp>
+        <p:nvSpPr>
+          <p:cNvPr id="51" name="Rectangle 50"/>
+          <p:cNvSpPr/>
+          <p:nvPr/>
+        </p:nvSpPr>
+        <p:spPr>
+          <a:xfrm>
+            <a:off x="7116873" y="2134556"/>
+            <a:ext cx="1674006" cy="744069"/>
+          </a:xfrm>
+          <a:prstGeom prst="rect">
+            <a:avLst/>
+          </a:prstGeom>
+          <a:solidFill>
+            <a:schemeClr val="accent5">
+              <a:lumMod val="20000"/>
+              <a:lumOff val="80000"/>
+              <a:alpha val="20000"/>
+            </a:schemeClr>
+          </a:solidFill>
+          <a:ln w="38100">
+            <a:solidFill>
+              <a:schemeClr val="tx1">
+                <a:lumMod val="75000"/>
+              </a:schemeClr>
+            </a:solidFill>
+            <a:prstDash val="sysDash"/>
+          </a:ln>
+        </p:spPr>
+        <p:style>
+          <a:lnRef idx="2">
+            <a:schemeClr val="accent1">
+              <a:shade val="50000"/>
+            </a:schemeClr>
+          </a:lnRef>
+          <a:fillRef idx="1">
+            <a:schemeClr val="accent1"/>
+          </a:fillRef>
+          <a:effectRef idx="0">
+            <a:schemeClr val="accent1"/>
+          </a:effectRef>
+          <a:fontRef idx="minor">
+            <a:schemeClr val="lt1"/>
+          </a:fontRef>
+        </p:style>
+        <p:txBody>
+          <a:bodyPr rtlCol="0" anchor="ctr"/>
+          <a:lstStyle/>
+          <a:p>
+            <a:pPr algn="ctr"/>
+            <a:endParaRPr lang="en-GB"/>
+          </a:p>
+        </p:txBody>
+      </p:sp>
+      <p:sp>
+        <p:nvSpPr>
+          <p:cNvPr id="52" name="ZoneTexte 51"/>
+          <p:cNvSpPr txBox="1"/>
+          <p:nvPr/>
+        </p:nvSpPr>
+        <p:spPr>
+          <a:xfrm>
+            <a:off x="8846103" y="2305020"/>
+            <a:ext cx="2072555" cy="369332"/>
+          </a:xfrm>
+          <a:prstGeom prst="rect">
+            <a:avLst/>
+          </a:prstGeom>
+          <a:noFill/>
+        </p:spPr>
+        <p:txBody>
+          <a:bodyPr wrap="none" rtlCol="0">
+            <a:spAutoFit/>
+          </a:bodyPr>
+          <a:lstStyle/>
+          <a:p>
+            <a:pPr algn="l"/>
+            <a:r>
+              <a:rPr lang="en-GB" sz="1800" dirty="0" smtClean="0"/>
+              <a:t>Service stub &amp; short</a:t>
+            </a:r>
+            <a:endParaRPr lang="en-GB" sz="1800" dirty="0"/>
+          </a:p>
+        </p:txBody>
+      </p:sp>
+      <p:sp>
+        <p:nvSpPr>
+          <p:cNvPr id="53" name="Rectangle 52"/>
+          <p:cNvSpPr/>
+          <p:nvPr/>
+        </p:nvSpPr>
+        <p:spPr>
+          <a:xfrm>
+            <a:off x="2274831" y="1594145"/>
+            <a:ext cx="1356829" cy="1053771"/>
+          </a:xfrm>
+          <a:prstGeom prst="rect">
+            <a:avLst/>
+          </a:prstGeom>
+          <a:solidFill>
+            <a:schemeClr val="accent5">
+              <a:lumMod val="20000"/>
+              <a:lumOff val="80000"/>
+              <a:alpha val="20000"/>
+            </a:schemeClr>
+          </a:solidFill>
+          <a:ln w="38100">
+            <a:solidFill>
+              <a:schemeClr val="tx1">
+                <a:lumMod val="75000"/>
+              </a:schemeClr>
+            </a:solidFill>
+            <a:prstDash val="sysDash"/>
+          </a:ln>
+        </p:spPr>
+        <p:style>
+          <a:lnRef idx="2">
+            <a:schemeClr val="accent1">
+              <a:shade val="50000"/>
+            </a:schemeClr>
+          </a:lnRef>
+          <a:fillRef idx="1">
+            <a:schemeClr val="accent1"/>
+          </a:fillRef>
+          <a:effectRef idx="0">
+            <a:schemeClr val="accent1"/>
+          </a:effectRef>
+          <a:fontRef idx="minor">
+            <a:schemeClr val="lt1"/>
+          </a:fontRef>
+        </p:style>
+        <p:txBody>
+          <a:bodyPr rtlCol="0" anchor="ctr"/>
+          <a:lstStyle/>
+          <a:p>
+            <a:pPr algn="ctr"/>
+            <a:endParaRPr lang="en-GB"/>
+          </a:p>
+        </p:txBody>
+      </p:sp>
+      <p:sp>
+        <p:nvSpPr>
+          <p:cNvPr id="54" name="ZoneTexte 53"/>
+          <p:cNvSpPr txBox="1"/>
+          <p:nvPr/>
+        </p:nvSpPr>
+        <p:spPr>
+          <a:xfrm>
+            <a:off x="122499" y="1818810"/>
+            <a:ext cx="2072555" cy="369332"/>
+          </a:xfrm>
+          <a:prstGeom prst="rect">
+            <a:avLst/>
+          </a:prstGeom>
+          <a:noFill/>
+        </p:spPr>
+        <p:txBody>
+          <a:bodyPr wrap="none" rtlCol="0">
+            <a:spAutoFit/>
+          </a:bodyPr>
+          <a:lstStyle/>
+          <a:p>
+            <a:pPr algn="l"/>
+            <a:r>
+              <a:rPr lang="en-GB" sz="1800" dirty="0" smtClean="0"/>
+              <a:t>Service stub &amp; short</a:t>
+            </a:r>
+            <a:endParaRPr lang="en-GB" sz="1800" dirty="0"/>
+          </a:p>
+        </p:txBody>
+      </p:sp>
+    </p:spTree>
+    <p:extLst>
+      <p:ext uri="{BB962C8B-B14F-4D97-AF65-F5344CB8AC3E}">
+        <p14:creationId xmlns:p14="http://schemas.microsoft.com/office/powerpoint/2010/main" val="3660000973"/>
+      </p:ext>
+    </p:extLst>
+  </p:cSld>
+  <p:clrMapOvr>
+    <a:masterClrMapping/>
+  </p:clrMapOvr>
+  <p:timing>
+    <p:tnLst>
+      <p:par>
+        <p:cTn id="1" dur="indefinite" restart="never" nodeType="tmRoot"/>
+      </p:par>
+    </p:tnLst>
+  </p:timing>
+</p:sld>
+</file>
+
+<file path=ppt/slides/slide8.xml><?xml version="1.0" encoding="utf-8"?>
+<p:sld xmlns:a="http://schemas.openxmlformats.org/drawingml/2006/main" xmlns:r="http://schemas.openxmlformats.org/officeDocument/2006/relationships" xmlns:p="http://schemas.openxmlformats.org/presentationml/2006/main">
+  <p:cSld>
+    <p:spTree>
+      <p:nvGrpSpPr>
+        <p:cNvPr id="1" name=""/>
+        <p:cNvGrpSpPr/>
+        <p:nvPr/>
+      </p:nvGrpSpPr>
+      <p:grpSpPr>
+        <a:xfrm>
+          <a:off x="0" y="0"/>
+          <a:ext cx="0" cy="0"/>
+          <a:chOff x="0" y="0"/>
+          <a:chExt cx="0" cy="0"/>
+        </a:xfrm>
+      </p:grpSpPr>
+      <p:sp>
+        <p:nvSpPr>
+          <p:cNvPr id="2" name="Titre 1"/>
+          <p:cNvSpPr>
+            <a:spLocks noGrp="1"/>
+          </p:cNvSpPr>
+          <p:nvPr>
+            <p:ph type="title"/>
+          </p:nvPr>
+        </p:nvSpPr>
+        <p:spPr/>
+        <p:txBody>
+          <a:bodyPr/>
+          <a:lstStyle/>
+          <a:p>
+            <a:r>
+              <a:rPr lang="en-GB" dirty="0" smtClean="0"/>
+              <a:t>Ideal front-face model</a:t>
+            </a:r>
+            <a:endParaRPr lang="en-GB" dirty="0"/>
+          </a:p>
+        </p:txBody>
+      </p:sp>
+      <p:sp>
+        <p:nvSpPr>
+          <p:cNvPr id="3" name="Espace réservé du numéro de diapositive 2"/>
+          <p:cNvSpPr>
+            <a:spLocks noGrp="1"/>
+          </p:cNvSpPr>
+          <p:nvPr>
+            <p:ph type="sldNum" sz="quarter" idx="10"/>
+          </p:nvPr>
+        </p:nvSpPr>
+        <p:spPr/>
+        <p:txBody>
+          <a:bodyPr/>
+          <a:lstStyle/>
+          <a:p>
+            <a:fld id="{CB10B659-826B-4DD2-AF43-E1305E666421}" type="slidenum">
+              <a:rPr lang="en-GB" smtClean="0"/>
+              <a:t>8</a:t>
+            </a:fld>
+            <a:endParaRPr lang="en-GB"/>
+          </a:p>
+        </p:txBody>
+      </p:sp>
+      <p:sp>
+        <p:nvSpPr>
+          <p:cNvPr id="6" name="Rectangle 5"/>
+          <p:cNvSpPr/>
+          <p:nvPr/>
+        </p:nvSpPr>
+        <p:spPr>
+          <a:xfrm>
+            <a:off x="398054" y="1425778"/>
+            <a:ext cx="1394460" cy="1813170"/>
+          </a:xfrm>
+          <a:prstGeom prst="rect">
+            <a:avLst/>
+          </a:prstGeom>
+          <a:solidFill>
+            <a:schemeClr val="accent4">
+              <a:lumMod val="20000"/>
+              <a:lumOff val="80000"/>
+              <a:alpha val="20000"/>
+            </a:schemeClr>
+          </a:solidFill>
+          <a:ln w="38100">
+            <a:solidFill>
+              <a:schemeClr val="tx1">
+                <a:lumMod val="75000"/>
+              </a:schemeClr>
+            </a:solidFill>
+            <a:prstDash val="sysDash"/>
+          </a:ln>
+        </p:spPr>
+        <p:style>
+          <a:lnRef idx="2">
+            <a:schemeClr val="accent1">
+              <a:shade val="50000"/>
+            </a:schemeClr>
+          </a:lnRef>
+          <a:fillRef idx="1">
+            <a:schemeClr val="accent1"/>
+          </a:fillRef>
+          <a:effectRef idx="0">
+            <a:schemeClr val="accent1"/>
+          </a:effectRef>
+          <a:fontRef idx="minor">
+            <a:schemeClr val="lt1"/>
+          </a:fontRef>
+        </p:style>
+        <p:txBody>
+          <a:bodyPr rtlCol="0" anchor="ctr"/>
+          <a:lstStyle/>
+          <a:p>
+            <a:pPr algn="ctr"/>
             <a:endParaRPr lang="en-GB" dirty="0"/>
           </a:p>
         </p:txBody>
@@ -10643,7 +11997,7 @@
         </p:nvGrpSpPr>
         <p:grpSpPr>
           <a:xfrm>
-            <a:off x="2028514" y="3733798"/>
+            <a:off x="620628" y="1606285"/>
             <a:ext cx="1453826" cy="230187"/>
             <a:chOff x="2706694" y="1219198"/>
             <a:chExt cx="1453826" cy="230187"/>
@@ -11658,7 +13012,7 @@
         </p:nvGrpSpPr>
         <p:grpSpPr>
           <a:xfrm>
-            <a:off x="2028514" y="4220730"/>
+            <a:off x="620628" y="2010842"/>
             <a:ext cx="1453826" cy="230187"/>
             <a:chOff x="2706694" y="1219198"/>
             <a:chExt cx="1453826" cy="230187"/>
@@ -12673,7 +14027,7 @@
         </p:nvGrpSpPr>
         <p:grpSpPr>
           <a:xfrm>
-            <a:off x="2028514" y="4685550"/>
+            <a:off x="620628" y="2415399"/>
             <a:ext cx="1453826" cy="230187"/>
             <a:chOff x="2706694" y="1219198"/>
             <a:chExt cx="1453826" cy="230187"/>
@@ -13688,7 +15042,7 @@
         </p:nvGrpSpPr>
         <p:grpSpPr>
           <a:xfrm>
-            <a:off x="2028514" y="5090855"/>
+            <a:off x="620628" y="2819956"/>
             <a:ext cx="1453826" cy="230187"/>
             <a:chOff x="2706694" y="1219198"/>
             <a:chExt cx="1453826" cy="230187"/>
@@ -14703,8 +16057,8 @@
         </p:nvSpPr>
         <p:spPr>
           <a:xfrm>
-            <a:off x="2087228" y="3170060"/>
-            <a:ext cx="955711" cy="369332"/>
+            <a:off x="554356" y="1048148"/>
+            <a:ext cx="1145763" cy="369332"/>
           </a:xfrm>
           <a:prstGeom prst="rect">
             <a:avLst/>
@@ -14719,32 +16073,8 @@
           <a:p>
             <a:pPr algn="l"/>
             <a:r>
-              <a:rPr lang="en-GB" sz="1800" dirty="0" err="1" smtClean="0"/>
-              <a:t>Z</a:t>
-            </a:r>
-            <a:r>
-              <a:rPr lang="en-GB" sz="1800" baseline="-25000" dirty="0" err="1" smtClean="0"/>
-              <a:t>s</a:t>
-            </a:r>
-            <a:r>
               <a:rPr lang="en-GB" sz="1800" dirty="0" smtClean="0"/>
-              <a:t>=</a:t>
-            </a:r>
-            <a:r>
-              <a:rPr lang="en-GB" sz="1800" dirty="0" err="1" smtClean="0"/>
-              <a:t>R</a:t>
-            </a:r>
-            <a:r>
-              <a:rPr lang="en-GB" sz="1800" baseline="-25000" dirty="0" err="1" smtClean="0"/>
-              <a:t>c</a:t>
-            </a:r>
-            <a:r>
-              <a:rPr lang="en-GB" sz="1800" dirty="0" err="1" smtClean="0"/>
-              <a:t>+X</a:t>
-            </a:r>
-            <a:r>
-              <a:rPr lang="en-GB" sz="1800" baseline="-25000" dirty="0" err="1" smtClean="0"/>
-              <a:t>s</a:t>
+              <a:t>Front-face</a:t>
             </a:r>
             <a:endParaRPr lang="en-GB" sz="1800" baseline="-25000" dirty="0"/>
           </a:p>
@@ -14758,7 +16088,7 @@
         </p:nvSpPr>
         <p:spPr>
           <a:xfrm>
-            <a:off x="3534099" y="3591478"/>
+            <a:off x="2052063" y="1496230"/>
             <a:ext cx="747512" cy="369332"/>
           </a:xfrm>
           <a:prstGeom prst="rect">
@@ -14789,7 +16119,7 @@
         </p:nvSpPr>
         <p:spPr>
           <a:xfrm>
-            <a:off x="3534099" y="4110675"/>
+            <a:off x="2052063" y="1900787"/>
             <a:ext cx="747512" cy="369332"/>
           </a:xfrm>
           <a:prstGeom prst="rect">
@@ -14820,7 +16150,7 @@
         </p:nvSpPr>
         <p:spPr>
           <a:xfrm>
-            <a:off x="3534099" y="4577346"/>
+            <a:off x="2052063" y="2305344"/>
             <a:ext cx="747512" cy="369332"/>
           </a:xfrm>
           <a:prstGeom prst="rect">
@@ -14851,7 +16181,7 @@
         </p:nvSpPr>
         <p:spPr>
           <a:xfrm>
-            <a:off x="3534099" y="5018900"/>
+            <a:off x="2052063" y="2709901"/>
             <a:ext cx="747512" cy="369332"/>
           </a:xfrm>
           <a:prstGeom prst="rect">
@@ -14869,6 +16199,202 @@
             <a:r>
               <a:rPr lang="en-GB" sz="1800" dirty="0" smtClean="0"/>
               <a:t>Port 4</a:t>
+            </a:r>
+            <a:endParaRPr lang="en-GB" sz="1800" dirty="0"/>
+          </a:p>
+        </p:txBody>
+      </p:sp>
+      <p:sp>
+        <p:nvSpPr>
+          <p:cNvPr id="147" name="ZoneTexte 146"/>
+          <p:cNvSpPr txBox="1"/>
+          <p:nvPr/>
+        </p:nvSpPr>
+        <p:spPr>
+          <a:xfrm>
+            <a:off x="620628" y="3255370"/>
+            <a:ext cx="955711" cy="369332"/>
+          </a:xfrm>
+          <a:prstGeom prst="rect">
+            <a:avLst/>
+          </a:prstGeom>
+          <a:noFill/>
+        </p:spPr>
+        <p:txBody>
+          <a:bodyPr wrap="none" rtlCol="0">
+            <a:spAutoFit/>
+          </a:bodyPr>
+          <a:lstStyle/>
+          <a:p>
+            <a:pPr algn="l"/>
+            <a:r>
+              <a:rPr lang="en-GB" sz="1800" dirty="0" err="1" smtClean="0"/>
+              <a:t>Z</a:t>
+            </a:r>
+            <a:r>
+              <a:rPr lang="en-GB" sz="1800" baseline="-25000" dirty="0" err="1" smtClean="0"/>
+              <a:t>s</a:t>
+            </a:r>
+            <a:r>
+              <a:rPr lang="en-GB" sz="1800" dirty="0" smtClean="0"/>
+              <a:t>=</a:t>
+            </a:r>
+            <a:r>
+              <a:rPr lang="en-GB" sz="1800" dirty="0" err="1" smtClean="0"/>
+              <a:t>R</a:t>
+            </a:r>
+            <a:r>
+              <a:rPr lang="en-GB" sz="1800" baseline="-25000" dirty="0" err="1" smtClean="0"/>
+              <a:t>c</a:t>
+            </a:r>
+            <a:r>
+              <a:rPr lang="en-GB" sz="1800" dirty="0" err="1" smtClean="0"/>
+              <a:t>+X</a:t>
+            </a:r>
+            <a:r>
+              <a:rPr lang="en-GB" sz="1800" baseline="-25000" dirty="0" err="1" smtClean="0"/>
+              <a:t>s</a:t>
+            </a:r>
+            <a:endParaRPr lang="en-GB" sz="1800" baseline="-25000" dirty="0"/>
+          </a:p>
+        </p:txBody>
+      </p:sp>
+      <p:pic>
+        <p:nvPicPr>
+          <p:cNvPr id="4" name="Image 3"/>
+          <p:cNvPicPr>
+            <a:picLocks noChangeAspect="1"/>
+          </p:cNvPicPr>
+          <p:nvPr/>
+        </p:nvPicPr>
+        <p:blipFill>
+          <a:blip r:embed="rId2">
+            <a:extLst>
+              <a:ext uri="{28A0092B-C50C-407E-A947-70E740481C1C}">
+                <a14:useLocalDpi xmlns:a14="http://schemas.microsoft.com/office/drawing/2010/main" val="0"/>
+              </a:ext>
+            </a:extLst>
+          </a:blip>
+          <a:stretch>
+            <a:fillRect/>
+          </a:stretch>
+        </p:blipFill>
+        <p:spPr>
+          <a:xfrm>
+            <a:off x="5136447" y="1865562"/>
+            <a:ext cx="6858000" cy="4572000"/>
+          </a:xfrm>
+          <a:prstGeom prst="rect">
+            <a:avLst/>
+          </a:prstGeom>
+        </p:spPr>
+      </p:pic>
+      <p:cxnSp>
+        <p:nvCxnSpPr>
+          <p:cNvPr id="7" name="Connecteur droit avec flèche 6"/>
+          <p:cNvCxnSpPr/>
+          <p:nvPr/>
+        </p:nvCxnSpPr>
+        <p:spPr>
+          <a:xfrm flipH="1">
+            <a:off x="5969000" y="1900787"/>
+            <a:ext cx="609600" cy="3801513"/>
+          </a:xfrm>
+          <a:prstGeom prst="straightConnector1">
+            <a:avLst/>
+          </a:prstGeom>
+          <a:ln w="28575">
+            <a:solidFill>
+              <a:schemeClr val="tx1">
+                <a:lumMod val="75000"/>
+              </a:schemeClr>
+            </a:solidFill>
+            <a:tailEnd type="triangle"/>
+          </a:ln>
+        </p:spPr>
+        <p:style>
+          <a:lnRef idx="1">
+            <a:schemeClr val="accent1"/>
+          </a:lnRef>
+          <a:fillRef idx="0">
+            <a:schemeClr val="accent1"/>
+          </a:fillRef>
+          <a:effectRef idx="0">
+            <a:schemeClr val="accent1"/>
+          </a:effectRef>
+          <a:fontRef idx="minor">
+            <a:schemeClr val="tx1"/>
+          </a:fontRef>
+        </p:style>
+      </p:cxnSp>
+      <p:sp>
+        <p:nvSpPr>
+          <p:cNvPr id="37" name="ZoneTexte 36"/>
+          <p:cNvSpPr txBox="1"/>
+          <p:nvPr/>
+        </p:nvSpPr>
+        <p:spPr>
+          <a:xfrm>
+            <a:off x="5651500" y="1457970"/>
+            <a:ext cx="2047163" cy="369332"/>
+          </a:xfrm>
+          <a:prstGeom prst="rect">
+            <a:avLst/>
+          </a:prstGeom>
+          <a:noFill/>
+        </p:spPr>
+        <p:txBody>
+          <a:bodyPr wrap="none" rtlCol="0">
+            <a:spAutoFit/>
+          </a:bodyPr>
+          <a:lstStyle/>
+          <a:p>
+            <a:pPr algn="l"/>
+            <a:r>
+              <a:rPr lang="en-GB" sz="1800" dirty="0" smtClean="0"/>
+              <a:t>Solution on vacuum</a:t>
+            </a:r>
+            <a:endParaRPr lang="en-GB" sz="1800" dirty="0"/>
+          </a:p>
+        </p:txBody>
+      </p:sp>
+      <p:sp>
+        <p:nvSpPr>
+          <p:cNvPr id="40" name="ZoneTexte 39"/>
+          <p:cNvSpPr txBox="1"/>
+          <p:nvPr/>
+        </p:nvSpPr>
+        <p:spPr>
+          <a:xfrm>
+            <a:off x="188686" y="4322617"/>
+            <a:ext cx="4341751" cy="1754326"/>
+          </a:xfrm>
+          <a:prstGeom prst="rect">
+            <a:avLst/>
+          </a:prstGeom>
+          <a:noFill/>
+        </p:spPr>
+        <p:txBody>
+          <a:bodyPr wrap="square" rtlCol="0">
+            <a:spAutoFit/>
+          </a:bodyPr>
+          <a:lstStyle/>
+          <a:p>
+            <a:pPr algn="l"/>
+            <a:r>
+              <a:rPr lang="en-GB" sz="1800" dirty="0" smtClean="0"/>
+              <a:t>As the coupling resistance increase, the ideal capacitances set for match change. </a:t>
+            </a:r>
+          </a:p>
+          <a:p>
+            <a:pPr algn="l"/>
+            <a:endParaRPr lang="en-GB" sz="1800" dirty="0"/>
+          </a:p>
+          <a:p>
+            <a:pPr algn="l"/>
+            <a:r>
+              <a:rPr lang="en-GB" sz="1800" dirty="0" smtClean="0"/>
+              <a:t>This figure displays how much capacitance but be added (removed) to top (bottom) capacitors respectively. </a:t>
             </a:r>
             <a:endParaRPr lang="en-GB" sz="1800" dirty="0"/>
           </a:p>
@@ -14878,408 +16404,6 @@
     <p:extLst>
       <p:ext uri="{BB962C8B-B14F-4D97-AF65-F5344CB8AC3E}">
         <p14:creationId xmlns:p14="http://schemas.microsoft.com/office/powerpoint/2010/main" val="3233717102"/>
-      </p:ext>
-    </p:extLst>
-  </p:cSld>
-  <p:clrMapOvr>
-    <a:masterClrMapping/>
-  </p:clrMapOvr>
-  <p:timing>
-    <p:tnLst>
-      <p:par>
-        <p:cTn id="1" dur="indefinite" restart="never" nodeType="tmRoot"/>
-      </p:par>
-    </p:tnLst>
-  </p:timing>
-</p:sld>
-</file>
-
-<file path=ppt/slides/slide8.xml><?xml version="1.0" encoding="utf-8"?>
-<p:sld xmlns:a="http://schemas.openxmlformats.org/drawingml/2006/main" xmlns:r="http://schemas.openxmlformats.org/officeDocument/2006/relationships" xmlns:p="http://schemas.openxmlformats.org/presentationml/2006/main">
-  <p:cSld>
-    <p:spTree>
-      <p:nvGrpSpPr>
-        <p:cNvPr id="1" name=""/>
-        <p:cNvGrpSpPr/>
-        <p:nvPr/>
-      </p:nvGrpSpPr>
-      <p:grpSpPr>
-        <a:xfrm>
-          <a:off x="0" y="0"/>
-          <a:ext cx="0" cy="0"/>
-          <a:chOff x="0" y="0"/>
-          <a:chExt cx="0" cy="0"/>
-        </a:xfrm>
-      </p:grpSpPr>
-      <p:sp>
-        <p:nvSpPr>
-          <p:cNvPr id="2" name="Titre 1"/>
-          <p:cNvSpPr>
-            <a:spLocks noGrp="1"/>
-          </p:cNvSpPr>
-          <p:nvPr>
-            <p:ph type="title"/>
-          </p:nvPr>
-        </p:nvSpPr>
-        <p:spPr/>
-        <p:txBody>
-          <a:bodyPr/>
-          <a:lstStyle/>
-          <a:p>
-            <a:r>
-              <a:rPr lang="en-GB" dirty="0" smtClean="0"/>
-              <a:t>(Virtual) Experiment Description</a:t>
-            </a:r>
-            <a:endParaRPr lang="en-GB" dirty="0"/>
-          </a:p>
-        </p:txBody>
-      </p:sp>
-      <p:sp>
-        <p:nvSpPr>
-          <p:cNvPr id="3" name="Espace réservé du contenu 2"/>
-          <p:cNvSpPr>
-            <a:spLocks noGrp="1"/>
-          </p:cNvSpPr>
-          <p:nvPr>
-            <p:ph idx="1"/>
-          </p:nvPr>
-        </p:nvSpPr>
-        <p:spPr>
-          <a:xfrm>
-            <a:off x="87376" y="1630412"/>
-            <a:ext cx="12206224" cy="4776397"/>
-          </a:xfrm>
-        </p:spPr>
-        <p:txBody>
-          <a:bodyPr/>
-          <a:lstStyle/>
-          <a:p>
-            <a:r>
-              <a:rPr lang="fr-FR" dirty="0" err="1"/>
-              <a:t>Antenna</a:t>
-            </a:r>
-            <a:r>
-              <a:rPr lang="fr-FR" dirty="0"/>
-              <a:t> RF </a:t>
-            </a:r>
-            <a:r>
-              <a:rPr lang="fr-FR" dirty="0" smtClean="0"/>
-              <a:t>excitation</a:t>
-            </a:r>
-            <a:endParaRPr lang="fr-FR" dirty="0"/>
-          </a:p>
-          <a:p>
-            <a:pPr lvl="1"/>
-            <a:r>
-              <a:rPr lang="en-GB" dirty="0"/>
-              <a:t>Excitation left side: P</a:t>
-            </a:r>
-            <a:r>
-              <a:rPr lang="en-GB" baseline="-25000" dirty="0"/>
-              <a:t>in</a:t>
-            </a:r>
-            <a:r>
-              <a:rPr lang="en-GB" dirty="0"/>
-              <a:t>, </a:t>
-            </a:r>
-          </a:p>
-          <a:p>
-            <a:pPr lvl="1"/>
-            <a:r>
-              <a:rPr lang="en-GB" dirty="0"/>
-              <a:t>Excitation right side: P</a:t>
-            </a:r>
-            <a:r>
-              <a:rPr lang="en-GB" baseline="-25000" dirty="0"/>
-              <a:t>in</a:t>
-            </a:r>
-            <a:r>
-              <a:rPr lang="en-GB" dirty="0"/>
-              <a:t> x </a:t>
-            </a:r>
-            <a:r>
-              <a:rPr lang="en-GB" dirty="0" err="1"/>
-              <a:t>exp</a:t>
-            </a:r>
-            <a:r>
-              <a:rPr lang="en-GB" dirty="0"/>
-              <a:t>(j∆</a:t>
-            </a:r>
-            <a:r>
-              <a:rPr lang="el-GR" dirty="0"/>
-              <a:t>φ</a:t>
-            </a:r>
-            <a:r>
-              <a:rPr lang="en-GB" dirty="0"/>
-              <a:t>), with ∆</a:t>
-            </a:r>
-            <a:r>
-              <a:rPr lang="el-GR" dirty="0"/>
-              <a:t>φ</a:t>
-            </a:r>
-            <a:r>
-              <a:rPr lang="fr-FR" dirty="0"/>
-              <a:t> in [0, 180°]</a:t>
-            </a:r>
-          </a:p>
-          <a:p>
-            <a:pPr lvl="2"/>
-            <a:r>
-              <a:rPr lang="en-GB" dirty="0"/>
-              <a:t>Dipole: ∆</a:t>
-            </a:r>
-            <a:r>
-              <a:rPr lang="el-GR" dirty="0"/>
-              <a:t>φ</a:t>
-            </a:r>
-            <a:r>
-              <a:rPr lang="fr-FR" dirty="0"/>
-              <a:t>=180°</a:t>
-            </a:r>
-          </a:p>
-          <a:p>
-            <a:pPr lvl="2"/>
-            <a:r>
-              <a:rPr lang="en-GB" dirty="0"/>
-              <a:t>Monopole: ∆</a:t>
-            </a:r>
-            <a:r>
-              <a:rPr lang="el-GR" dirty="0"/>
-              <a:t>φ</a:t>
-            </a:r>
-            <a:r>
-              <a:rPr lang="fr-FR" dirty="0"/>
-              <a:t>=0°</a:t>
-            </a:r>
-            <a:endParaRPr lang="en-GB" dirty="0"/>
-          </a:p>
-          <a:p>
-            <a:endParaRPr lang="en-GB" dirty="0" smtClean="0"/>
-          </a:p>
-          <a:p>
-            <a:r>
-              <a:rPr lang="en-GB" dirty="0" smtClean="0"/>
-              <a:t>Antenna Tuning Method (manual procedure)</a:t>
-            </a:r>
-          </a:p>
-          <a:p>
-            <a:pPr lvl="1"/>
-            <a:r>
-              <a:rPr lang="en-GB" dirty="0" smtClean="0"/>
-              <a:t>Match left side (right side detuned) -&gt; gives C1 and C2</a:t>
-            </a:r>
-          </a:p>
-          <a:p>
-            <a:pPr lvl="1"/>
-            <a:r>
-              <a:rPr lang="en-GB" dirty="0" smtClean="0"/>
-              <a:t>Match right side (left side detuned) -&gt; gives C3 and C4</a:t>
-            </a:r>
-          </a:p>
-          <a:p>
-            <a:pPr lvl="1"/>
-            <a:r>
-              <a:rPr lang="en-GB" dirty="0" smtClean="0"/>
-              <a:t>2 solutions can be found for each sides : solution “1”: </a:t>
-            </a:r>
-            <a:r>
-              <a:rPr lang="en-GB" dirty="0" err="1" smtClean="0"/>
-              <a:t>C</a:t>
-            </a:r>
-            <a:r>
-              <a:rPr lang="en-GB" baseline="-25000" dirty="0" err="1" smtClean="0"/>
-              <a:t>top</a:t>
-            </a:r>
-            <a:r>
-              <a:rPr lang="en-GB" dirty="0" smtClean="0"/>
-              <a:t> &gt; </a:t>
-            </a:r>
-            <a:r>
-              <a:rPr lang="en-GB" dirty="0" err="1" smtClean="0"/>
-              <a:t>C</a:t>
-            </a:r>
-            <a:r>
-              <a:rPr lang="en-GB" baseline="-25000" dirty="0" err="1" smtClean="0"/>
-              <a:t>bottom</a:t>
-            </a:r>
-            <a:r>
-              <a:rPr lang="en-GB" dirty="0" smtClean="0"/>
-              <a:t>, solution “2”: </a:t>
-            </a:r>
-            <a:r>
-              <a:rPr lang="en-GB" dirty="0" err="1" smtClean="0"/>
-              <a:t>C</a:t>
-            </a:r>
-            <a:r>
-              <a:rPr lang="en-GB" baseline="-25000" dirty="0" err="1" smtClean="0"/>
-              <a:t>top</a:t>
-            </a:r>
-            <a:r>
-              <a:rPr lang="en-GB" baseline="-25000" dirty="0" smtClean="0"/>
-              <a:t> </a:t>
-            </a:r>
-            <a:r>
-              <a:rPr lang="en-GB" dirty="0" smtClean="0"/>
-              <a:t>&lt; </a:t>
-            </a:r>
-            <a:r>
-              <a:rPr lang="en-GB" dirty="0" err="1" smtClean="0"/>
-              <a:t>C</a:t>
-            </a:r>
-            <a:r>
-              <a:rPr lang="en-GB" baseline="-25000" dirty="0" err="1" smtClean="0"/>
-              <a:t>bottom</a:t>
-            </a:r>
-            <a:endParaRPr lang="en-GB" dirty="0" smtClean="0"/>
-          </a:p>
-          <a:p>
-            <a:pPr lvl="1"/>
-            <a:r>
-              <a:rPr lang="en-GB" dirty="0"/>
-              <a:t>Setup antenna to (C1, C2, C3, C4) </a:t>
-            </a:r>
-            <a:r>
-              <a:rPr lang="en-GB" dirty="0" smtClean="0"/>
-              <a:t>with same solution on both sides:</a:t>
-            </a:r>
-          </a:p>
-          <a:p>
-            <a:pPr lvl="2"/>
-            <a:r>
-              <a:rPr lang="en-GB" dirty="0" smtClean="0"/>
-              <a:t>Optimum </a:t>
-            </a:r>
-            <a:r>
-              <a:rPr lang="en-GB" dirty="0"/>
-              <a:t>frequency to operate in dipole is f=f</a:t>
-            </a:r>
-            <a:r>
-              <a:rPr lang="en-GB" baseline="-25000" dirty="0"/>
-              <a:t>0</a:t>
-            </a:r>
-            <a:r>
-              <a:rPr lang="en-GB" dirty="0"/>
-              <a:t> + ∆f, where ∆f ~ 0.2 MHz (∆f = ∆f (f</a:t>
-            </a:r>
-            <a:r>
-              <a:rPr lang="en-GB" baseline="-25000" dirty="0"/>
-              <a:t>0</a:t>
-            </a:r>
-            <a:r>
-              <a:rPr lang="en-GB" dirty="0" smtClean="0"/>
-              <a:t>))</a:t>
-            </a:r>
-          </a:p>
-          <a:p>
-            <a:pPr lvl="2"/>
-            <a:r>
-              <a:rPr lang="en-GB" dirty="0"/>
-              <a:t>Optimum frequency to operate in </a:t>
-            </a:r>
-            <a:r>
-              <a:rPr lang="en-GB" dirty="0" smtClean="0"/>
-              <a:t>monopole </a:t>
-            </a:r>
-            <a:r>
-              <a:rPr lang="en-GB" dirty="0"/>
-              <a:t>is f=f</a:t>
-            </a:r>
-            <a:r>
-              <a:rPr lang="en-GB" baseline="-25000" dirty="0"/>
-              <a:t>0</a:t>
-            </a:r>
-            <a:r>
-              <a:rPr lang="en-GB" dirty="0"/>
-              <a:t> </a:t>
-            </a:r>
-            <a:r>
-              <a:rPr lang="en-GB" dirty="0" smtClean="0"/>
-              <a:t>- </a:t>
-            </a:r>
-            <a:r>
-              <a:rPr lang="en-GB" dirty="0"/>
-              <a:t>∆f, where ∆f ~ 0.2 MHz (∆f = ∆f (f</a:t>
-            </a:r>
-            <a:r>
-              <a:rPr lang="en-GB" baseline="-25000" dirty="0"/>
-              <a:t>0</a:t>
-            </a:r>
-            <a:r>
-              <a:rPr lang="en-GB" dirty="0"/>
-              <a:t>))</a:t>
-            </a:r>
-          </a:p>
-          <a:p>
-            <a:pPr lvl="2"/>
-            <a:endParaRPr lang="en-GB" dirty="0" smtClean="0"/>
-          </a:p>
-          <a:p>
-            <a:pPr lvl="2"/>
-            <a:endParaRPr lang="en-GB" dirty="0"/>
-          </a:p>
-          <a:p>
-            <a:pPr lvl="1"/>
-            <a:endParaRPr lang="fr-FR" dirty="0"/>
-          </a:p>
-          <a:p>
-            <a:endParaRPr lang="en-GB" dirty="0"/>
-          </a:p>
-        </p:txBody>
-      </p:sp>
-      <p:sp>
-        <p:nvSpPr>
-          <p:cNvPr id="4" name="Espace réservé du texte 3"/>
-          <p:cNvSpPr>
-            <a:spLocks noGrp="1"/>
-          </p:cNvSpPr>
-          <p:nvPr>
-            <p:ph type="body" sz="quarter" idx="12"/>
-          </p:nvPr>
-        </p:nvSpPr>
-        <p:spPr/>
-        <p:txBody>
-          <a:bodyPr/>
-          <a:lstStyle/>
-          <a:p>
-            <a:r>
-              <a:rPr lang="en-GB" dirty="0" smtClean="0"/>
-              <a:t>Assumed: one antenna working at f</a:t>
-            </a:r>
-            <a:r>
-              <a:rPr lang="en-GB" baseline="-25000" dirty="0" smtClean="0"/>
-              <a:t>0</a:t>
-            </a:r>
-            <a:endParaRPr lang="en-GB" dirty="0"/>
-          </a:p>
-        </p:txBody>
-      </p:sp>
-      <p:sp>
-        <p:nvSpPr>
-          <p:cNvPr id="5" name="Espace réservé du numéro de diapositive 4"/>
-          <p:cNvSpPr>
-            <a:spLocks noGrp="1"/>
-          </p:cNvSpPr>
-          <p:nvPr>
-            <p:ph type="sldNum" sz="quarter" idx="10"/>
-          </p:nvPr>
-        </p:nvSpPr>
-        <p:spPr/>
-        <p:txBody>
-          <a:bodyPr/>
-          <a:lstStyle/>
-          <a:p>
-            <a:fld id="{CB10B659-826B-4DD2-AF43-E1305E666421}" type="slidenum">
-              <a:rPr lang="en-GB" smtClean="0"/>
-              <a:t>8</a:t>
-            </a:fld>
-            <a:endParaRPr lang="en-GB"/>
-          </a:p>
-        </p:txBody>
-      </p:sp>
-    </p:spTree>
-    <p:extLst>
-      <p:ext uri="{BB962C8B-B14F-4D97-AF65-F5344CB8AC3E}">
-        <p14:creationId xmlns:p14="http://schemas.microsoft.com/office/powerpoint/2010/main" val="1676853691"/>
       </p:ext>
     </p:extLst>
   </p:cSld>
@@ -15315,31 +16439,22 @@
       </p:grpSpPr>
       <p:sp>
         <p:nvSpPr>
-          <p:cNvPr id="5" name="Espace réservé du texte 4"/>
+          <p:cNvPr id="2" name="Titre 1"/>
           <p:cNvSpPr>
             <a:spLocks noGrp="1"/>
           </p:cNvSpPr>
           <p:nvPr>
-            <p:ph type="body" sz="quarter" idx="11"/>
+            <p:ph type="title"/>
           </p:nvPr>
         </p:nvSpPr>
-        <p:spPr>
-          <a:xfrm>
-            <a:off x="1101702" y="4801465"/>
-            <a:ext cx="5225423" cy="249299"/>
-          </a:xfrm>
-        </p:spPr>
+        <p:spPr/>
         <p:txBody>
           <a:bodyPr/>
           <a:lstStyle/>
           <a:p>
             <a:r>
               <a:rPr lang="en-GB" dirty="0" smtClean="0"/>
-              <a:t>Some tests </a:t>
-            </a:r>
-            <a:r>
-              <a:rPr lang="en-GB" smtClean="0"/>
-              <a:t>in vacuum</a:t>
+              <a:t>(Virtual) Experiment Description</a:t>
             </a:r>
             <a:endParaRPr lang="en-GB" dirty="0"/>
           </a:p>
@@ -15347,26 +16462,326 @@
       </p:sp>
       <p:sp>
         <p:nvSpPr>
-          <p:cNvPr id="6" name="Espace réservé du contenu 5"/>
+          <p:cNvPr id="3" name="Espace réservé du contenu 2"/>
           <p:cNvSpPr>
             <a:spLocks noGrp="1"/>
           </p:cNvSpPr>
           <p:nvPr>
-            <p:ph sz="quarter" idx="13"/>
+            <p:ph idx="1"/>
           </p:nvPr>
         </p:nvSpPr>
+        <p:spPr>
+          <a:xfrm>
+            <a:off x="87376" y="1630412"/>
+            <a:ext cx="12206224" cy="4776397"/>
+          </a:xfrm>
+        </p:spPr>
+        <p:txBody>
+          <a:bodyPr/>
+          <a:lstStyle/>
+          <a:p>
+            <a:r>
+              <a:rPr lang="fr-FR" dirty="0" err="1"/>
+              <a:t>Antenna</a:t>
+            </a:r>
+            <a:r>
+              <a:rPr lang="fr-FR" dirty="0"/>
+              <a:t> RF </a:t>
+            </a:r>
+            <a:r>
+              <a:rPr lang="fr-FR" dirty="0" smtClean="0"/>
+              <a:t>excitation</a:t>
+            </a:r>
+            <a:endParaRPr lang="fr-FR" dirty="0"/>
+          </a:p>
+          <a:p>
+            <a:pPr lvl="1"/>
+            <a:r>
+              <a:rPr lang="en-GB" dirty="0"/>
+              <a:t>Excitation left side: P</a:t>
+            </a:r>
+            <a:r>
+              <a:rPr lang="en-GB" baseline="-25000" dirty="0"/>
+              <a:t>in</a:t>
+            </a:r>
+            <a:r>
+              <a:rPr lang="en-GB" dirty="0"/>
+              <a:t>, </a:t>
+            </a:r>
+          </a:p>
+          <a:p>
+            <a:pPr lvl="1"/>
+            <a:r>
+              <a:rPr lang="en-GB" dirty="0"/>
+              <a:t>Excitation right side: P</a:t>
+            </a:r>
+            <a:r>
+              <a:rPr lang="en-GB" baseline="-25000" dirty="0"/>
+              <a:t>in</a:t>
+            </a:r>
+            <a:r>
+              <a:rPr lang="en-GB" dirty="0"/>
+              <a:t> x </a:t>
+            </a:r>
+            <a:r>
+              <a:rPr lang="en-GB" dirty="0" err="1"/>
+              <a:t>exp</a:t>
+            </a:r>
+            <a:r>
+              <a:rPr lang="en-GB" dirty="0"/>
+              <a:t>(j∆</a:t>
+            </a:r>
+            <a:r>
+              <a:rPr lang="el-GR" dirty="0"/>
+              <a:t>φ</a:t>
+            </a:r>
+            <a:r>
+              <a:rPr lang="en-GB" dirty="0"/>
+              <a:t>), with ∆</a:t>
+            </a:r>
+            <a:r>
+              <a:rPr lang="el-GR" dirty="0"/>
+              <a:t>φ</a:t>
+            </a:r>
+            <a:r>
+              <a:rPr lang="fr-FR" dirty="0"/>
+              <a:t> in [0, 180°]</a:t>
+            </a:r>
+          </a:p>
+          <a:p>
+            <a:pPr lvl="2"/>
+            <a:r>
+              <a:rPr lang="en-GB" dirty="0"/>
+              <a:t>Dipole: ∆</a:t>
+            </a:r>
+            <a:r>
+              <a:rPr lang="el-GR" dirty="0"/>
+              <a:t>φ</a:t>
+            </a:r>
+            <a:r>
+              <a:rPr lang="fr-FR" dirty="0"/>
+              <a:t>=180°</a:t>
+            </a:r>
+          </a:p>
+          <a:p>
+            <a:pPr lvl="2"/>
+            <a:r>
+              <a:rPr lang="en-GB" dirty="0"/>
+              <a:t>Monopole: ∆</a:t>
+            </a:r>
+            <a:r>
+              <a:rPr lang="el-GR" dirty="0"/>
+              <a:t>φ</a:t>
+            </a:r>
+            <a:r>
+              <a:rPr lang="fr-FR" dirty="0"/>
+              <a:t>=0°</a:t>
+            </a:r>
+            <a:endParaRPr lang="en-GB" dirty="0"/>
+          </a:p>
+          <a:p>
+            <a:endParaRPr lang="en-GB" dirty="0" smtClean="0"/>
+          </a:p>
+          <a:p>
+            <a:r>
+              <a:rPr lang="en-GB" dirty="0" smtClean="0"/>
+              <a:t>Antenna Tuning Method (manual procedure)</a:t>
+            </a:r>
+          </a:p>
+          <a:p>
+            <a:pPr lvl="1"/>
+            <a:r>
+              <a:rPr lang="en-GB" dirty="0" smtClean="0"/>
+              <a:t>Match left side (right side detuned) -&gt; gives C1 and C2</a:t>
+            </a:r>
+          </a:p>
+          <a:p>
+            <a:pPr lvl="1"/>
+            <a:r>
+              <a:rPr lang="en-GB" dirty="0" smtClean="0"/>
+              <a:t>Match right side (left side detuned) -&gt; gives C3 and C4</a:t>
+            </a:r>
+          </a:p>
+          <a:p>
+            <a:pPr lvl="1"/>
+            <a:r>
+              <a:rPr lang="en-GB" dirty="0" smtClean="0"/>
+              <a:t>2 solutions can be found for each sides : solution “1”: </a:t>
+            </a:r>
+            <a:r>
+              <a:rPr lang="en-GB" dirty="0" err="1" smtClean="0"/>
+              <a:t>C</a:t>
+            </a:r>
+            <a:r>
+              <a:rPr lang="en-GB" baseline="-25000" dirty="0" err="1" smtClean="0"/>
+              <a:t>top</a:t>
+            </a:r>
+            <a:r>
+              <a:rPr lang="en-GB" dirty="0" smtClean="0"/>
+              <a:t> &gt; </a:t>
+            </a:r>
+            <a:r>
+              <a:rPr lang="en-GB" dirty="0" err="1" smtClean="0"/>
+              <a:t>C</a:t>
+            </a:r>
+            <a:r>
+              <a:rPr lang="en-GB" baseline="-25000" dirty="0" err="1" smtClean="0"/>
+              <a:t>bottom</a:t>
+            </a:r>
+            <a:r>
+              <a:rPr lang="en-GB" dirty="0" smtClean="0"/>
+              <a:t>, solution “2”: </a:t>
+            </a:r>
+            <a:r>
+              <a:rPr lang="en-GB" dirty="0" err="1" smtClean="0"/>
+              <a:t>C</a:t>
+            </a:r>
+            <a:r>
+              <a:rPr lang="en-GB" baseline="-25000" dirty="0" err="1" smtClean="0"/>
+              <a:t>top</a:t>
+            </a:r>
+            <a:r>
+              <a:rPr lang="en-GB" baseline="-25000" dirty="0" smtClean="0"/>
+              <a:t> </a:t>
+            </a:r>
+            <a:r>
+              <a:rPr lang="en-GB" dirty="0" smtClean="0"/>
+              <a:t>&lt; </a:t>
+            </a:r>
+            <a:r>
+              <a:rPr lang="en-GB" dirty="0" err="1" smtClean="0"/>
+              <a:t>C</a:t>
+            </a:r>
+            <a:r>
+              <a:rPr lang="en-GB" baseline="-25000" dirty="0" err="1" smtClean="0"/>
+              <a:t>bottom</a:t>
+            </a:r>
+            <a:endParaRPr lang="en-GB" dirty="0" smtClean="0"/>
+          </a:p>
+          <a:p>
+            <a:pPr lvl="1"/>
+            <a:r>
+              <a:rPr lang="en-GB" dirty="0"/>
+              <a:t>Setup antenna to (C1, C2, C3, C4) </a:t>
+            </a:r>
+            <a:r>
+              <a:rPr lang="en-GB" dirty="0" smtClean="0"/>
+              <a:t>with same solution on both sides:</a:t>
+            </a:r>
+          </a:p>
+          <a:p>
+            <a:pPr lvl="2"/>
+            <a:r>
+              <a:rPr lang="en-GB" dirty="0" smtClean="0"/>
+              <a:t>Optimum </a:t>
+            </a:r>
+            <a:r>
+              <a:rPr lang="en-GB" dirty="0"/>
+              <a:t>frequency to operate in dipole is f=f</a:t>
+            </a:r>
+            <a:r>
+              <a:rPr lang="en-GB" baseline="-25000" dirty="0"/>
+              <a:t>0</a:t>
+            </a:r>
+            <a:r>
+              <a:rPr lang="en-GB" dirty="0"/>
+              <a:t> + ∆f, where ∆f ~ 0.2 MHz (∆f = ∆f (f</a:t>
+            </a:r>
+            <a:r>
+              <a:rPr lang="en-GB" baseline="-25000" dirty="0"/>
+              <a:t>0</a:t>
+            </a:r>
+            <a:r>
+              <a:rPr lang="en-GB" dirty="0" smtClean="0"/>
+              <a:t>))</a:t>
+            </a:r>
+          </a:p>
+          <a:p>
+            <a:pPr lvl="2"/>
+            <a:r>
+              <a:rPr lang="en-GB" dirty="0"/>
+              <a:t>Optimum frequency to operate in </a:t>
+            </a:r>
+            <a:r>
+              <a:rPr lang="en-GB" dirty="0" smtClean="0"/>
+              <a:t>monopole </a:t>
+            </a:r>
+            <a:r>
+              <a:rPr lang="en-GB" dirty="0"/>
+              <a:t>is f=f</a:t>
+            </a:r>
+            <a:r>
+              <a:rPr lang="en-GB" baseline="-25000" dirty="0"/>
+              <a:t>0</a:t>
+            </a:r>
+            <a:r>
+              <a:rPr lang="en-GB" dirty="0"/>
+              <a:t> </a:t>
+            </a:r>
+            <a:r>
+              <a:rPr lang="en-GB" dirty="0" smtClean="0"/>
+              <a:t>- </a:t>
+            </a:r>
+            <a:r>
+              <a:rPr lang="en-GB" dirty="0"/>
+              <a:t>∆f, where ∆f ~ 0.2 MHz (∆f = ∆f (f</a:t>
+            </a:r>
+            <a:r>
+              <a:rPr lang="en-GB" baseline="-25000" dirty="0"/>
+              <a:t>0</a:t>
+            </a:r>
+            <a:r>
+              <a:rPr lang="en-GB" dirty="0"/>
+              <a:t>))</a:t>
+            </a:r>
+          </a:p>
+          <a:p>
+            <a:pPr lvl="2"/>
+            <a:endParaRPr lang="en-GB" dirty="0" smtClean="0"/>
+          </a:p>
+          <a:p>
+            <a:pPr lvl="2"/>
+            <a:endParaRPr lang="en-GB" dirty="0"/>
+          </a:p>
+          <a:p>
+            <a:pPr lvl="1"/>
+            <a:endParaRPr lang="fr-FR" dirty="0"/>
+          </a:p>
+          <a:p>
+            <a:endParaRPr lang="en-GB" dirty="0"/>
+          </a:p>
+        </p:txBody>
+      </p:sp>
+      <p:sp>
+        <p:nvSpPr>
+          <p:cNvPr id="4" name="Espace réservé du texte 3"/>
+          <p:cNvSpPr>
+            <a:spLocks noGrp="1"/>
+          </p:cNvSpPr>
+          <p:nvPr>
+            <p:ph type="body" sz="quarter" idx="12"/>
+          </p:nvPr>
+        </p:nvSpPr>
         <p:spPr/>
         <p:txBody>
           <a:bodyPr/>
           <a:lstStyle/>
           <a:p>
-            <a:endParaRPr lang="en-GB"/>
-          </a:p>
-        </p:txBody>
-      </p:sp>
-      <p:sp>
-        <p:nvSpPr>
-          <p:cNvPr id="2" name="Espace réservé du numéro de diapositive 1"/>
+            <a:r>
+              <a:rPr lang="en-GB" dirty="0" smtClean="0"/>
+              <a:t>Assumed: one antenna working at f</a:t>
+            </a:r>
+            <a:r>
+              <a:rPr lang="en-GB" baseline="-25000" dirty="0" smtClean="0"/>
+              <a:t>0</a:t>
+            </a:r>
+            <a:endParaRPr lang="en-GB" dirty="0"/>
+          </a:p>
+        </p:txBody>
+      </p:sp>
+      <p:sp>
+        <p:nvSpPr>
+          <p:cNvPr id="5" name="Espace réservé du numéro de diapositive 4"/>
           <p:cNvSpPr>
             <a:spLocks noGrp="1"/>
           </p:cNvSpPr>
@@ -15390,7 +16805,7 @@
     </p:spTree>
     <p:extLst>
       <p:ext uri="{BB962C8B-B14F-4D97-AF65-F5344CB8AC3E}">
-        <p14:creationId xmlns:p14="http://schemas.microsoft.com/office/powerpoint/2010/main" val="1194053217"/>
+        <p14:creationId xmlns:p14="http://schemas.microsoft.com/office/powerpoint/2010/main" val="1676853691"/>
       </p:ext>
     </p:extLst>
   </p:cSld>

--- a/doc/WEST_Antenna_Circuit_Model.pptx
+++ b/doc/WEST_Antenna_Circuit_Model.pptx
@@ -5,7 +5,7 @@
     <p:sldMasterId id="2147483660" r:id="rId1"/>
   </p:sldMasterIdLst>
   <p:notesMasterIdLst>
-    <p:notesMasterId r:id="rId11"/>
+    <p:notesMasterId r:id="rId13"/>
   </p:notesMasterIdLst>
   <p:sldIdLst>
     <p:sldId id="256" r:id="rId2"/>
@@ -16,7 +16,9 @@
     <p:sldId id="257" r:id="rId7"/>
     <p:sldId id="276" r:id="rId8"/>
     <p:sldId id="273" r:id="rId9"/>
-    <p:sldId id="261" r:id="rId10"/>
+    <p:sldId id="277" r:id="rId10"/>
+    <p:sldId id="261" r:id="rId11"/>
+    <p:sldId id="278" r:id="rId12"/>
   </p:sldIdLst>
   <p:sldSz cx="12192000" cy="6858000"/>
   <p:notesSz cx="6858000" cy="9144000"/>
@@ -205,7 +207,7 @@
           <a:p>
             <a:fld id="{1376020A-F047-4D6F-8A37-6940ED7BDB0C}" type="datetimeFigureOut">
               <a:rPr lang="en-GB" smtClean="0"/>
-              <a:t>06/12/2020</a:t>
+              <a:t>12/12/2020</a:t>
             </a:fld>
             <a:endParaRPr lang="en-GB"/>
           </a:p>
@@ -5429,7 +5431,7 @@
                   </a:schemeClr>
                 </a:solidFill>
               </a:rPr>
-              <a:t>6 décembre 2020</a:t>
+              <a:t>12 décembre 2020</a:t>
             </a:fld>
             <a:endParaRPr lang="fr-FR" sz="1100" dirty="0">
               <a:solidFill>
@@ -5987,6 +5989,708 @@
     <p:extLst>
       <p:ext uri="{BB962C8B-B14F-4D97-AF65-F5344CB8AC3E}">
         <p14:creationId xmlns:p14="http://schemas.microsoft.com/office/powerpoint/2010/main" val="3704093453"/>
+      </p:ext>
+    </p:extLst>
+  </p:cSld>
+  <p:clrMapOvr>
+    <a:masterClrMapping/>
+  </p:clrMapOvr>
+  <p:timing>
+    <p:tnLst>
+      <p:par>
+        <p:cTn id="1" dur="indefinite" restart="never" nodeType="tmRoot"/>
+      </p:par>
+    </p:tnLst>
+  </p:timing>
+</p:sld>
+</file>
+
+<file path=ppt/slides/slide10.xml><?xml version="1.0" encoding="utf-8"?>
+<p:sld xmlns:a="http://schemas.openxmlformats.org/drawingml/2006/main" xmlns:r="http://schemas.openxmlformats.org/officeDocument/2006/relationships" xmlns:p="http://schemas.openxmlformats.org/presentationml/2006/main">
+  <p:cSld>
+    <p:spTree>
+      <p:nvGrpSpPr>
+        <p:cNvPr id="1" name=""/>
+        <p:cNvGrpSpPr/>
+        <p:nvPr/>
+      </p:nvGrpSpPr>
+      <p:grpSpPr>
+        <a:xfrm>
+          <a:off x="0" y="0"/>
+          <a:ext cx="0" cy="0"/>
+          <a:chOff x="0" y="0"/>
+          <a:chExt cx="0" cy="0"/>
+        </a:xfrm>
+      </p:grpSpPr>
+      <p:sp>
+        <p:nvSpPr>
+          <p:cNvPr id="2" name="Titre 1"/>
+          <p:cNvSpPr>
+            <a:spLocks noGrp="1"/>
+          </p:cNvSpPr>
+          <p:nvPr>
+            <p:ph type="title"/>
+          </p:nvPr>
+        </p:nvSpPr>
+        <p:spPr/>
+        <p:txBody>
+          <a:bodyPr/>
+          <a:lstStyle/>
+          <a:p>
+            <a:r>
+              <a:rPr lang="en-GB" dirty="0" smtClean="0"/>
+              <a:t>(Virtual) Experiment Description</a:t>
+            </a:r>
+            <a:endParaRPr lang="en-GB" dirty="0"/>
+          </a:p>
+        </p:txBody>
+      </p:sp>
+      <p:sp>
+        <p:nvSpPr>
+          <p:cNvPr id="3" name="Espace réservé du contenu 2"/>
+          <p:cNvSpPr>
+            <a:spLocks noGrp="1"/>
+          </p:cNvSpPr>
+          <p:nvPr>
+            <p:ph idx="1"/>
+          </p:nvPr>
+        </p:nvSpPr>
+        <p:spPr>
+          <a:xfrm>
+            <a:off x="87376" y="1630412"/>
+            <a:ext cx="12206224" cy="4776397"/>
+          </a:xfrm>
+        </p:spPr>
+        <p:txBody>
+          <a:bodyPr/>
+          <a:lstStyle/>
+          <a:p>
+            <a:r>
+              <a:rPr lang="fr-FR" dirty="0" err="1"/>
+              <a:t>Antenna</a:t>
+            </a:r>
+            <a:r>
+              <a:rPr lang="fr-FR" dirty="0"/>
+              <a:t> RF </a:t>
+            </a:r>
+            <a:r>
+              <a:rPr lang="fr-FR" dirty="0" smtClean="0"/>
+              <a:t>excitation</a:t>
+            </a:r>
+            <a:endParaRPr lang="fr-FR" dirty="0"/>
+          </a:p>
+          <a:p>
+            <a:pPr lvl="1"/>
+            <a:r>
+              <a:rPr lang="en-GB" dirty="0"/>
+              <a:t>Excitation left side: P</a:t>
+            </a:r>
+            <a:r>
+              <a:rPr lang="en-GB" baseline="-25000" dirty="0"/>
+              <a:t>in</a:t>
+            </a:r>
+            <a:r>
+              <a:rPr lang="en-GB" dirty="0"/>
+              <a:t>, </a:t>
+            </a:r>
+          </a:p>
+          <a:p>
+            <a:pPr lvl="1"/>
+            <a:r>
+              <a:rPr lang="en-GB" dirty="0"/>
+              <a:t>Excitation right side: P</a:t>
+            </a:r>
+            <a:r>
+              <a:rPr lang="en-GB" baseline="-25000" dirty="0"/>
+              <a:t>in</a:t>
+            </a:r>
+            <a:r>
+              <a:rPr lang="en-GB" dirty="0"/>
+              <a:t> x </a:t>
+            </a:r>
+            <a:r>
+              <a:rPr lang="en-GB" dirty="0" err="1"/>
+              <a:t>exp</a:t>
+            </a:r>
+            <a:r>
+              <a:rPr lang="en-GB" dirty="0"/>
+              <a:t>(j∆</a:t>
+            </a:r>
+            <a:r>
+              <a:rPr lang="el-GR" dirty="0"/>
+              <a:t>φ</a:t>
+            </a:r>
+            <a:r>
+              <a:rPr lang="en-GB" dirty="0"/>
+              <a:t>), with ∆</a:t>
+            </a:r>
+            <a:r>
+              <a:rPr lang="el-GR" dirty="0"/>
+              <a:t>φ</a:t>
+            </a:r>
+            <a:r>
+              <a:rPr lang="fr-FR" dirty="0"/>
+              <a:t> in [0, 180°]</a:t>
+            </a:r>
+          </a:p>
+          <a:p>
+            <a:pPr lvl="2"/>
+            <a:r>
+              <a:rPr lang="en-GB" dirty="0"/>
+              <a:t>Dipole: ∆</a:t>
+            </a:r>
+            <a:r>
+              <a:rPr lang="el-GR" dirty="0"/>
+              <a:t>φ</a:t>
+            </a:r>
+            <a:r>
+              <a:rPr lang="fr-FR" dirty="0"/>
+              <a:t>=180°</a:t>
+            </a:r>
+          </a:p>
+          <a:p>
+            <a:pPr lvl="2"/>
+            <a:r>
+              <a:rPr lang="en-GB" dirty="0"/>
+              <a:t>Monopole: ∆</a:t>
+            </a:r>
+            <a:r>
+              <a:rPr lang="el-GR" dirty="0"/>
+              <a:t>φ</a:t>
+            </a:r>
+            <a:r>
+              <a:rPr lang="fr-FR" dirty="0"/>
+              <a:t>=0°</a:t>
+            </a:r>
+            <a:endParaRPr lang="en-GB" dirty="0"/>
+          </a:p>
+          <a:p>
+            <a:endParaRPr lang="en-GB" dirty="0" smtClean="0"/>
+          </a:p>
+          <a:p>
+            <a:r>
+              <a:rPr lang="en-GB" dirty="0" smtClean="0"/>
+              <a:t>Antenna Matching Method (manual procedure)</a:t>
+            </a:r>
+          </a:p>
+          <a:p>
+            <a:pPr lvl="1"/>
+            <a:r>
+              <a:rPr lang="en-GB" dirty="0" smtClean="0"/>
+              <a:t>Match left side (right side detuned) -&gt; gives C1 and C2</a:t>
+            </a:r>
+          </a:p>
+          <a:p>
+            <a:pPr lvl="1"/>
+            <a:r>
+              <a:rPr lang="en-GB" dirty="0" smtClean="0"/>
+              <a:t>Match right side (left side detuned) -&gt; gives C3 and C4</a:t>
+            </a:r>
+          </a:p>
+          <a:p>
+            <a:pPr lvl="1"/>
+            <a:r>
+              <a:rPr lang="en-GB" dirty="0" smtClean="0"/>
+              <a:t>2 solutions can be found for each sides : solution “1”: </a:t>
+            </a:r>
+            <a:r>
+              <a:rPr lang="en-GB" dirty="0" err="1" smtClean="0"/>
+              <a:t>C</a:t>
+            </a:r>
+            <a:r>
+              <a:rPr lang="en-GB" baseline="-25000" dirty="0" err="1" smtClean="0"/>
+              <a:t>top</a:t>
+            </a:r>
+            <a:r>
+              <a:rPr lang="en-GB" dirty="0" smtClean="0"/>
+              <a:t> &gt; </a:t>
+            </a:r>
+            <a:r>
+              <a:rPr lang="en-GB" dirty="0" err="1" smtClean="0"/>
+              <a:t>C</a:t>
+            </a:r>
+            <a:r>
+              <a:rPr lang="en-GB" baseline="-25000" dirty="0" err="1" smtClean="0"/>
+              <a:t>bottom</a:t>
+            </a:r>
+            <a:r>
+              <a:rPr lang="en-GB" dirty="0" smtClean="0"/>
+              <a:t>, solution “2”: </a:t>
+            </a:r>
+            <a:r>
+              <a:rPr lang="en-GB" dirty="0" err="1" smtClean="0"/>
+              <a:t>C</a:t>
+            </a:r>
+            <a:r>
+              <a:rPr lang="en-GB" baseline="-25000" dirty="0" err="1" smtClean="0"/>
+              <a:t>top</a:t>
+            </a:r>
+            <a:r>
+              <a:rPr lang="en-GB" baseline="-25000" dirty="0" smtClean="0"/>
+              <a:t> </a:t>
+            </a:r>
+            <a:r>
+              <a:rPr lang="en-GB" dirty="0" smtClean="0"/>
+              <a:t>&lt; </a:t>
+            </a:r>
+            <a:r>
+              <a:rPr lang="en-GB" dirty="0" err="1" smtClean="0"/>
+              <a:t>C</a:t>
+            </a:r>
+            <a:r>
+              <a:rPr lang="en-GB" baseline="-25000" dirty="0" err="1" smtClean="0"/>
+              <a:t>bottom</a:t>
+            </a:r>
+            <a:endParaRPr lang="en-GB" dirty="0" smtClean="0"/>
+          </a:p>
+          <a:p>
+            <a:pPr lvl="1"/>
+            <a:r>
+              <a:rPr lang="en-GB" dirty="0"/>
+              <a:t>Setup antenna to (C1, C2, C3, C4) </a:t>
+            </a:r>
+            <a:r>
+              <a:rPr lang="en-GB" dirty="0" smtClean="0"/>
+              <a:t>with same solution on both sides:</a:t>
+            </a:r>
+          </a:p>
+          <a:p>
+            <a:pPr lvl="2"/>
+            <a:r>
+              <a:rPr lang="en-GB" dirty="0" smtClean="0"/>
+              <a:t>Optimum </a:t>
+            </a:r>
+            <a:r>
+              <a:rPr lang="en-GB" dirty="0"/>
+              <a:t>frequency to operate in dipole is f=f</a:t>
+            </a:r>
+            <a:r>
+              <a:rPr lang="en-GB" baseline="-25000" dirty="0"/>
+              <a:t>0</a:t>
+            </a:r>
+            <a:r>
+              <a:rPr lang="en-GB" dirty="0"/>
+              <a:t> + ∆f, where ∆f ~ 0.2 MHz (∆f = ∆f (f</a:t>
+            </a:r>
+            <a:r>
+              <a:rPr lang="en-GB" baseline="-25000" dirty="0"/>
+              <a:t>0</a:t>
+            </a:r>
+            <a:r>
+              <a:rPr lang="en-GB" dirty="0" smtClean="0"/>
+              <a:t>))</a:t>
+            </a:r>
+          </a:p>
+          <a:p>
+            <a:pPr lvl="2"/>
+            <a:r>
+              <a:rPr lang="en-GB" dirty="0"/>
+              <a:t>Optimum frequency to operate in </a:t>
+            </a:r>
+            <a:r>
+              <a:rPr lang="en-GB" dirty="0" smtClean="0"/>
+              <a:t>monopole </a:t>
+            </a:r>
+            <a:r>
+              <a:rPr lang="en-GB" dirty="0"/>
+              <a:t>is f=f</a:t>
+            </a:r>
+            <a:r>
+              <a:rPr lang="en-GB" baseline="-25000" dirty="0"/>
+              <a:t>0</a:t>
+            </a:r>
+            <a:r>
+              <a:rPr lang="en-GB" dirty="0"/>
+              <a:t> </a:t>
+            </a:r>
+            <a:r>
+              <a:rPr lang="en-GB" dirty="0" smtClean="0"/>
+              <a:t>- </a:t>
+            </a:r>
+            <a:r>
+              <a:rPr lang="en-GB" dirty="0"/>
+              <a:t>∆f, where ∆f ~ 0.2 MHz (∆f = ∆f (f</a:t>
+            </a:r>
+            <a:r>
+              <a:rPr lang="en-GB" baseline="-25000" dirty="0"/>
+              <a:t>0</a:t>
+            </a:r>
+            <a:r>
+              <a:rPr lang="en-GB" dirty="0"/>
+              <a:t>))</a:t>
+            </a:r>
+          </a:p>
+          <a:p>
+            <a:pPr lvl="2"/>
+            <a:endParaRPr lang="en-GB" dirty="0" smtClean="0"/>
+          </a:p>
+          <a:p>
+            <a:pPr lvl="2"/>
+            <a:endParaRPr lang="en-GB" dirty="0"/>
+          </a:p>
+          <a:p>
+            <a:pPr lvl="1"/>
+            <a:endParaRPr lang="fr-FR" dirty="0"/>
+          </a:p>
+          <a:p>
+            <a:endParaRPr lang="en-GB" dirty="0"/>
+          </a:p>
+        </p:txBody>
+      </p:sp>
+      <p:sp>
+        <p:nvSpPr>
+          <p:cNvPr id="4" name="Espace réservé du texte 3"/>
+          <p:cNvSpPr>
+            <a:spLocks noGrp="1"/>
+          </p:cNvSpPr>
+          <p:nvPr>
+            <p:ph type="body" sz="quarter" idx="12"/>
+          </p:nvPr>
+        </p:nvSpPr>
+        <p:spPr/>
+        <p:txBody>
+          <a:bodyPr/>
+          <a:lstStyle/>
+          <a:p>
+            <a:r>
+              <a:rPr lang="en-GB" dirty="0" smtClean="0"/>
+              <a:t>Assumed: one antenna working at f</a:t>
+            </a:r>
+            <a:r>
+              <a:rPr lang="en-GB" baseline="-25000" dirty="0" smtClean="0"/>
+              <a:t>0</a:t>
+            </a:r>
+            <a:endParaRPr lang="en-GB" dirty="0"/>
+          </a:p>
+        </p:txBody>
+      </p:sp>
+      <p:sp>
+        <p:nvSpPr>
+          <p:cNvPr id="5" name="Espace réservé du numéro de diapositive 4"/>
+          <p:cNvSpPr>
+            <a:spLocks noGrp="1"/>
+          </p:cNvSpPr>
+          <p:nvPr>
+            <p:ph type="sldNum" sz="quarter" idx="10"/>
+          </p:nvPr>
+        </p:nvSpPr>
+        <p:spPr/>
+        <p:txBody>
+          <a:bodyPr/>
+          <a:lstStyle/>
+          <a:p>
+            <a:fld id="{CB10B659-826B-4DD2-AF43-E1305E666421}" type="slidenum">
+              <a:rPr lang="en-GB" smtClean="0"/>
+              <a:t>10</a:t>
+            </a:fld>
+            <a:endParaRPr lang="en-GB"/>
+          </a:p>
+        </p:txBody>
+      </p:sp>
+    </p:spTree>
+    <p:extLst>
+      <p:ext uri="{BB962C8B-B14F-4D97-AF65-F5344CB8AC3E}">
+        <p14:creationId xmlns:p14="http://schemas.microsoft.com/office/powerpoint/2010/main" val="1676853691"/>
+      </p:ext>
+    </p:extLst>
+  </p:cSld>
+  <p:clrMapOvr>
+    <a:masterClrMapping/>
+  </p:clrMapOvr>
+  <p:timing>
+    <p:tnLst>
+      <p:par>
+        <p:cTn id="1" dur="indefinite" restart="never" nodeType="tmRoot"/>
+      </p:par>
+    </p:tnLst>
+  </p:timing>
+</p:sld>
+</file>
+
+<file path=ppt/slides/slide11.xml><?xml version="1.0" encoding="utf-8"?>
+<p:sld xmlns:a="http://schemas.openxmlformats.org/drawingml/2006/main" xmlns:r="http://schemas.openxmlformats.org/officeDocument/2006/relationships" xmlns:p="http://schemas.openxmlformats.org/presentationml/2006/main">
+  <p:cSld>
+    <p:spTree>
+      <p:nvGrpSpPr>
+        <p:cNvPr id="1" name=""/>
+        <p:cNvGrpSpPr/>
+        <p:nvPr/>
+      </p:nvGrpSpPr>
+      <p:grpSpPr>
+        <a:xfrm>
+          <a:off x="0" y="0"/>
+          <a:ext cx="0" cy="0"/>
+          <a:chOff x="0" y="0"/>
+          <a:chExt cx="0" cy="0"/>
+        </a:xfrm>
+      </p:grpSpPr>
+      <p:pic>
+        <p:nvPicPr>
+          <p:cNvPr id="14" name="Image 13"/>
+          <p:cNvPicPr>
+            <a:picLocks noChangeAspect="1"/>
+          </p:cNvPicPr>
+          <p:nvPr/>
+        </p:nvPicPr>
+        <p:blipFill>
+          <a:blip r:embed="rId2">
+            <a:extLst>
+              <a:ext uri="{28A0092B-C50C-407E-A947-70E740481C1C}">
+                <a14:useLocalDpi xmlns:a14="http://schemas.microsoft.com/office/drawing/2010/main" val="0"/>
+              </a:ext>
+            </a:extLst>
+          </a:blip>
+          <a:stretch>
+            <a:fillRect/>
+          </a:stretch>
+        </p:blipFill>
+        <p:spPr>
+          <a:xfrm>
+            <a:off x="0" y="2113959"/>
+            <a:ext cx="5818909" cy="4364181"/>
+          </a:xfrm>
+          <a:prstGeom prst="rect">
+            <a:avLst/>
+          </a:prstGeom>
+        </p:spPr>
+      </p:pic>
+      <p:pic>
+        <p:nvPicPr>
+          <p:cNvPr id="15" name="Image 14"/>
+          <p:cNvPicPr>
+            <a:picLocks noChangeAspect="1"/>
+          </p:cNvPicPr>
+          <p:nvPr/>
+        </p:nvPicPr>
+        <p:blipFill>
+          <a:blip r:embed="rId3">
+            <a:extLst>
+              <a:ext uri="{28A0092B-C50C-407E-A947-70E740481C1C}">
+                <a14:useLocalDpi xmlns:a14="http://schemas.microsoft.com/office/drawing/2010/main" val="0"/>
+              </a:ext>
+            </a:extLst>
+          </a:blip>
+          <a:stretch>
+            <a:fillRect/>
+          </a:stretch>
+        </p:blipFill>
+        <p:spPr>
+          <a:xfrm>
+            <a:off x="5690424" y="2118999"/>
+            <a:ext cx="5993426" cy="4495070"/>
+          </a:xfrm>
+          <a:prstGeom prst="rect">
+            <a:avLst/>
+          </a:prstGeom>
+        </p:spPr>
+      </p:pic>
+      <p:sp>
+        <p:nvSpPr>
+          <p:cNvPr id="5" name="Titre 4"/>
+          <p:cNvSpPr>
+            <a:spLocks noGrp="1"/>
+          </p:cNvSpPr>
+          <p:nvPr>
+            <p:ph type="title"/>
+          </p:nvPr>
+        </p:nvSpPr>
+        <p:spPr/>
+        <p:txBody>
+          <a:bodyPr/>
+          <a:lstStyle/>
+          <a:p>
+            <a:r>
+              <a:rPr lang="en-GB" dirty="0" smtClean="0"/>
+              <a:t>Left side matched (right side unmatched)</a:t>
+            </a:r>
+            <a:endParaRPr lang="en-GB" dirty="0"/>
+          </a:p>
+        </p:txBody>
+      </p:sp>
+      <p:sp>
+        <p:nvSpPr>
+          <p:cNvPr id="2" name="Espace réservé du numéro de diapositive 1"/>
+          <p:cNvSpPr>
+            <a:spLocks noGrp="1"/>
+          </p:cNvSpPr>
+          <p:nvPr>
+            <p:ph type="sldNum" sz="quarter" idx="10"/>
+          </p:nvPr>
+        </p:nvSpPr>
+        <p:spPr/>
+        <p:txBody>
+          <a:bodyPr/>
+          <a:lstStyle/>
+          <a:p>
+            <a:fld id="{CB10B659-826B-4DD2-AF43-E1305E666421}" type="slidenum">
+              <a:rPr lang="en-GB" smtClean="0"/>
+              <a:t>11</a:t>
+            </a:fld>
+            <a:endParaRPr lang="en-GB"/>
+          </a:p>
+        </p:txBody>
+      </p:sp>
+      <p:sp>
+        <p:nvSpPr>
+          <p:cNvPr id="6" name="Espace réservé du contenu 5"/>
+          <p:cNvSpPr>
+            <a:spLocks noGrp="1"/>
+          </p:cNvSpPr>
+          <p:nvPr>
+            <p:ph idx="1"/>
+          </p:nvPr>
+        </p:nvSpPr>
+        <p:spPr>
+          <a:xfrm>
+            <a:off x="341376" y="1630412"/>
+            <a:ext cx="11055323" cy="436748"/>
+          </a:xfrm>
+        </p:spPr>
+        <p:txBody>
+          <a:bodyPr/>
+          <a:lstStyle/>
+          <a:p>
+            <a:r>
+              <a:rPr lang="en-GB" dirty="0" smtClean="0"/>
+              <a:t> </a:t>
+            </a:r>
+            <a:endParaRPr lang="en-GB" dirty="0"/>
+          </a:p>
+        </p:txBody>
+      </p:sp>
+      <p:sp>
+        <p:nvSpPr>
+          <p:cNvPr id="7" name="Espace réservé du texte 6"/>
+          <p:cNvSpPr>
+            <a:spLocks noGrp="1"/>
+          </p:cNvSpPr>
+          <p:nvPr>
+            <p:ph type="body" sz="quarter" idx="12"/>
+          </p:nvPr>
+        </p:nvSpPr>
+        <p:spPr/>
+        <p:txBody>
+          <a:bodyPr/>
+          <a:lstStyle/>
+          <a:p>
+            <a:endParaRPr lang="en-GB"/>
+          </a:p>
+        </p:txBody>
+      </p:sp>
+      <p:sp>
+        <p:nvSpPr>
+          <p:cNvPr id="11" name="ZoneTexte 10"/>
+          <p:cNvSpPr txBox="1"/>
+          <p:nvPr/>
+        </p:nvSpPr>
+        <p:spPr>
+          <a:xfrm>
+            <a:off x="7578436" y="1965893"/>
+            <a:ext cx="2217402" cy="369332"/>
+          </a:xfrm>
+          <a:prstGeom prst="rect">
+            <a:avLst/>
+          </a:prstGeom>
+          <a:noFill/>
+        </p:spPr>
+        <p:txBody>
+          <a:bodyPr wrap="none" rtlCol="0">
+            <a:spAutoFit/>
+          </a:bodyPr>
+          <a:lstStyle/>
+          <a:p>
+            <a:pPr algn="l"/>
+            <a:r>
+              <a:rPr lang="en-GB" sz="1800" dirty="0" smtClean="0"/>
+              <a:t>Solution 2 (</a:t>
+            </a:r>
+            <a:r>
+              <a:rPr lang="en-GB" sz="1800" dirty="0" err="1" smtClean="0"/>
+              <a:t>C</a:t>
+            </a:r>
+            <a:r>
+              <a:rPr lang="en-GB" sz="1800" baseline="-25000" dirty="0" err="1" smtClean="0"/>
+              <a:t>top</a:t>
+            </a:r>
+            <a:r>
+              <a:rPr lang="en-GB" sz="1800" dirty="0" smtClean="0"/>
+              <a:t> &lt; </a:t>
+            </a:r>
+            <a:r>
+              <a:rPr lang="en-GB" sz="1800" dirty="0" err="1" smtClean="0"/>
+              <a:t>C</a:t>
+            </a:r>
+            <a:r>
+              <a:rPr lang="en-GB" sz="1800" baseline="-25000" dirty="0" err="1" smtClean="0"/>
+              <a:t>bot</a:t>
+            </a:r>
+            <a:r>
+              <a:rPr lang="en-GB" sz="1800" dirty="0" smtClean="0"/>
+              <a:t>)</a:t>
+            </a:r>
+            <a:endParaRPr lang="en-GB" sz="1800" dirty="0"/>
+          </a:p>
+        </p:txBody>
+      </p:sp>
+      <p:sp>
+        <p:nvSpPr>
+          <p:cNvPr id="13" name="ZoneTexte 12"/>
+          <p:cNvSpPr txBox="1"/>
+          <p:nvPr/>
+        </p:nvSpPr>
+        <p:spPr>
+          <a:xfrm>
+            <a:off x="2215494" y="2039289"/>
+            <a:ext cx="2217402" cy="369332"/>
+          </a:xfrm>
+          <a:prstGeom prst="rect">
+            <a:avLst/>
+          </a:prstGeom>
+          <a:noFill/>
+        </p:spPr>
+        <p:txBody>
+          <a:bodyPr wrap="none" rtlCol="0">
+            <a:spAutoFit/>
+          </a:bodyPr>
+          <a:lstStyle/>
+          <a:p>
+            <a:pPr algn="l"/>
+            <a:r>
+              <a:rPr lang="en-GB" sz="1800" dirty="0" smtClean="0"/>
+              <a:t>Solution 1 (</a:t>
+            </a:r>
+            <a:r>
+              <a:rPr lang="en-GB" sz="1800" dirty="0" err="1" smtClean="0"/>
+              <a:t>C</a:t>
+            </a:r>
+            <a:r>
+              <a:rPr lang="en-GB" sz="1800" baseline="-25000" dirty="0" err="1" smtClean="0"/>
+              <a:t>top</a:t>
+            </a:r>
+            <a:r>
+              <a:rPr lang="en-GB" sz="1800" dirty="0" smtClean="0"/>
+              <a:t> &gt; </a:t>
+            </a:r>
+            <a:r>
+              <a:rPr lang="en-GB" sz="1800" dirty="0" err="1" smtClean="0"/>
+              <a:t>C</a:t>
+            </a:r>
+            <a:r>
+              <a:rPr lang="en-GB" sz="1800" baseline="-25000" dirty="0" err="1" smtClean="0"/>
+              <a:t>bot</a:t>
+            </a:r>
+            <a:r>
+              <a:rPr lang="en-GB" sz="1800" dirty="0" smtClean="0"/>
+              <a:t>)</a:t>
+            </a:r>
+            <a:endParaRPr lang="en-GB" sz="1800" dirty="0"/>
+          </a:p>
+        </p:txBody>
+      </p:sp>
+    </p:spTree>
+    <p:extLst>
+      <p:ext uri="{BB962C8B-B14F-4D97-AF65-F5344CB8AC3E}">
+        <p14:creationId xmlns:p14="http://schemas.microsoft.com/office/powerpoint/2010/main" val="2789153539"/>
       </p:ext>
     </p:extLst>
   </p:cSld>
@@ -16439,349 +17143,7 @@
       </p:grpSpPr>
       <p:sp>
         <p:nvSpPr>
-          <p:cNvPr id="2" name="Titre 1"/>
-          <p:cNvSpPr>
-            <a:spLocks noGrp="1"/>
-          </p:cNvSpPr>
-          <p:nvPr>
-            <p:ph type="title"/>
-          </p:nvPr>
-        </p:nvSpPr>
-        <p:spPr/>
-        <p:txBody>
-          <a:bodyPr/>
-          <a:lstStyle/>
-          <a:p>
-            <a:r>
-              <a:rPr lang="en-GB" dirty="0" smtClean="0"/>
-              <a:t>(Virtual) Experiment Description</a:t>
-            </a:r>
-            <a:endParaRPr lang="en-GB" dirty="0"/>
-          </a:p>
-        </p:txBody>
-      </p:sp>
-      <p:sp>
-        <p:nvSpPr>
-          <p:cNvPr id="3" name="Espace réservé du contenu 2"/>
-          <p:cNvSpPr>
-            <a:spLocks noGrp="1"/>
-          </p:cNvSpPr>
-          <p:nvPr>
-            <p:ph idx="1"/>
-          </p:nvPr>
-        </p:nvSpPr>
-        <p:spPr>
-          <a:xfrm>
-            <a:off x="87376" y="1630412"/>
-            <a:ext cx="12206224" cy="4776397"/>
-          </a:xfrm>
-        </p:spPr>
-        <p:txBody>
-          <a:bodyPr/>
-          <a:lstStyle/>
-          <a:p>
-            <a:r>
-              <a:rPr lang="fr-FR" dirty="0" err="1"/>
-              <a:t>Antenna</a:t>
-            </a:r>
-            <a:r>
-              <a:rPr lang="fr-FR" dirty="0"/>
-              <a:t> RF </a:t>
-            </a:r>
-            <a:r>
-              <a:rPr lang="fr-FR" dirty="0" smtClean="0"/>
-              <a:t>excitation</a:t>
-            </a:r>
-            <a:endParaRPr lang="fr-FR" dirty="0"/>
-          </a:p>
-          <a:p>
-            <a:pPr lvl="1"/>
-            <a:r>
-              <a:rPr lang="en-GB" dirty="0"/>
-              <a:t>Excitation left side: P</a:t>
-            </a:r>
-            <a:r>
-              <a:rPr lang="en-GB" baseline="-25000" dirty="0"/>
-              <a:t>in</a:t>
-            </a:r>
-            <a:r>
-              <a:rPr lang="en-GB" dirty="0"/>
-              <a:t>, </a:t>
-            </a:r>
-          </a:p>
-          <a:p>
-            <a:pPr lvl="1"/>
-            <a:r>
-              <a:rPr lang="en-GB" dirty="0"/>
-              <a:t>Excitation right side: P</a:t>
-            </a:r>
-            <a:r>
-              <a:rPr lang="en-GB" baseline="-25000" dirty="0"/>
-              <a:t>in</a:t>
-            </a:r>
-            <a:r>
-              <a:rPr lang="en-GB" dirty="0"/>
-              <a:t> x </a:t>
-            </a:r>
-            <a:r>
-              <a:rPr lang="en-GB" dirty="0" err="1"/>
-              <a:t>exp</a:t>
-            </a:r>
-            <a:r>
-              <a:rPr lang="en-GB" dirty="0"/>
-              <a:t>(j∆</a:t>
-            </a:r>
-            <a:r>
-              <a:rPr lang="el-GR" dirty="0"/>
-              <a:t>φ</a:t>
-            </a:r>
-            <a:r>
-              <a:rPr lang="en-GB" dirty="0"/>
-              <a:t>), with ∆</a:t>
-            </a:r>
-            <a:r>
-              <a:rPr lang="el-GR" dirty="0"/>
-              <a:t>φ</a:t>
-            </a:r>
-            <a:r>
-              <a:rPr lang="fr-FR" dirty="0"/>
-              <a:t> in [0, 180°]</a:t>
-            </a:r>
-          </a:p>
-          <a:p>
-            <a:pPr lvl="2"/>
-            <a:r>
-              <a:rPr lang="en-GB" dirty="0"/>
-              <a:t>Dipole: ∆</a:t>
-            </a:r>
-            <a:r>
-              <a:rPr lang="el-GR" dirty="0"/>
-              <a:t>φ</a:t>
-            </a:r>
-            <a:r>
-              <a:rPr lang="fr-FR" dirty="0"/>
-              <a:t>=180°</a:t>
-            </a:r>
-          </a:p>
-          <a:p>
-            <a:pPr lvl="2"/>
-            <a:r>
-              <a:rPr lang="en-GB" dirty="0"/>
-              <a:t>Monopole: ∆</a:t>
-            </a:r>
-            <a:r>
-              <a:rPr lang="el-GR" dirty="0"/>
-              <a:t>φ</a:t>
-            </a:r>
-            <a:r>
-              <a:rPr lang="fr-FR" dirty="0"/>
-              <a:t>=0°</a:t>
-            </a:r>
-            <a:endParaRPr lang="en-GB" dirty="0"/>
-          </a:p>
-          <a:p>
-            <a:endParaRPr lang="en-GB" dirty="0" smtClean="0"/>
-          </a:p>
-          <a:p>
-            <a:r>
-              <a:rPr lang="en-GB" dirty="0" smtClean="0"/>
-              <a:t>Antenna Tuning Method (manual procedure)</a:t>
-            </a:r>
-          </a:p>
-          <a:p>
-            <a:pPr lvl="1"/>
-            <a:r>
-              <a:rPr lang="en-GB" dirty="0" smtClean="0"/>
-              <a:t>Match left side (right side detuned) -&gt; gives C1 and C2</a:t>
-            </a:r>
-          </a:p>
-          <a:p>
-            <a:pPr lvl="1"/>
-            <a:r>
-              <a:rPr lang="en-GB" dirty="0" smtClean="0"/>
-              <a:t>Match right side (left side detuned) -&gt; gives C3 and C4</a:t>
-            </a:r>
-          </a:p>
-          <a:p>
-            <a:pPr lvl="1"/>
-            <a:r>
-              <a:rPr lang="en-GB" dirty="0" smtClean="0"/>
-              <a:t>2 solutions can be found for each sides : solution “1”: </a:t>
-            </a:r>
-            <a:r>
-              <a:rPr lang="en-GB" dirty="0" err="1" smtClean="0"/>
-              <a:t>C</a:t>
-            </a:r>
-            <a:r>
-              <a:rPr lang="en-GB" baseline="-25000" dirty="0" err="1" smtClean="0"/>
-              <a:t>top</a:t>
-            </a:r>
-            <a:r>
-              <a:rPr lang="en-GB" dirty="0" smtClean="0"/>
-              <a:t> &gt; </a:t>
-            </a:r>
-            <a:r>
-              <a:rPr lang="en-GB" dirty="0" err="1" smtClean="0"/>
-              <a:t>C</a:t>
-            </a:r>
-            <a:r>
-              <a:rPr lang="en-GB" baseline="-25000" dirty="0" err="1" smtClean="0"/>
-              <a:t>bottom</a:t>
-            </a:r>
-            <a:r>
-              <a:rPr lang="en-GB" dirty="0" smtClean="0"/>
-              <a:t>, solution “2”: </a:t>
-            </a:r>
-            <a:r>
-              <a:rPr lang="en-GB" dirty="0" err="1" smtClean="0"/>
-              <a:t>C</a:t>
-            </a:r>
-            <a:r>
-              <a:rPr lang="en-GB" baseline="-25000" dirty="0" err="1" smtClean="0"/>
-              <a:t>top</a:t>
-            </a:r>
-            <a:r>
-              <a:rPr lang="en-GB" baseline="-25000" dirty="0" smtClean="0"/>
-              <a:t> </a:t>
-            </a:r>
-            <a:r>
-              <a:rPr lang="en-GB" dirty="0" smtClean="0"/>
-              <a:t>&lt; </a:t>
-            </a:r>
-            <a:r>
-              <a:rPr lang="en-GB" dirty="0" err="1" smtClean="0"/>
-              <a:t>C</a:t>
-            </a:r>
-            <a:r>
-              <a:rPr lang="en-GB" baseline="-25000" dirty="0" err="1" smtClean="0"/>
-              <a:t>bottom</a:t>
-            </a:r>
-            <a:endParaRPr lang="en-GB" dirty="0" smtClean="0"/>
-          </a:p>
-          <a:p>
-            <a:pPr lvl="1"/>
-            <a:r>
-              <a:rPr lang="en-GB" dirty="0"/>
-              <a:t>Setup antenna to (C1, C2, C3, C4) </a:t>
-            </a:r>
-            <a:r>
-              <a:rPr lang="en-GB" dirty="0" smtClean="0"/>
-              <a:t>with same solution on both sides:</a:t>
-            </a:r>
-          </a:p>
-          <a:p>
-            <a:pPr lvl="2"/>
-            <a:r>
-              <a:rPr lang="en-GB" dirty="0" smtClean="0"/>
-              <a:t>Optimum </a:t>
-            </a:r>
-            <a:r>
-              <a:rPr lang="en-GB" dirty="0"/>
-              <a:t>frequency to operate in dipole is f=f</a:t>
-            </a:r>
-            <a:r>
-              <a:rPr lang="en-GB" baseline="-25000" dirty="0"/>
-              <a:t>0</a:t>
-            </a:r>
-            <a:r>
-              <a:rPr lang="en-GB" dirty="0"/>
-              <a:t> + ∆f, where ∆f ~ 0.2 MHz (∆f = ∆f (f</a:t>
-            </a:r>
-            <a:r>
-              <a:rPr lang="en-GB" baseline="-25000" dirty="0"/>
-              <a:t>0</a:t>
-            </a:r>
-            <a:r>
-              <a:rPr lang="en-GB" dirty="0" smtClean="0"/>
-              <a:t>))</a:t>
-            </a:r>
-          </a:p>
-          <a:p>
-            <a:pPr lvl="2"/>
-            <a:r>
-              <a:rPr lang="en-GB" dirty="0"/>
-              <a:t>Optimum frequency to operate in </a:t>
-            </a:r>
-            <a:r>
-              <a:rPr lang="en-GB" dirty="0" smtClean="0"/>
-              <a:t>monopole </a:t>
-            </a:r>
-            <a:r>
-              <a:rPr lang="en-GB" dirty="0"/>
-              <a:t>is f=f</a:t>
-            </a:r>
-            <a:r>
-              <a:rPr lang="en-GB" baseline="-25000" dirty="0"/>
-              <a:t>0</a:t>
-            </a:r>
-            <a:r>
-              <a:rPr lang="en-GB" dirty="0"/>
-              <a:t> </a:t>
-            </a:r>
-            <a:r>
-              <a:rPr lang="en-GB" dirty="0" smtClean="0"/>
-              <a:t>- </a:t>
-            </a:r>
-            <a:r>
-              <a:rPr lang="en-GB" dirty="0"/>
-              <a:t>∆f, where ∆f ~ 0.2 MHz (∆f = ∆f (f</a:t>
-            </a:r>
-            <a:r>
-              <a:rPr lang="en-GB" baseline="-25000" dirty="0"/>
-              <a:t>0</a:t>
-            </a:r>
-            <a:r>
-              <a:rPr lang="en-GB" dirty="0"/>
-              <a:t>))</a:t>
-            </a:r>
-          </a:p>
-          <a:p>
-            <a:pPr lvl="2"/>
-            <a:endParaRPr lang="en-GB" dirty="0" smtClean="0"/>
-          </a:p>
-          <a:p>
-            <a:pPr lvl="2"/>
-            <a:endParaRPr lang="en-GB" dirty="0"/>
-          </a:p>
-          <a:p>
-            <a:pPr lvl="1"/>
-            <a:endParaRPr lang="fr-FR" dirty="0"/>
-          </a:p>
-          <a:p>
-            <a:endParaRPr lang="en-GB" dirty="0"/>
-          </a:p>
-        </p:txBody>
-      </p:sp>
-      <p:sp>
-        <p:nvSpPr>
-          <p:cNvPr id="4" name="Espace réservé du texte 3"/>
-          <p:cNvSpPr>
-            <a:spLocks noGrp="1"/>
-          </p:cNvSpPr>
-          <p:nvPr>
-            <p:ph type="body" sz="quarter" idx="12"/>
-          </p:nvPr>
-        </p:nvSpPr>
-        <p:spPr/>
-        <p:txBody>
-          <a:bodyPr/>
-          <a:lstStyle/>
-          <a:p>
-            <a:r>
-              <a:rPr lang="en-GB" dirty="0" smtClean="0"/>
-              <a:t>Assumed: one antenna working at f</a:t>
-            </a:r>
-            <a:r>
-              <a:rPr lang="en-GB" baseline="-25000" dirty="0" smtClean="0"/>
-              <a:t>0</a:t>
-            </a:r>
-            <a:endParaRPr lang="en-GB" dirty="0"/>
-          </a:p>
-        </p:txBody>
-      </p:sp>
-      <p:sp>
-        <p:nvSpPr>
-          <p:cNvPr id="5" name="Espace réservé du numéro de diapositive 4"/>
+          <p:cNvPr id="3" name="Espace réservé du numéro de diapositive 2"/>
           <p:cNvSpPr>
             <a:spLocks noGrp="1"/>
           </p:cNvSpPr>
@@ -16802,10 +17164,57 @@
           </a:p>
         </p:txBody>
       </p:sp>
+      <p:sp>
+        <p:nvSpPr>
+          <p:cNvPr id="10" name="Espace réservé du texte 9"/>
+          <p:cNvSpPr>
+            <a:spLocks noGrp="1"/>
+          </p:cNvSpPr>
+          <p:nvPr>
+            <p:ph type="body" sz="quarter" idx="11"/>
+          </p:nvPr>
+        </p:nvSpPr>
+        <p:spPr>
+          <a:xfrm>
+            <a:off x="1127570" y="4801465"/>
+            <a:ext cx="3749230" cy="498598"/>
+          </a:xfrm>
+        </p:spPr>
+        <p:txBody>
+          <a:bodyPr/>
+          <a:lstStyle/>
+          <a:p>
+            <a:r>
+              <a:rPr lang="en-GB" dirty="0" smtClean="0"/>
+              <a:t>WEST Antenna Matching</a:t>
+            </a:r>
+            <a:endParaRPr lang="en-GB" dirty="0"/>
+          </a:p>
+        </p:txBody>
+      </p:sp>
+      <p:sp>
+        <p:nvSpPr>
+          <p:cNvPr id="11" name="Espace réservé du contenu 10"/>
+          <p:cNvSpPr>
+            <a:spLocks noGrp="1"/>
+          </p:cNvSpPr>
+          <p:nvPr>
+            <p:ph sz="quarter" idx="14"/>
+          </p:nvPr>
+        </p:nvSpPr>
+        <p:spPr/>
+        <p:txBody>
+          <a:bodyPr/>
+          <a:lstStyle/>
+          <a:p>
+            <a:endParaRPr lang="en-GB"/>
+          </a:p>
+        </p:txBody>
+      </p:sp>
     </p:spTree>
     <p:extLst>
       <p:ext uri="{BB962C8B-B14F-4D97-AF65-F5344CB8AC3E}">
-        <p14:creationId xmlns:p14="http://schemas.microsoft.com/office/powerpoint/2010/main" val="1676853691"/>
+        <p14:creationId xmlns:p14="http://schemas.microsoft.com/office/powerpoint/2010/main" val="188869457"/>
       </p:ext>
     </p:extLst>
   </p:cSld>

--- a/doc/WEST_Antenna_Circuit_Model.pptx
+++ b/doc/WEST_Antenna_Circuit_Model.pptx
@@ -5,7 +5,7 @@
     <p:sldMasterId id="2147483660" r:id="rId1"/>
   </p:sldMasterIdLst>
   <p:notesMasterIdLst>
-    <p:notesMasterId r:id="rId15"/>
+    <p:notesMasterId r:id="rId17"/>
   </p:notesMasterIdLst>
   <p:sldIdLst>
     <p:sldId id="256" r:id="rId2"/>
@@ -21,6 +21,8 @@
     <p:sldId id="277" r:id="rId12"/>
     <p:sldId id="261" r:id="rId13"/>
     <p:sldId id="278" r:id="rId14"/>
+    <p:sldId id="281" r:id="rId15"/>
+    <p:sldId id="282" r:id="rId16"/>
   </p:sldIdLst>
   <p:sldSz cx="12192000" cy="6858000"/>
   <p:notesSz cx="6858000" cy="9144000"/>
@@ -209,7 +211,7 @@
           <a:p>
             <a:fld id="{1376020A-F047-4D6F-8A37-6940ED7BDB0C}" type="datetimeFigureOut">
               <a:rPr lang="en-GB" smtClean="0"/>
-              <a:t>14/06/2021</a:t>
+              <a:t>20/09/2023</a:t>
             </a:fld>
             <a:endParaRPr lang="en-GB"/>
           </a:p>
@@ -5433,7 +5435,7 @@
                   </a:schemeClr>
                 </a:solidFill>
               </a:rPr>
-              <a:t>14 juin 2021</a:t>
+              <a:t>20 septembre 2023</a:t>
             </a:fld>
             <a:endParaRPr lang="fr-FR" sz="1100" dirty="0">
               <a:solidFill>
@@ -11365,6 +11367,1683 @@
 </p:sld>
 </file>
 
+<file path=ppt/slides/slide14.xml><?xml version="1.0" encoding="utf-8"?>
+<p:sld xmlns:a="http://schemas.openxmlformats.org/drawingml/2006/main" xmlns:r="http://schemas.openxmlformats.org/officeDocument/2006/relationships" xmlns:p="http://schemas.openxmlformats.org/presentationml/2006/main">
+  <p:cSld>
+    <p:spTree>
+      <p:nvGrpSpPr>
+        <p:cNvPr id="1" name=""/>
+        <p:cNvGrpSpPr/>
+        <p:nvPr/>
+      </p:nvGrpSpPr>
+      <p:grpSpPr>
+        <a:xfrm>
+          <a:off x="0" y="0"/>
+          <a:ext cx="0" cy="0"/>
+          <a:chOff x="0" y="0"/>
+          <a:chExt cx="0" cy="0"/>
+        </a:xfrm>
+      </p:grpSpPr>
+      <p:sp>
+        <p:nvSpPr>
+          <p:cNvPr id="3" name="Espace réservé du numéro de diapositive 2"/>
+          <p:cNvSpPr>
+            <a:spLocks noGrp="1"/>
+          </p:cNvSpPr>
+          <p:nvPr>
+            <p:ph type="sldNum" sz="quarter" idx="10"/>
+          </p:nvPr>
+        </p:nvSpPr>
+        <p:spPr/>
+        <p:txBody>
+          <a:bodyPr/>
+          <a:lstStyle/>
+          <a:p>
+            <a:fld id="{CB10B659-826B-4DD2-AF43-E1305E666421}" type="slidenum">
+              <a:rPr lang="en-GB" smtClean="0"/>
+              <a:t>14</a:t>
+            </a:fld>
+            <a:endParaRPr lang="en-GB"/>
+          </a:p>
+        </p:txBody>
+      </p:sp>
+      <p:sp>
+        <p:nvSpPr>
+          <p:cNvPr id="6" name="Espace réservé du texte 5"/>
+          <p:cNvSpPr>
+            <a:spLocks noGrp="1"/>
+          </p:cNvSpPr>
+          <p:nvPr>
+            <p:ph type="body" sz="quarter" idx="11"/>
+          </p:nvPr>
+        </p:nvSpPr>
+        <p:spPr>
+          <a:xfrm>
+            <a:off x="1127570" y="4801465"/>
+            <a:ext cx="2139247" cy="498598"/>
+          </a:xfrm>
+        </p:spPr>
+        <p:txBody>
+          <a:bodyPr/>
+          <a:lstStyle/>
+          <a:p>
+            <a:r>
+              <a:rPr lang="fr-FR" dirty="0" smtClean="0"/>
+              <a:t>Plasma S-Matrix </a:t>
+            </a:r>
+            <a:r>
+              <a:rPr lang="fr-FR" dirty="0" err="1" smtClean="0"/>
+              <a:t>Measurement</a:t>
+            </a:r>
+            <a:endParaRPr lang="en-GB" dirty="0"/>
+          </a:p>
+        </p:txBody>
+      </p:sp>
+      <p:sp>
+        <p:nvSpPr>
+          <p:cNvPr id="7" name="Espace réservé du contenu 6"/>
+          <p:cNvSpPr>
+            <a:spLocks noGrp="1"/>
+          </p:cNvSpPr>
+          <p:nvPr>
+            <p:ph sz="quarter" idx="14"/>
+          </p:nvPr>
+        </p:nvSpPr>
+        <p:spPr/>
+        <p:txBody>
+          <a:bodyPr/>
+          <a:lstStyle/>
+          <a:p>
+            <a:endParaRPr lang="en-GB"/>
+          </a:p>
+        </p:txBody>
+      </p:sp>
+    </p:spTree>
+    <p:extLst>
+      <p:ext uri="{BB962C8B-B14F-4D97-AF65-F5344CB8AC3E}">
+        <p14:creationId xmlns:p14="http://schemas.microsoft.com/office/powerpoint/2010/main" val="3299705214"/>
+      </p:ext>
+    </p:extLst>
+  </p:cSld>
+  <p:clrMapOvr>
+    <a:masterClrMapping/>
+  </p:clrMapOvr>
+  <p:timing>
+    <p:tnLst>
+      <p:par>
+        <p:cTn id="1" dur="indefinite" restart="never" nodeType="tmRoot"/>
+      </p:par>
+    </p:tnLst>
+  </p:timing>
+</p:sld>
+</file>
+
+<file path=ppt/slides/slide15.xml><?xml version="1.0" encoding="utf-8"?>
+<p:sld xmlns:a="http://schemas.openxmlformats.org/drawingml/2006/main" xmlns:r="http://schemas.openxmlformats.org/officeDocument/2006/relationships" xmlns:p="http://schemas.openxmlformats.org/presentationml/2006/main">
+  <p:cSld>
+    <p:spTree>
+      <p:nvGrpSpPr>
+        <p:cNvPr id="1" name=""/>
+        <p:cNvGrpSpPr/>
+        <p:nvPr/>
+      </p:nvGrpSpPr>
+      <p:grpSpPr>
+        <a:xfrm>
+          <a:off x="0" y="0"/>
+          <a:ext cx="0" cy="0"/>
+          <a:chOff x="0" y="0"/>
+          <a:chExt cx="0" cy="0"/>
+        </a:xfrm>
+      </p:grpSpPr>
+      <p:sp>
+        <p:nvSpPr>
+          <p:cNvPr id="5" name="Titre 4"/>
+          <p:cNvSpPr>
+            <a:spLocks noGrp="1"/>
+          </p:cNvSpPr>
+          <p:nvPr>
+            <p:ph type="title"/>
+          </p:nvPr>
+        </p:nvSpPr>
+        <p:spPr/>
+        <p:txBody>
+          <a:bodyPr/>
+          <a:lstStyle/>
+          <a:p>
+            <a:endParaRPr lang="en-GB"/>
+          </a:p>
+        </p:txBody>
+      </p:sp>
+      <p:sp>
+        <p:nvSpPr>
+          <p:cNvPr id="2" name="Espace réservé du numéro de diapositive 1"/>
+          <p:cNvSpPr>
+            <a:spLocks noGrp="1"/>
+          </p:cNvSpPr>
+          <p:nvPr>
+            <p:ph type="sldNum" sz="quarter" idx="10"/>
+          </p:nvPr>
+        </p:nvSpPr>
+        <p:spPr/>
+        <p:txBody>
+          <a:bodyPr/>
+          <a:lstStyle/>
+          <a:p>
+            <a:fld id="{CB10B659-826B-4DD2-AF43-E1305E666421}" type="slidenum">
+              <a:rPr lang="en-GB" smtClean="0"/>
+              <a:t>15</a:t>
+            </a:fld>
+            <a:endParaRPr lang="en-GB"/>
+          </a:p>
+        </p:txBody>
+      </p:sp>
+      <p:sp>
+        <p:nvSpPr>
+          <p:cNvPr id="6" name="Espace réservé du contenu 5"/>
+          <p:cNvSpPr>
+            <a:spLocks noGrp="1"/>
+          </p:cNvSpPr>
+          <p:nvPr>
+            <p:ph idx="1"/>
+          </p:nvPr>
+        </p:nvSpPr>
+        <p:spPr/>
+        <p:txBody>
+          <a:bodyPr/>
+          <a:lstStyle/>
+          <a:p>
+            <a:endParaRPr lang="en-GB"/>
+          </a:p>
+        </p:txBody>
+      </p:sp>
+      <p:sp>
+        <p:nvSpPr>
+          <p:cNvPr id="7" name="Espace réservé du texte 6"/>
+          <p:cNvSpPr>
+            <a:spLocks noGrp="1"/>
+          </p:cNvSpPr>
+          <p:nvPr>
+            <p:ph type="body" sz="quarter" idx="12"/>
+          </p:nvPr>
+        </p:nvSpPr>
+        <p:spPr/>
+        <p:txBody>
+          <a:bodyPr/>
+          <a:lstStyle/>
+          <a:p>
+            <a:endParaRPr lang="en-GB"/>
+          </a:p>
+        </p:txBody>
+      </p:sp>
+      <p:sp>
+        <p:nvSpPr>
+          <p:cNvPr id="8" name="Rectangle 7"/>
+          <p:cNvSpPr/>
+          <p:nvPr/>
+        </p:nvSpPr>
+        <p:spPr>
+          <a:xfrm>
+            <a:off x="1149927" y="3643745"/>
+            <a:ext cx="2008909" cy="2050473"/>
+          </a:xfrm>
+          <a:prstGeom prst="rect">
+            <a:avLst/>
+          </a:prstGeom>
+          <a:noFill/>
+          <a:ln w="28575">
+            <a:solidFill>
+              <a:schemeClr val="tx1"/>
+            </a:solidFill>
+          </a:ln>
+        </p:spPr>
+        <p:style>
+          <a:lnRef idx="2">
+            <a:schemeClr val="accent1">
+              <a:shade val="50000"/>
+            </a:schemeClr>
+          </a:lnRef>
+          <a:fillRef idx="1">
+            <a:schemeClr val="accent1"/>
+          </a:fillRef>
+          <a:effectRef idx="0">
+            <a:schemeClr val="accent1"/>
+          </a:effectRef>
+          <a:fontRef idx="minor">
+            <a:schemeClr val="lt1"/>
+          </a:fontRef>
+        </p:style>
+        <p:txBody>
+          <a:bodyPr rtlCol="0" anchor="ctr"/>
+          <a:lstStyle/>
+          <a:p>
+            <a:pPr algn="ctr"/>
+            <a:r>
+              <a:rPr lang="fr-FR" b="1" dirty="0" err="1" smtClean="0">
+                <a:solidFill>
+                  <a:schemeClr val="accent3"/>
+                </a:solidFill>
+              </a:rPr>
+              <a:t>S</a:t>
+            </a:r>
+            <a:r>
+              <a:rPr lang="fr-FR" baseline="30000" dirty="0" err="1" smtClean="0">
+                <a:solidFill>
+                  <a:schemeClr val="accent3"/>
+                </a:solidFill>
+              </a:rPr>
+              <a:t>p</a:t>
+            </a:r>
+            <a:endParaRPr lang="en-GB" baseline="30000" dirty="0">
+              <a:solidFill>
+                <a:schemeClr val="accent3"/>
+              </a:solidFill>
+            </a:endParaRPr>
+          </a:p>
+        </p:txBody>
+      </p:sp>
+      <p:sp>
+        <p:nvSpPr>
+          <p:cNvPr id="9" name="Rectangle 8"/>
+          <p:cNvSpPr/>
+          <p:nvPr/>
+        </p:nvSpPr>
+        <p:spPr>
+          <a:xfrm>
+            <a:off x="4184071" y="3643744"/>
+            <a:ext cx="1080655" cy="858983"/>
+          </a:xfrm>
+          <a:prstGeom prst="rect">
+            <a:avLst/>
+          </a:prstGeom>
+          <a:noFill/>
+          <a:ln w="28575">
+            <a:solidFill>
+              <a:schemeClr val="tx1"/>
+            </a:solidFill>
+          </a:ln>
+        </p:spPr>
+        <p:style>
+          <a:lnRef idx="2">
+            <a:schemeClr val="accent1">
+              <a:shade val="50000"/>
+            </a:schemeClr>
+          </a:lnRef>
+          <a:fillRef idx="1">
+            <a:schemeClr val="accent1"/>
+          </a:fillRef>
+          <a:effectRef idx="0">
+            <a:schemeClr val="accent1"/>
+          </a:effectRef>
+          <a:fontRef idx="minor">
+            <a:schemeClr val="lt1"/>
+          </a:fontRef>
+        </p:style>
+        <p:txBody>
+          <a:bodyPr rtlCol="0" anchor="ctr"/>
+          <a:lstStyle/>
+          <a:p>
+            <a:pPr algn="ctr"/>
+            <a:r>
+              <a:rPr lang="fr-FR" b="1" dirty="0" err="1" smtClean="0">
+                <a:solidFill>
+                  <a:schemeClr val="tx1"/>
+                </a:solidFill>
+              </a:rPr>
+              <a:t>S</a:t>
+            </a:r>
+            <a:r>
+              <a:rPr lang="fr-FR" baseline="30000" dirty="0" err="1" smtClean="0">
+                <a:solidFill>
+                  <a:schemeClr val="tx1"/>
+                </a:solidFill>
+              </a:rPr>
+              <a:t>mL</a:t>
+            </a:r>
+            <a:endParaRPr lang="en-GB" baseline="30000" dirty="0">
+              <a:solidFill>
+                <a:schemeClr val="tx1"/>
+              </a:solidFill>
+            </a:endParaRPr>
+          </a:p>
+        </p:txBody>
+      </p:sp>
+      <p:sp>
+        <p:nvSpPr>
+          <p:cNvPr id="10" name="Rectangle 9"/>
+          <p:cNvSpPr/>
+          <p:nvPr/>
+        </p:nvSpPr>
+        <p:spPr>
+          <a:xfrm>
+            <a:off x="4184070" y="4835235"/>
+            <a:ext cx="1080655" cy="858983"/>
+          </a:xfrm>
+          <a:prstGeom prst="rect">
+            <a:avLst/>
+          </a:prstGeom>
+          <a:noFill/>
+          <a:ln w="28575">
+            <a:solidFill>
+              <a:schemeClr val="tx1"/>
+            </a:solidFill>
+          </a:ln>
+        </p:spPr>
+        <p:style>
+          <a:lnRef idx="2">
+            <a:schemeClr val="accent1">
+              <a:shade val="50000"/>
+            </a:schemeClr>
+          </a:lnRef>
+          <a:fillRef idx="1">
+            <a:schemeClr val="accent1"/>
+          </a:fillRef>
+          <a:effectRef idx="0">
+            <a:schemeClr val="accent1"/>
+          </a:effectRef>
+          <a:fontRef idx="minor">
+            <a:schemeClr val="lt1"/>
+          </a:fontRef>
+        </p:style>
+        <p:txBody>
+          <a:bodyPr rtlCol="0" anchor="ctr"/>
+          <a:lstStyle/>
+          <a:p>
+            <a:pPr algn="ctr"/>
+            <a:r>
+              <a:rPr lang="fr-FR" b="1" dirty="0" err="1" smtClean="0">
+                <a:solidFill>
+                  <a:schemeClr val="tx1"/>
+                </a:solidFill>
+              </a:rPr>
+              <a:t>S</a:t>
+            </a:r>
+            <a:r>
+              <a:rPr lang="fr-FR" baseline="30000" dirty="0" err="1" smtClean="0">
+                <a:solidFill>
+                  <a:schemeClr val="tx1"/>
+                </a:solidFill>
+              </a:rPr>
+              <a:t>mR</a:t>
+            </a:r>
+            <a:endParaRPr lang="en-GB" baseline="30000" dirty="0">
+              <a:solidFill>
+                <a:schemeClr val="tx1"/>
+              </a:solidFill>
+            </a:endParaRPr>
+          </a:p>
+        </p:txBody>
+      </p:sp>
+      <p:sp>
+        <p:nvSpPr>
+          <p:cNvPr id="13" name="Ellipse 12"/>
+          <p:cNvSpPr/>
+          <p:nvPr/>
+        </p:nvSpPr>
+        <p:spPr>
+          <a:xfrm>
+            <a:off x="5688928" y="3990108"/>
+            <a:ext cx="166253" cy="166253"/>
+          </a:xfrm>
+          <a:prstGeom prst="ellipse">
+            <a:avLst/>
+          </a:prstGeom>
+          <a:solidFill>
+            <a:schemeClr val="bg1"/>
+          </a:solidFill>
+          <a:ln w="28575">
+            <a:solidFill>
+              <a:schemeClr val="tx1"/>
+            </a:solidFill>
+          </a:ln>
+        </p:spPr>
+        <p:style>
+          <a:lnRef idx="2">
+            <a:schemeClr val="accent1">
+              <a:shade val="50000"/>
+            </a:schemeClr>
+          </a:lnRef>
+          <a:fillRef idx="1">
+            <a:schemeClr val="accent1"/>
+          </a:fillRef>
+          <a:effectRef idx="0">
+            <a:schemeClr val="accent1"/>
+          </a:effectRef>
+          <a:fontRef idx="minor">
+            <a:schemeClr val="lt1"/>
+          </a:fontRef>
+        </p:style>
+        <p:txBody>
+          <a:bodyPr rtlCol="0" anchor="ctr"/>
+          <a:lstStyle/>
+          <a:p>
+            <a:pPr algn="ctr"/>
+            <a:endParaRPr lang="en-GB"/>
+          </a:p>
+        </p:txBody>
+      </p:sp>
+      <p:sp>
+        <p:nvSpPr>
+          <p:cNvPr id="14" name="Ellipse 13"/>
+          <p:cNvSpPr/>
+          <p:nvPr/>
+        </p:nvSpPr>
+        <p:spPr>
+          <a:xfrm>
+            <a:off x="5688927" y="5181599"/>
+            <a:ext cx="166253" cy="166253"/>
+          </a:xfrm>
+          <a:prstGeom prst="ellipse">
+            <a:avLst/>
+          </a:prstGeom>
+          <a:solidFill>
+            <a:schemeClr val="bg1"/>
+          </a:solidFill>
+          <a:ln w="28575">
+            <a:solidFill>
+              <a:schemeClr val="tx1"/>
+            </a:solidFill>
+          </a:ln>
+        </p:spPr>
+        <p:style>
+          <a:lnRef idx="2">
+            <a:schemeClr val="accent1">
+              <a:shade val="50000"/>
+            </a:schemeClr>
+          </a:lnRef>
+          <a:fillRef idx="1">
+            <a:schemeClr val="accent1"/>
+          </a:fillRef>
+          <a:effectRef idx="0">
+            <a:schemeClr val="accent1"/>
+          </a:effectRef>
+          <a:fontRef idx="minor">
+            <a:schemeClr val="lt1"/>
+          </a:fontRef>
+        </p:style>
+        <p:txBody>
+          <a:bodyPr rtlCol="0" anchor="ctr"/>
+          <a:lstStyle/>
+          <a:p>
+            <a:pPr algn="ctr"/>
+            <a:endParaRPr lang="en-GB"/>
+          </a:p>
+        </p:txBody>
+      </p:sp>
+      <p:cxnSp>
+        <p:nvCxnSpPr>
+          <p:cNvPr id="15" name="Connecteur droit 14"/>
+          <p:cNvCxnSpPr>
+            <a:stCxn id="9" idx="3"/>
+            <a:endCxn id="13" idx="2"/>
+          </p:cNvCxnSpPr>
+          <p:nvPr/>
+        </p:nvCxnSpPr>
+        <p:spPr>
+          <a:xfrm flipV="1">
+            <a:off x="5264726" y="4073235"/>
+            <a:ext cx="424202" cy="1"/>
+          </a:xfrm>
+          <a:prstGeom prst="line">
+            <a:avLst/>
+          </a:prstGeom>
+          <a:ln w="28575">
+            <a:solidFill>
+              <a:schemeClr val="tx1"/>
+            </a:solidFill>
+          </a:ln>
+        </p:spPr>
+        <p:style>
+          <a:lnRef idx="1">
+            <a:schemeClr val="accent1"/>
+          </a:lnRef>
+          <a:fillRef idx="0">
+            <a:schemeClr val="accent1"/>
+          </a:fillRef>
+          <a:effectRef idx="0">
+            <a:schemeClr val="accent1"/>
+          </a:effectRef>
+          <a:fontRef idx="minor">
+            <a:schemeClr val="tx1"/>
+          </a:fontRef>
+        </p:style>
+      </p:cxnSp>
+      <p:cxnSp>
+        <p:nvCxnSpPr>
+          <p:cNvPr id="17" name="Connecteur droit 16"/>
+          <p:cNvCxnSpPr>
+            <a:stCxn id="10" idx="3"/>
+            <a:endCxn id="14" idx="2"/>
+          </p:cNvCxnSpPr>
+          <p:nvPr/>
+        </p:nvCxnSpPr>
+        <p:spPr>
+          <a:xfrm flipV="1">
+            <a:off x="5264725" y="5264726"/>
+            <a:ext cx="424202" cy="1"/>
+          </a:xfrm>
+          <a:prstGeom prst="line">
+            <a:avLst/>
+          </a:prstGeom>
+          <a:ln w="28575">
+            <a:solidFill>
+              <a:schemeClr val="tx1"/>
+            </a:solidFill>
+          </a:ln>
+        </p:spPr>
+        <p:style>
+          <a:lnRef idx="1">
+            <a:schemeClr val="accent1"/>
+          </a:lnRef>
+          <a:fillRef idx="0">
+            <a:schemeClr val="accent1"/>
+          </a:fillRef>
+          <a:effectRef idx="0">
+            <a:schemeClr val="accent1"/>
+          </a:effectRef>
+          <a:fontRef idx="minor">
+            <a:schemeClr val="tx1"/>
+          </a:fontRef>
+        </p:style>
+      </p:cxnSp>
+      <p:sp>
+        <p:nvSpPr>
+          <p:cNvPr id="21" name="Ellipse 20"/>
+          <p:cNvSpPr/>
+          <p:nvPr/>
+        </p:nvSpPr>
+        <p:spPr>
+          <a:xfrm>
+            <a:off x="3583038" y="5313219"/>
+            <a:ext cx="166253" cy="166253"/>
+          </a:xfrm>
+          <a:prstGeom prst="ellipse">
+            <a:avLst/>
+          </a:prstGeom>
+          <a:solidFill>
+            <a:schemeClr val="bg1"/>
+          </a:solidFill>
+          <a:ln w="28575">
+            <a:solidFill>
+              <a:schemeClr val="tx1"/>
+            </a:solidFill>
+          </a:ln>
+        </p:spPr>
+        <p:style>
+          <a:lnRef idx="2">
+            <a:schemeClr val="accent1">
+              <a:shade val="50000"/>
+            </a:schemeClr>
+          </a:lnRef>
+          <a:fillRef idx="1">
+            <a:schemeClr val="accent1"/>
+          </a:fillRef>
+          <a:effectRef idx="0">
+            <a:schemeClr val="accent1"/>
+          </a:effectRef>
+          <a:fontRef idx="minor">
+            <a:schemeClr val="lt1"/>
+          </a:fontRef>
+        </p:style>
+        <p:txBody>
+          <a:bodyPr rtlCol="0" anchor="ctr"/>
+          <a:lstStyle/>
+          <a:p>
+            <a:pPr algn="ctr"/>
+            <a:endParaRPr lang="en-GB"/>
+          </a:p>
+        </p:txBody>
+      </p:sp>
+      <p:cxnSp>
+        <p:nvCxnSpPr>
+          <p:cNvPr id="22" name="Connecteur droit 21"/>
+          <p:cNvCxnSpPr>
+            <a:endCxn id="21" idx="2"/>
+          </p:cNvCxnSpPr>
+          <p:nvPr/>
+        </p:nvCxnSpPr>
+        <p:spPr>
+          <a:xfrm flipV="1">
+            <a:off x="3158836" y="5396346"/>
+            <a:ext cx="424202" cy="1"/>
+          </a:xfrm>
+          <a:prstGeom prst="line">
+            <a:avLst/>
+          </a:prstGeom>
+          <a:ln w="28575">
+            <a:solidFill>
+              <a:schemeClr val="tx1"/>
+            </a:solidFill>
+          </a:ln>
+        </p:spPr>
+        <p:style>
+          <a:lnRef idx="1">
+            <a:schemeClr val="accent1"/>
+          </a:lnRef>
+          <a:fillRef idx="0">
+            <a:schemeClr val="accent1"/>
+          </a:fillRef>
+          <a:effectRef idx="0">
+            <a:schemeClr val="accent1"/>
+          </a:effectRef>
+          <a:fontRef idx="minor">
+            <a:schemeClr val="tx1"/>
+          </a:fontRef>
+        </p:style>
+      </p:cxnSp>
+      <p:sp>
+        <p:nvSpPr>
+          <p:cNvPr id="23" name="Ellipse 22"/>
+          <p:cNvSpPr/>
+          <p:nvPr/>
+        </p:nvSpPr>
+        <p:spPr>
+          <a:xfrm>
+            <a:off x="3583038" y="4918853"/>
+            <a:ext cx="166253" cy="166253"/>
+          </a:xfrm>
+          <a:prstGeom prst="ellipse">
+            <a:avLst/>
+          </a:prstGeom>
+          <a:solidFill>
+            <a:schemeClr val="bg1"/>
+          </a:solidFill>
+          <a:ln w="28575">
+            <a:solidFill>
+              <a:schemeClr val="tx1"/>
+            </a:solidFill>
+          </a:ln>
+        </p:spPr>
+        <p:style>
+          <a:lnRef idx="2">
+            <a:schemeClr val="accent1">
+              <a:shade val="50000"/>
+            </a:schemeClr>
+          </a:lnRef>
+          <a:fillRef idx="1">
+            <a:schemeClr val="accent1"/>
+          </a:fillRef>
+          <a:effectRef idx="0">
+            <a:schemeClr val="accent1"/>
+          </a:effectRef>
+          <a:fontRef idx="minor">
+            <a:schemeClr val="lt1"/>
+          </a:fontRef>
+        </p:style>
+        <p:txBody>
+          <a:bodyPr rtlCol="0" anchor="ctr"/>
+          <a:lstStyle/>
+          <a:p>
+            <a:pPr algn="ctr"/>
+            <a:endParaRPr lang="en-GB"/>
+          </a:p>
+        </p:txBody>
+      </p:sp>
+      <p:cxnSp>
+        <p:nvCxnSpPr>
+          <p:cNvPr id="24" name="Connecteur droit 23"/>
+          <p:cNvCxnSpPr>
+            <a:endCxn id="23" idx="2"/>
+          </p:cNvCxnSpPr>
+          <p:nvPr/>
+        </p:nvCxnSpPr>
+        <p:spPr>
+          <a:xfrm flipV="1">
+            <a:off x="3158836" y="5001980"/>
+            <a:ext cx="424202" cy="1"/>
+          </a:xfrm>
+          <a:prstGeom prst="line">
+            <a:avLst/>
+          </a:prstGeom>
+          <a:ln w="28575">
+            <a:solidFill>
+              <a:schemeClr val="tx1"/>
+            </a:solidFill>
+          </a:ln>
+        </p:spPr>
+        <p:style>
+          <a:lnRef idx="1">
+            <a:schemeClr val="accent1"/>
+          </a:lnRef>
+          <a:fillRef idx="0">
+            <a:schemeClr val="accent1"/>
+          </a:fillRef>
+          <a:effectRef idx="0">
+            <a:schemeClr val="accent1"/>
+          </a:effectRef>
+          <a:fontRef idx="minor">
+            <a:schemeClr val="tx1"/>
+          </a:fontRef>
+        </p:style>
+      </p:cxnSp>
+      <p:sp>
+        <p:nvSpPr>
+          <p:cNvPr id="25" name="Ellipse 24"/>
+          <p:cNvSpPr/>
+          <p:nvPr/>
+        </p:nvSpPr>
+        <p:spPr>
+          <a:xfrm>
+            <a:off x="3583038" y="4183818"/>
+            <a:ext cx="166253" cy="166253"/>
+          </a:xfrm>
+          <a:prstGeom prst="ellipse">
+            <a:avLst/>
+          </a:prstGeom>
+          <a:solidFill>
+            <a:schemeClr val="bg1"/>
+          </a:solidFill>
+          <a:ln w="28575">
+            <a:solidFill>
+              <a:schemeClr val="tx1"/>
+            </a:solidFill>
+          </a:ln>
+        </p:spPr>
+        <p:style>
+          <a:lnRef idx="2">
+            <a:schemeClr val="accent1">
+              <a:shade val="50000"/>
+            </a:schemeClr>
+          </a:lnRef>
+          <a:fillRef idx="1">
+            <a:schemeClr val="accent1"/>
+          </a:fillRef>
+          <a:effectRef idx="0">
+            <a:schemeClr val="accent1"/>
+          </a:effectRef>
+          <a:fontRef idx="minor">
+            <a:schemeClr val="lt1"/>
+          </a:fontRef>
+        </p:style>
+        <p:txBody>
+          <a:bodyPr rtlCol="0" anchor="ctr"/>
+          <a:lstStyle/>
+          <a:p>
+            <a:pPr algn="ctr"/>
+            <a:endParaRPr lang="en-GB"/>
+          </a:p>
+        </p:txBody>
+      </p:sp>
+      <p:cxnSp>
+        <p:nvCxnSpPr>
+          <p:cNvPr id="26" name="Connecteur droit 25"/>
+          <p:cNvCxnSpPr>
+            <a:endCxn id="25" idx="2"/>
+          </p:cNvCxnSpPr>
+          <p:nvPr/>
+        </p:nvCxnSpPr>
+        <p:spPr>
+          <a:xfrm flipV="1">
+            <a:off x="3158836" y="4266945"/>
+            <a:ext cx="424202" cy="1"/>
+          </a:xfrm>
+          <a:prstGeom prst="line">
+            <a:avLst/>
+          </a:prstGeom>
+          <a:ln w="28575">
+            <a:solidFill>
+              <a:schemeClr val="tx1"/>
+            </a:solidFill>
+          </a:ln>
+        </p:spPr>
+        <p:style>
+          <a:lnRef idx="1">
+            <a:schemeClr val="accent1"/>
+          </a:lnRef>
+          <a:fillRef idx="0">
+            <a:schemeClr val="accent1"/>
+          </a:fillRef>
+          <a:effectRef idx="0">
+            <a:schemeClr val="accent1"/>
+          </a:effectRef>
+          <a:fontRef idx="minor">
+            <a:schemeClr val="tx1"/>
+          </a:fontRef>
+        </p:style>
+      </p:cxnSp>
+      <p:sp>
+        <p:nvSpPr>
+          <p:cNvPr id="27" name="Ellipse 26"/>
+          <p:cNvSpPr/>
+          <p:nvPr/>
+        </p:nvSpPr>
+        <p:spPr>
+          <a:xfrm>
+            <a:off x="3583038" y="3789452"/>
+            <a:ext cx="166253" cy="166253"/>
+          </a:xfrm>
+          <a:prstGeom prst="ellipse">
+            <a:avLst/>
+          </a:prstGeom>
+          <a:solidFill>
+            <a:schemeClr val="bg1"/>
+          </a:solidFill>
+          <a:ln w="28575">
+            <a:solidFill>
+              <a:schemeClr val="tx1"/>
+            </a:solidFill>
+          </a:ln>
+        </p:spPr>
+        <p:style>
+          <a:lnRef idx="2">
+            <a:schemeClr val="accent1">
+              <a:shade val="50000"/>
+            </a:schemeClr>
+          </a:lnRef>
+          <a:fillRef idx="1">
+            <a:schemeClr val="accent1"/>
+          </a:fillRef>
+          <a:effectRef idx="0">
+            <a:schemeClr val="accent1"/>
+          </a:effectRef>
+          <a:fontRef idx="minor">
+            <a:schemeClr val="lt1"/>
+          </a:fontRef>
+        </p:style>
+        <p:txBody>
+          <a:bodyPr rtlCol="0" anchor="ctr"/>
+          <a:lstStyle/>
+          <a:p>
+            <a:pPr algn="ctr"/>
+            <a:endParaRPr lang="en-GB"/>
+          </a:p>
+        </p:txBody>
+      </p:sp>
+      <p:cxnSp>
+        <p:nvCxnSpPr>
+          <p:cNvPr id="28" name="Connecteur droit 27"/>
+          <p:cNvCxnSpPr>
+            <a:endCxn id="27" idx="2"/>
+          </p:cNvCxnSpPr>
+          <p:nvPr/>
+        </p:nvCxnSpPr>
+        <p:spPr>
+          <a:xfrm flipV="1">
+            <a:off x="3158836" y="3872579"/>
+            <a:ext cx="424202" cy="1"/>
+          </a:xfrm>
+          <a:prstGeom prst="line">
+            <a:avLst/>
+          </a:prstGeom>
+          <a:ln w="28575">
+            <a:solidFill>
+              <a:schemeClr val="tx1"/>
+            </a:solidFill>
+          </a:ln>
+        </p:spPr>
+        <p:style>
+          <a:lnRef idx="1">
+            <a:schemeClr val="accent1"/>
+          </a:lnRef>
+          <a:fillRef idx="0">
+            <a:schemeClr val="accent1"/>
+          </a:fillRef>
+          <a:effectRef idx="0">
+            <a:schemeClr val="accent1"/>
+          </a:effectRef>
+          <a:fontRef idx="minor">
+            <a:schemeClr val="tx1"/>
+          </a:fontRef>
+        </p:style>
+      </p:cxnSp>
+      <p:cxnSp>
+        <p:nvCxnSpPr>
+          <p:cNvPr id="29" name="Connecteur droit 28"/>
+          <p:cNvCxnSpPr/>
+          <p:nvPr/>
+        </p:nvCxnSpPr>
+        <p:spPr>
+          <a:xfrm flipV="1">
+            <a:off x="3749291" y="4266944"/>
+            <a:ext cx="424202" cy="1"/>
+          </a:xfrm>
+          <a:prstGeom prst="line">
+            <a:avLst/>
+          </a:prstGeom>
+          <a:ln w="28575">
+            <a:solidFill>
+              <a:schemeClr val="tx1"/>
+            </a:solidFill>
+          </a:ln>
+        </p:spPr>
+        <p:style>
+          <a:lnRef idx="1">
+            <a:schemeClr val="accent1"/>
+          </a:lnRef>
+          <a:fillRef idx="0">
+            <a:schemeClr val="accent1"/>
+          </a:fillRef>
+          <a:effectRef idx="0">
+            <a:schemeClr val="accent1"/>
+          </a:effectRef>
+          <a:fontRef idx="minor">
+            <a:schemeClr val="tx1"/>
+          </a:fontRef>
+        </p:style>
+      </p:cxnSp>
+      <p:cxnSp>
+        <p:nvCxnSpPr>
+          <p:cNvPr id="30" name="Connecteur droit 29"/>
+          <p:cNvCxnSpPr/>
+          <p:nvPr/>
+        </p:nvCxnSpPr>
+        <p:spPr>
+          <a:xfrm flipV="1">
+            <a:off x="3749291" y="3872578"/>
+            <a:ext cx="424202" cy="1"/>
+          </a:xfrm>
+          <a:prstGeom prst="line">
+            <a:avLst/>
+          </a:prstGeom>
+          <a:ln w="28575">
+            <a:solidFill>
+              <a:schemeClr val="tx1"/>
+            </a:solidFill>
+          </a:ln>
+        </p:spPr>
+        <p:style>
+          <a:lnRef idx="1">
+            <a:schemeClr val="accent1"/>
+          </a:lnRef>
+          <a:fillRef idx="0">
+            <a:schemeClr val="accent1"/>
+          </a:fillRef>
+          <a:effectRef idx="0">
+            <a:schemeClr val="accent1"/>
+          </a:effectRef>
+          <a:fontRef idx="minor">
+            <a:schemeClr val="tx1"/>
+          </a:fontRef>
+        </p:style>
+      </p:cxnSp>
+      <p:cxnSp>
+        <p:nvCxnSpPr>
+          <p:cNvPr id="31" name="Connecteur droit 30"/>
+          <p:cNvCxnSpPr/>
+          <p:nvPr/>
+        </p:nvCxnSpPr>
+        <p:spPr>
+          <a:xfrm flipV="1">
+            <a:off x="3749291" y="5396345"/>
+            <a:ext cx="424202" cy="1"/>
+          </a:xfrm>
+          <a:prstGeom prst="line">
+            <a:avLst/>
+          </a:prstGeom>
+          <a:ln w="28575">
+            <a:solidFill>
+              <a:schemeClr val="tx1"/>
+            </a:solidFill>
+          </a:ln>
+        </p:spPr>
+        <p:style>
+          <a:lnRef idx="1">
+            <a:schemeClr val="accent1"/>
+          </a:lnRef>
+          <a:fillRef idx="0">
+            <a:schemeClr val="accent1"/>
+          </a:fillRef>
+          <a:effectRef idx="0">
+            <a:schemeClr val="accent1"/>
+          </a:effectRef>
+          <a:fontRef idx="minor">
+            <a:schemeClr val="tx1"/>
+          </a:fontRef>
+        </p:style>
+      </p:cxnSp>
+      <p:cxnSp>
+        <p:nvCxnSpPr>
+          <p:cNvPr id="32" name="Connecteur droit 31"/>
+          <p:cNvCxnSpPr/>
+          <p:nvPr/>
+        </p:nvCxnSpPr>
+        <p:spPr>
+          <a:xfrm flipV="1">
+            <a:off x="3749291" y="5001979"/>
+            <a:ext cx="424202" cy="1"/>
+          </a:xfrm>
+          <a:prstGeom prst="line">
+            <a:avLst/>
+          </a:prstGeom>
+          <a:ln w="28575">
+            <a:solidFill>
+              <a:schemeClr val="tx1"/>
+            </a:solidFill>
+          </a:ln>
+        </p:spPr>
+        <p:style>
+          <a:lnRef idx="1">
+            <a:schemeClr val="accent1"/>
+          </a:lnRef>
+          <a:fillRef idx="0">
+            <a:schemeClr val="accent1"/>
+          </a:fillRef>
+          <a:effectRef idx="0">
+            <a:schemeClr val="accent1"/>
+          </a:effectRef>
+          <a:fontRef idx="minor">
+            <a:schemeClr val="tx1"/>
+          </a:fontRef>
+        </p:style>
+      </p:cxnSp>
+      <p:sp>
+        <p:nvSpPr>
+          <p:cNvPr id="33" name="Rectangle 32"/>
+          <p:cNvSpPr/>
+          <p:nvPr/>
+        </p:nvSpPr>
+        <p:spPr>
+          <a:xfrm>
+            <a:off x="4045527" y="3394364"/>
+            <a:ext cx="1371600" cy="2521527"/>
+          </a:xfrm>
+          <a:prstGeom prst="rect">
+            <a:avLst/>
+          </a:prstGeom>
+          <a:noFill/>
+          <a:ln w="28575">
+            <a:prstDash val="dash"/>
+          </a:ln>
+        </p:spPr>
+        <p:style>
+          <a:lnRef idx="2">
+            <a:schemeClr val="accent1">
+              <a:shade val="50000"/>
+            </a:schemeClr>
+          </a:lnRef>
+          <a:fillRef idx="1">
+            <a:schemeClr val="accent1"/>
+          </a:fillRef>
+          <a:effectRef idx="0">
+            <a:schemeClr val="accent1"/>
+          </a:effectRef>
+          <a:fontRef idx="minor">
+            <a:schemeClr val="lt1"/>
+          </a:fontRef>
+        </p:style>
+        <p:txBody>
+          <a:bodyPr rtlCol="0" anchor="ctr"/>
+          <a:lstStyle/>
+          <a:p>
+            <a:pPr algn="ctr"/>
+            <a:endParaRPr lang="en-GB"/>
+          </a:p>
+        </p:txBody>
+      </p:sp>
+      <p:sp>
+        <p:nvSpPr>
+          <p:cNvPr id="34" name="ZoneTexte 33"/>
+          <p:cNvSpPr txBox="1"/>
+          <p:nvPr/>
+        </p:nvSpPr>
+        <p:spPr>
+          <a:xfrm>
+            <a:off x="4505371" y="5862563"/>
+            <a:ext cx="1116927" cy="461665"/>
+          </a:xfrm>
+          <a:prstGeom prst="rect">
+            <a:avLst/>
+          </a:prstGeom>
+          <a:noFill/>
+        </p:spPr>
+        <p:txBody>
+          <a:bodyPr wrap="square" rtlCol="0">
+            <a:spAutoFit/>
+          </a:bodyPr>
+          <a:lstStyle/>
+          <a:p>
+            <a:pPr algn="l"/>
+            <a:r>
+              <a:rPr lang="fr-FR" sz="2400" b="1" dirty="0" smtClean="0">
+                <a:solidFill>
+                  <a:schemeClr val="accent1">
+                    <a:lumMod val="50000"/>
+                  </a:schemeClr>
+                </a:solidFill>
+              </a:rPr>
+              <a:t>S</a:t>
+            </a:r>
+            <a:r>
+              <a:rPr lang="fr-FR" sz="2400" baseline="30000" dirty="0" smtClean="0">
+                <a:solidFill>
+                  <a:schemeClr val="accent1">
+                    <a:lumMod val="50000"/>
+                  </a:schemeClr>
+                </a:solidFill>
+              </a:rPr>
+              <a:t>ant</a:t>
+            </a:r>
+            <a:endParaRPr lang="en-GB" sz="2400" baseline="30000" dirty="0">
+              <a:solidFill>
+                <a:schemeClr val="accent1">
+                  <a:lumMod val="50000"/>
+                </a:schemeClr>
+              </a:solidFill>
+            </a:endParaRPr>
+          </a:p>
+        </p:txBody>
+      </p:sp>
+      <p:sp>
+        <p:nvSpPr>
+          <p:cNvPr id="35" name="Rectangle 34"/>
+          <p:cNvSpPr/>
+          <p:nvPr/>
+        </p:nvSpPr>
+        <p:spPr>
+          <a:xfrm>
+            <a:off x="983673" y="3283528"/>
+            <a:ext cx="4571997" cy="3043442"/>
+          </a:xfrm>
+          <a:prstGeom prst="rect">
+            <a:avLst/>
+          </a:prstGeom>
+          <a:noFill/>
+          <a:ln w="28575">
+            <a:solidFill>
+              <a:schemeClr val="tx2"/>
+            </a:solidFill>
+            <a:prstDash val="dash"/>
+          </a:ln>
+        </p:spPr>
+        <p:style>
+          <a:lnRef idx="2">
+            <a:schemeClr val="accent1">
+              <a:shade val="50000"/>
+            </a:schemeClr>
+          </a:lnRef>
+          <a:fillRef idx="1">
+            <a:schemeClr val="accent1"/>
+          </a:fillRef>
+          <a:effectRef idx="0">
+            <a:schemeClr val="accent1"/>
+          </a:effectRef>
+          <a:fontRef idx="minor">
+            <a:schemeClr val="lt1"/>
+          </a:fontRef>
+        </p:style>
+        <p:txBody>
+          <a:bodyPr rtlCol="0" anchor="ctr"/>
+          <a:lstStyle/>
+          <a:p>
+            <a:pPr algn="ctr"/>
+            <a:endParaRPr lang="en-GB"/>
+          </a:p>
+        </p:txBody>
+      </p:sp>
+      <p:sp>
+        <p:nvSpPr>
+          <p:cNvPr id="36" name="ZoneTexte 35"/>
+          <p:cNvSpPr txBox="1"/>
+          <p:nvPr/>
+        </p:nvSpPr>
+        <p:spPr>
+          <a:xfrm>
+            <a:off x="2201865" y="5895842"/>
+            <a:ext cx="1547426" cy="523220"/>
+          </a:xfrm>
+          <a:prstGeom prst="rect">
+            <a:avLst/>
+          </a:prstGeom>
+          <a:noFill/>
+        </p:spPr>
+        <p:txBody>
+          <a:bodyPr wrap="square" rtlCol="0">
+            <a:spAutoFit/>
+          </a:bodyPr>
+          <a:lstStyle/>
+          <a:p>
+            <a:pPr algn="l"/>
+            <a:r>
+              <a:rPr lang="fr-FR" sz="2800" b="1" dirty="0" err="1" smtClean="0">
+                <a:solidFill>
+                  <a:schemeClr val="tx2"/>
+                </a:solidFill>
+              </a:rPr>
+              <a:t>S</a:t>
+            </a:r>
+            <a:r>
+              <a:rPr lang="fr-FR" sz="2800" baseline="30000" dirty="0" err="1" smtClean="0">
+                <a:solidFill>
+                  <a:schemeClr val="tx2"/>
+                </a:solidFill>
+              </a:rPr>
+              <a:t>mes</a:t>
+            </a:r>
+            <a:endParaRPr lang="en-GB" sz="2800" baseline="30000" dirty="0">
+              <a:solidFill>
+                <a:schemeClr val="tx2"/>
+              </a:solidFill>
+            </a:endParaRPr>
+          </a:p>
+        </p:txBody>
+      </p:sp>
+      <p:cxnSp>
+        <p:nvCxnSpPr>
+          <p:cNvPr id="38" name="Connecteur droit avec flèche 37"/>
+          <p:cNvCxnSpPr/>
+          <p:nvPr/>
+        </p:nvCxnSpPr>
+        <p:spPr>
+          <a:xfrm flipH="1">
+            <a:off x="6064728" y="3962865"/>
+            <a:ext cx="692727" cy="0"/>
+          </a:xfrm>
+          <a:prstGeom prst="straightConnector1">
+            <a:avLst/>
+          </a:prstGeom>
+          <a:ln w="28575">
+            <a:solidFill>
+              <a:schemeClr val="tx1"/>
+            </a:solidFill>
+            <a:tailEnd type="triangle"/>
+          </a:ln>
+        </p:spPr>
+        <p:style>
+          <a:lnRef idx="1">
+            <a:schemeClr val="accent1"/>
+          </a:lnRef>
+          <a:fillRef idx="0">
+            <a:schemeClr val="accent1"/>
+          </a:fillRef>
+          <a:effectRef idx="0">
+            <a:schemeClr val="accent1"/>
+          </a:effectRef>
+          <a:fontRef idx="minor">
+            <a:schemeClr val="tx1"/>
+          </a:fontRef>
+        </p:style>
+      </p:cxnSp>
+      <p:cxnSp>
+        <p:nvCxnSpPr>
+          <p:cNvPr id="39" name="Connecteur droit avec flèche 38"/>
+          <p:cNvCxnSpPr/>
+          <p:nvPr/>
+        </p:nvCxnSpPr>
+        <p:spPr>
+          <a:xfrm rot="10800000" flipH="1">
+            <a:off x="6118365" y="4198390"/>
+            <a:ext cx="692727" cy="0"/>
+          </a:xfrm>
+          <a:prstGeom prst="straightConnector1">
+            <a:avLst/>
+          </a:prstGeom>
+          <a:ln w="28575">
+            <a:solidFill>
+              <a:schemeClr val="tx1"/>
+            </a:solidFill>
+            <a:tailEnd type="triangle"/>
+          </a:ln>
+        </p:spPr>
+        <p:style>
+          <a:lnRef idx="1">
+            <a:schemeClr val="accent1"/>
+          </a:lnRef>
+          <a:fillRef idx="0">
+            <a:schemeClr val="accent1"/>
+          </a:fillRef>
+          <a:effectRef idx="0">
+            <a:schemeClr val="accent1"/>
+          </a:effectRef>
+          <a:fontRef idx="minor">
+            <a:schemeClr val="tx1"/>
+          </a:fontRef>
+        </p:style>
+      </p:cxnSp>
+      <p:sp>
+        <p:nvSpPr>
+          <p:cNvPr id="40" name="ZoneTexte 39"/>
+          <p:cNvSpPr txBox="1"/>
+          <p:nvPr/>
+        </p:nvSpPr>
+        <p:spPr>
+          <a:xfrm>
+            <a:off x="6853193" y="3703902"/>
+            <a:ext cx="359394" cy="369332"/>
+          </a:xfrm>
+          <a:prstGeom prst="rect">
+            <a:avLst/>
+          </a:prstGeom>
+          <a:noFill/>
+        </p:spPr>
+        <p:txBody>
+          <a:bodyPr wrap="none" rtlCol="0">
+            <a:spAutoFit/>
+          </a:bodyPr>
+          <a:lstStyle/>
+          <a:p>
+            <a:pPr algn="l"/>
+            <a:r>
+              <a:rPr lang="fr-FR" sz="1800" dirty="0" err="1" smtClean="0"/>
+              <a:t>a</a:t>
+            </a:r>
+            <a:r>
+              <a:rPr lang="fr-FR" sz="1800" baseline="-25000" dirty="0" err="1" smtClean="0"/>
+              <a:t>L</a:t>
+            </a:r>
+            <a:endParaRPr lang="en-GB" sz="1800" baseline="-25000" dirty="0"/>
+          </a:p>
+        </p:txBody>
+      </p:sp>
+      <p:sp>
+        <p:nvSpPr>
+          <p:cNvPr id="41" name="ZoneTexte 40"/>
+          <p:cNvSpPr txBox="1"/>
+          <p:nvPr/>
+        </p:nvSpPr>
+        <p:spPr>
+          <a:xfrm>
+            <a:off x="6867043" y="3994850"/>
+            <a:ext cx="370614" cy="369332"/>
+          </a:xfrm>
+          <a:prstGeom prst="rect">
+            <a:avLst/>
+          </a:prstGeom>
+          <a:noFill/>
+        </p:spPr>
+        <p:txBody>
+          <a:bodyPr wrap="none" rtlCol="0">
+            <a:spAutoFit/>
+          </a:bodyPr>
+          <a:lstStyle/>
+          <a:p>
+            <a:pPr algn="l"/>
+            <a:r>
+              <a:rPr lang="fr-FR" sz="1800" dirty="0" err="1" smtClean="0"/>
+              <a:t>b</a:t>
+            </a:r>
+            <a:r>
+              <a:rPr lang="fr-FR" sz="1800" baseline="-25000" dirty="0" err="1" smtClean="0"/>
+              <a:t>L</a:t>
+            </a:r>
+            <a:endParaRPr lang="en-GB" sz="1800" baseline="-25000" dirty="0"/>
+          </a:p>
+        </p:txBody>
+      </p:sp>
+      <p:cxnSp>
+        <p:nvCxnSpPr>
+          <p:cNvPr id="42" name="Connecteur droit avec flèche 41"/>
+          <p:cNvCxnSpPr/>
+          <p:nvPr/>
+        </p:nvCxnSpPr>
+        <p:spPr>
+          <a:xfrm flipH="1">
+            <a:off x="6097781" y="5112327"/>
+            <a:ext cx="692727" cy="0"/>
+          </a:xfrm>
+          <a:prstGeom prst="straightConnector1">
+            <a:avLst/>
+          </a:prstGeom>
+          <a:ln w="28575">
+            <a:solidFill>
+              <a:schemeClr val="tx1"/>
+            </a:solidFill>
+            <a:tailEnd type="triangle"/>
+          </a:ln>
+        </p:spPr>
+        <p:style>
+          <a:lnRef idx="1">
+            <a:schemeClr val="accent1"/>
+          </a:lnRef>
+          <a:fillRef idx="0">
+            <a:schemeClr val="accent1"/>
+          </a:fillRef>
+          <a:effectRef idx="0">
+            <a:schemeClr val="accent1"/>
+          </a:effectRef>
+          <a:fontRef idx="minor">
+            <a:schemeClr val="tx1"/>
+          </a:fontRef>
+        </p:style>
+      </p:cxnSp>
+      <p:cxnSp>
+        <p:nvCxnSpPr>
+          <p:cNvPr id="43" name="Connecteur droit avec flèche 42"/>
+          <p:cNvCxnSpPr/>
+          <p:nvPr/>
+        </p:nvCxnSpPr>
+        <p:spPr>
+          <a:xfrm rot="10800000" flipH="1">
+            <a:off x="6151418" y="5347852"/>
+            <a:ext cx="692727" cy="0"/>
+          </a:xfrm>
+          <a:prstGeom prst="straightConnector1">
+            <a:avLst/>
+          </a:prstGeom>
+          <a:ln w="28575">
+            <a:solidFill>
+              <a:schemeClr val="tx1"/>
+            </a:solidFill>
+            <a:tailEnd type="triangle"/>
+          </a:ln>
+        </p:spPr>
+        <p:style>
+          <a:lnRef idx="1">
+            <a:schemeClr val="accent1"/>
+          </a:lnRef>
+          <a:fillRef idx="0">
+            <a:schemeClr val="accent1"/>
+          </a:fillRef>
+          <a:effectRef idx="0">
+            <a:schemeClr val="accent1"/>
+          </a:effectRef>
+          <a:fontRef idx="minor">
+            <a:schemeClr val="tx1"/>
+          </a:fontRef>
+        </p:style>
+      </p:cxnSp>
+      <p:sp>
+        <p:nvSpPr>
+          <p:cNvPr id="44" name="ZoneTexte 43"/>
+          <p:cNvSpPr txBox="1"/>
+          <p:nvPr/>
+        </p:nvSpPr>
+        <p:spPr>
+          <a:xfrm>
+            <a:off x="6886246" y="4853364"/>
+            <a:ext cx="378630" cy="369332"/>
+          </a:xfrm>
+          <a:prstGeom prst="rect">
+            <a:avLst/>
+          </a:prstGeom>
+          <a:noFill/>
+        </p:spPr>
+        <p:txBody>
+          <a:bodyPr wrap="none" rtlCol="0">
+            <a:spAutoFit/>
+          </a:bodyPr>
+          <a:lstStyle/>
+          <a:p>
+            <a:pPr algn="l"/>
+            <a:r>
+              <a:rPr lang="fr-FR" sz="1800" dirty="0" err="1" smtClean="0"/>
+              <a:t>a</a:t>
+            </a:r>
+            <a:r>
+              <a:rPr lang="fr-FR" sz="1800" baseline="-25000" dirty="0" err="1" smtClean="0"/>
+              <a:t>R</a:t>
+            </a:r>
+            <a:endParaRPr lang="en-GB" sz="1800" baseline="-25000" dirty="0"/>
+          </a:p>
+        </p:txBody>
+      </p:sp>
+      <p:sp>
+        <p:nvSpPr>
+          <p:cNvPr id="45" name="ZoneTexte 44"/>
+          <p:cNvSpPr txBox="1"/>
+          <p:nvPr/>
+        </p:nvSpPr>
+        <p:spPr>
+          <a:xfrm>
+            <a:off x="6900096" y="5144312"/>
+            <a:ext cx="389850" cy="369332"/>
+          </a:xfrm>
+          <a:prstGeom prst="rect">
+            <a:avLst/>
+          </a:prstGeom>
+          <a:noFill/>
+        </p:spPr>
+        <p:txBody>
+          <a:bodyPr wrap="none" rtlCol="0">
+            <a:spAutoFit/>
+          </a:bodyPr>
+          <a:lstStyle/>
+          <a:p>
+            <a:pPr algn="l"/>
+            <a:r>
+              <a:rPr lang="fr-FR" sz="1800" dirty="0" err="1" smtClean="0"/>
+              <a:t>b</a:t>
+            </a:r>
+            <a:r>
+              <a:rPr lang="fr-FR" sz="1800" baseline="-25000" dirty="0" err="1" smtClean="0"/>
+              <a:t>R</a:t>
+            </a:r>
+            <a:endParaRPr lang="en-GB" sz="1800" baseline="-25000" dirty="0"/>
+          </a:p>
+        </p:txBody>
+      </p:sp>
+      <p:sp>
+        <p:nvSpPr>
+          <p:cNvPr id="3" name="ZoneTexte 2"/>
+          <p:cNvSpPr txBox="1"/>
+          <p:nvPr/>
+        </p:nvSpPr>
+        <p:spPr>
+          <a:xfrm>
+            <a:off x="3301821" y="3525500"/>
+            <a:ext cx="301686" cy="369332"/>
+          </a:xfrm>
+          <a:prstGeom prst="rect">
+            <a:avLst/>
+          </a:prstGeom>
+          <a:noFill/>
+        </p:spPr>
+        <p:txBody>
+          <a:bodyPr wrap="none" rtlCol="0">
+            <a:spAutoFit/>
+          </a:bodyPr>
+          <a:lstStyle/>
+          <a:p>
+            <a:pPr algn="l"/>
+            <a:r>
+              <a:rPr lang="fr-FR" sz="1800" dirty="0" smtClean="0"/>
+              <a:t>1</a:t>
+            </a:r>
+            <a:endParaRPr lang="en-GB" sz="1800" dirty="0"/>
+          </a:p>
+        </p:txBody>
+      </p:sp>
+      <p:sp>
+        <p:nvSpPr>
+          <p:cNvPr id="46" name="ZoneTexte 45"/>
+          <p:cNvSpPr txBox="1"/>
+          <p:nvPr/>
+        </p:nvSpPr>
+        <p:spPr>
+          <a:xfrm>
+            <a:off x="3315673" y="3927284"/>
+            <a:ext cx="301686" cy="369332"/>
+          </a:xfrm>
+          <a:prstGeom prst="rect">
+            <a:avLst/>
+          </a:prstGeom>
+          <a:noFill/>
+        </p:spPr>
+        <p:txBody>
+          <a:bodyPr wrap="none" rtlCol="0">
+            <a:spAutoFit/>
+          </a:bodyPr>
+          <a:lstStyle/>
+          <a:p>
+            <a:pPr algn="l"/>
+            <a:r>
+              <a:rPr lang="fr-FR" sz="1800" dirty="0" smtClean="0"/>
+              <a:t>2</a:t>
+            </a:r>
+            <a:endParaRPr lang="en-GB" sz="1800" dirty="0"/>
+          </a:p>
+        </p:txBody>
+      </p:sp>
+      <p:sp>
+        <p:nvSpPr>
+          <p:cNvPr id="47" name="ZoneTexte 46"/>
+          <p:cNvSpPr txBox="1"/>
+          <p:nvPr/>
+        </p:nvSpPr>
+        <p:spPr>
+          <a:xfrm>
+            <a:off x="3329387" y="4675424"/>
+            <a:ext cx="301686" cy="369332"/>
+          </a:xfrm>
+          <a:prstGeom prst="rect">
+            <a:avLst/>
+          </a:prstGeom>
+          <a:noFill/>
+        </p:spPr>
+        <p:txBody>
+          <a:bodyPr wrap="none" rtlCol="0">
+            <a:spAutoFit/>
+          </a:bodyPr>
+          <a:lstStyle/>
+          <a:p>
+            <a:pPr algn="l"/>
+            <a:r>
+              <a:rPr lang="fr-FR" sz="1800" dirty="0"/>
+              <a:t>3</a:t>
+            </a:r>
+            <a:endParaRPr lang="en-GB" sz="1800" dirty="0"/>
+          </a:p>
+        </p:txBody>
+      </p:sp>
+      <p:sp>
+        <p:nvSpPr>
+          <p:cNvPr id="48" name="ZoneTexte 47"/>
+          <p:cNvSpPr txBox="1"/>
+          <p:nvPr/>
+        </p:nvSpPr>
+        <p:spPr>
+          <a:xfrm>
+            <a:off x="3329526" y="5077208"/>
+            <a:ext cx="301686" cy="369332"/>
+          </a:xfrm>
+          <a:prstGeom prst="rect">
+            <a:avLst/>
+          </a:prstGeom>
+          <a:noFill/>
+        </p:spPr>
+        <p:txBody>
+          <a:bodyPr wrap="none" rtlCol="0">
+            <a:spAutoFit/>
+          </a:bodyPr>
+          <a:lstStyle/>
+          <a:p>
+            <a:pPr algn="l"/>
+            <a:r>
+              <a:rPr lang="fr-FR" sz="1800" dirty="0" smtClean="0"/>
+              <a:t>4</a:t>
+            </a:r>
+            <a:endParaRPr lang="en-GB" sz="1800" dirty="0"/>
+          </a:p>
+        </p:txBody>
+      </p:sp>
+    </p:spTree>
+    <p:extLst>
+      <p:ext uri="{BB962C8B-B14F-4D97-AF65-F5344CB8AC3E}">
+        <p14:creationId xmlns:p14="http://schemas.microsoft.com/office/powerpoint/2010/main" val="2025774753"/>
+      </p:ext>
+    </p:extLst>
+  </p:cSld>
+  <p:clrMapOvr>
+    <a:masterClrMapping/>
+  </p:clrMapOvr>
+  <p:timing>
+    <p:tnLst>
+      <p:par>
+        <p:cTn id="1" dur="indefinite" restart="never" nodeType="tmRoot"/>
+      </p:par>
+    </p:tnLst>
+  </p:timing>
+</p:sld>
+</file>
+
 <file path=ppt/slides/slide2.xml><?xml version="1.0" encoding="utf-8"?>
 <p:sld xmlns:a="http://schemas.openxmlformats.org/drawingml/2006/main" xmlns:r="http://schemas.openxmlformats.org/officeDocument/2006/relationships" xmlns:p="http://schemas.openxmlformats.org/presentationml/2006/main">
   <p:cSld>
